--- a/Stefan_Stojanovic_Bsc_ppt.pptx
+++ b/Stefan_Stojanovic_Bsc_ppt.pptx
@@ -5,7 +5,7 @@
     <p:sldMasterId id="2147483648" r:id="rId1"/>
   </p:sldMasterIdLst>
   <p:notesMasterIdLst>
-    <p:notesMasterId r:id="rId14"/>
+    <p:notesMasterId r:id="rId18"/>
   </p:notesMasterIdLst>
   <p:sldIdLst>
     <p:sldId id="256" r:id="rId2"/>
@@ -17,9 +17,13 @@
     <p:sldId id="262" r:id="rId8"/>
     <p:sldId id="264" r:id="rId9"/>
     <p:sldId id="268" r:id="rId10"/>
-    <p:sldId id="269" r:id="rId11"/>
-    <p:sldId id="266" r:id="rId12"/>
-    <p:sldId id="265" r:id="rId13"/>
+    <p:sldId id="271" r:id="rId11"/>
+    <p:sldId id="269" r:id="rId12"/>
+    <p:sldId id="266" r:id="rId13"/>
+    <p:sldId id="265" r:id="rId14"/>
+    <p:sldId id="272" r:id="rId15"/>
+    <p:sldId id="270" r:id="rId16"/>
+    <p:sldId id="273" r:id="rId17"/>
   </p:sldIdLst>
   <p:sldSz cx="9144000" cy="5143500" type="screen16x9"/>
   <p:notesSz cx="6858000" cy="9144000"/>
@@ -1124,6 +1128,109 @@
 </p:notes>
 </file>
 
+<file path=ppt/notesSlides/notesSlide10.xml><?xml version="1.0" encoding="utf-8"?>
+<p:notes xmlns:a="http://schemas.openxmlformats.org/drawingml/2006/main" xmlns:r="http://schemas.openxmlformats.org/officeDocument/2006/relationships" xmlns:p="http://schemas.openxmlformats.org/presentationml/2006/main">
+  <p:cSld>
+    <p:spTree>
+      <p:nvGrpSpPr>
+        <p:cNvPr id="1" name=""/>
+        <p:cNvGrpSpPr/>
+        <p:nvPr/>
+      </p:nvGrpSpPr>
+      <p:grpSpPr>
+        <a:xfrm>
+          <a:off x="0" y="0"/>
+          <a:ext cx="0" cy="0"/>
+          <a:chOff x="0" y="0"/>
+          <a:chExt cx="0" cy="0"/>
+        </a:xfrm>
+      </p:grpSpPr>
+      <p:sp>
+        <p:nvSpPr>
+          <p:cNvPr id="2" name="Slide Image Placeholder 1"/>
+          <p:cNvSpPr>
+            <a:spLocks noGrp="1" noRot="1" noChangeAspect="1"/>
+          </p:cNvSpPr>
+          <p:nvPr>
+            <p:ph type="sldImg"/>
+          </p:nvPr>
+        </p:nvSpPr>
+        <p:spPr/>
+      </p:sp>
+      <p:sp>
+        <p:nvSpPr>
+          <p:cNvPr id="3" name="Notes Placeholder 2"/>
+          <p:cNvSpPr>
+            <a:spLocks noGrp="1"/>
+          </p:cNvSpPr>
+          <p:nvPr>
+            <p:ph type="body" idx="1"/>
+          </p:nvPr>
+        </p:nvSpPr>
+        <p:spPr/>
+        <p:txBody>
+          <a:bodyPr/>
+          <a:lstStyle/>
+          <a:p>
+            <a:r>
+              <a:rPr lang="sr-Latn-RS" dirty="0" smtClean="0"/>
+              <a:t>-</a:t>
+            </a:r>
+            <a:r>
+              <a:rPr lang="sr-Latn-RS" baseline="0" dirty="0" smtClean="0"/>
+              <a:t> Pri izmeni podatka bilo kog čvora stabla novi podatak se odmah upisuje u odgovarajući element python rečnika</a:t>
+            </a:r>
+          </a:p>
+          <a:p>
+            <a:r>
+              <a:rPr lang="sr-Latn-RS" dirty="0" smtClean="0"/>
+              <a:t>-</a:t>
+            </a:r>
+            <a:r>
+              <a:rPr lang="sr-Latn-RS" baseline="0" dirty="0" smtClean="0"/>
+              <a:t> Elementi jinja2 šablona se popunjavaju odgovarajućim elementima python rečnika pri čuvanju dokumenta na hard disk</a:t>
+            </a:r>
+            <a:endParaRPr lang="en-US" dirty="0"/>
+          </a:p>
+        </p:txBody>
+      </p:sp>
+      <p:sp>
+        <p:nvSpPr>
+          <p:cNvPr id="4" name="Slide Number Placeholder 3"/>
+          <p:cNvSpPr>
+            <a:spLocks noGrp="1"/>
+          </p:cNvSpPr>
+          <p:nvPr>
+            <p:ph type="sldNum" sz="quarter" idx="10"/>
+          </p:nvPr>
+        </p:nvSpPr>
+        <p:spPr/>
+        <p:txBody>
+          <a:bodyPr/>
+          <a:lstStyle/>
+          <a:p>
+            <a:fld id="{6C2AB10A-991B-4A9D-BDBD-AB84E53F1688}" type="slidenum">
+              <a:rPr lang="en-US" smtClean="0"/>
+              <a:pPr/>
+              <a:t>14</a:t>
+            </a:fld>
+            <a:endParaRPr lang="en-US"/>
+          </a:p>
+        </p:txBody>
+      </p:sp>
+    </p:spTree>
+    <p:extLst>
+      <p:ext uri="{BB962C8B-B14F-4D97-AF65-F5344CB8AC3E}">
+        <p14:creationId xmlns:p14="http://schemas.microsoft.com/office/powerpoint/2010/main" val="4234818230"/>
+      </p:ext>
+    </p:extLst>
+  </p:cSld>
+  <p:clrMapOvr>
+    <a:masterClrMapping/>
+  </p:clrMapOvr>
+</p:notes>
+</file>
+
 <file path=ppt/notesSlides/notesSlide2.xml><?xml version="1.0" encoding="utf-8"?>
 <p:notes xmlns:a="http://schemas.openxmlformats.org/drawingml/2006/main" xmlns:r="http://schemas.openxmlformats.org/officeDocument/2006/relationships" xmlns:p="http://schemas.openxmlformats.org/presentationml/2006/main">
   <p:cSld>
@@ -2817,6 +2924,631 @@
     <p:extLst>
       <p:ext uri="{BB962C8B-B14F-4D97-AF65-F5344CB8AC3E}">
         <p14:creationId xmlns:p14="http://schemas.microsoft.com/office/powerpoint/2010/main" val="2652972851"/>
+      </p:ext>
+    </p:extLst>
+  </p:cSld>
+  <p:clrMapOvr>
+    <a:masterClrMapping/>
+  </p:clrMapOvr>
+</p:notes>
+</file>
+
+<file path=ppt/notesSlides/notesSlide5.xml><?xml version="1.0" encoding="utf-8"?>
+<p:notes xmlns:a="http://schemas.openxmlformats.org/drawingml/2006/main" xmlns:r="http://schemas.openxmlformats.org/officeDocument/2006/relationships" xmlns:p="http://schemas.openxmlformats.org/presentationml/2006/main">
+  <p:cSld>
+    <p:spTree>
+      <p:nvGrpSpPr>
+        <p:cNvPr id="1" name=""/>
+        <p:cNvGrpSpPr/>
+        <p:nvPr/>
+      </p:nvGrpSpPr>
+      <p:grpSpPr>
+        <a:xfrm>
+          <a:off x="0" y="0"/>
+          <a:ext cx="0" cy="0"/>
+          <a:chOff x="0" y="0"/>
+          <a:chExt cx="0" cy="0"/>
+        </a:xfrm>
+      </p:grpSpPr>
+      <p:sp>
+        <p:nvSpPr>
+          <p:cNvPr id="2" name="Slide Image Placeholder 1"/>
+          <p:cNvSpPr>
+            <a:spLocks noGrp="1" noRot="1" noChangeAspect="1"/>
+          </p:cNvSpPr>
+          <p:nvPr>
+            <p:ph type="sldImg"/>
+          </p:nvPr>
+        </p:nvSpPr>
+        <p:spPr/>
+      </p:sp>
+      <p:sp>
+        <p:nvSpPr>
+          <p:cNvPr id="3" name="Notes Placeholder 2"/>
+          <p:cNvSpPr>
+            <a:spLocks noGrp="1"/>
+          </p:cNvSpPr>
+          <p:nvPr>
+            <p:ph type="body" idx="1"/>
+          </p:nvPr>
+        </p:nvSpPr>
+        <p:spPr/>
+        <p:txBody>
+          <a:bodyPr/>
+          <a:lstStyle/>
+          <a:p>
+            <a:r>
+              <a:rPr lang="sr-Latn-RS" dirty="0" smtClean="0"/>
+              <a:t>-  </a:t>
+            </a:r>
+            <a:r>
+              <a:rPr lang="sr-Latn-RS" baseline="0" dirty="0" smtClean="0"/>
+              <a:t> </a:t>
+            </a:r>
+            <a:r>
+              <a:rPr lang="sr-Latn-RS" dirty="0" smtClean="0"/>
+              <a:t>xmltodict</a:t>
+            </a:r>
+            <a:r>
+              <a:rPr lang="sr-Latn-RS" baseline="0" dirty="0" smtClean="0"/>
+              <a:t> za p</a:t>
+            </a:r>
+            <a:r>
+              <a:rPr lang="en-US" dirty="0" err="1" smtClean="0"/>
+              <a:t>arsiranje</a:t>
+            </a:r>
+            <a:r>
+              <a:rPr lang="en-US" dirty="0" smtClean="0"/>
+              <a:t> </a:t>
+            </a:r>
+            <a:r>
+              <a:rPr lang="en-US" dirty="0" err="1" smtClean="0"/>
+              <a:t>pri</a:t>
+            </a:r>
+            <a:r>
+              <a:rPr lang="en-US" dirty="0" smtClean="0"/>
+              <a:t> u</a:t>
+            </a:r>
+            <a:r>
+              <a:rPr lang="sr-Latn-RS" dirty="0" smtClean="0"/>
+              <a:t>čitavanju XML dokumenta</a:t>
+            </a:r>
+          </a:p>
+          <a:p>
+            <a:pPr marL="0" indent="0">
+              <a:buFontTx/>
+              <a:buNone/>
+            </a:pPr>
+            <a:r>
+              <a:rPr lang="sr-Latn-RS" dirty="0" smtClean="0"/>
+              <a:t>-   čvorovi stabla su</a:t>
+            </a:r>
+            <a:r>
+              <a:rPr lang="sr-Latn-RS" baseline="0" dirty="0" smtClean="0"/>
+              <a:t> u vidu python rečnika </a:t>
+            </a:r>
+          </a:p>
+          <a:p>
+            <a:pPr marL="171450" indent="-171450">
+              <a:buFontTx/>
+              <a:buChar char="-"/>
+            </a:pPr>
+            <a:r>
+              <a:rPr lang="sr-Latn-RS" dirty="0" smtClean="0"/>
+              <a:t>wxTreeCtrl</a:t>
+            </a:r>
+            <a:r>
+              <a:rPr lang="sr-Latn-RS" baseline="0" dirty="0" smtClean="0"/>
+              <a:t> predstava stabla koja se popunjava elementima dobijenog rečnika</a:t>
+            </a:r>
+          </a:p>
+          <a:p>
+            <a:pPr marL="171450" indent="-171450">
+              <a:buFontTx/>
+              <a:buChar char="-"/>
+            </a:pPr>
+            <a:endParaRPr lang="en-US" dirty="0"/>
+          </a:p>
+        </p:txBody>
+      </p:sp>
+      <p:sp>
+        <p:nvSpPr>
+          <p:cNvPr id="4" name="Slide Number Placeholder 3"/>
+          <p:cNvSpPr>
+            <a:spLocks noGrp="1"/>
+          </p:cNvSpPr>
+          <p:nvPr>
+            <p:ph type="sldNum" sz="quarter" idx="10"/>
+          </p:nvPr>
+        </p:nvSpPr>
+        <p:spPr/>
+        <p:txBody>
+          <a:bodyPr/>
+          <a:lstStyle/>
+          <a:p>
+            <a:fld id="{6C2AB10A-991B-4A9D-BDBD-AB84E53F1688}" type="slidenum">
+              <a:rPr lang="en-US" smtClean="0"/>
+              <a:pPr/>
+              <a:t>8</a:t>
+            </a:fld>
+            <a:endParaRPr lang="en-US"/>
+          </a:p>
+        </p:txBody>
+      </p:sp>
+    </p:spTree>
+    <p:extLst>
+      <p:ext uri="{BB962C8B-B14F-4D97-AF65-F5344CB8AC3E}">
+        <p14:creationId xmlns:p14="http://schemas.microsoft.com/office/powerpoint/2010/main" val="1751340858"/>
+      </p:ext>
+    </p:extLst>
+  </p:cSld>
+  <p:clrMapOvr>
+    <a:masterClrMapping/>
+  </p:clrMapOvr>
+</p:notes>
+</file>
+
+<file path=ppt/notesSlides/notesSlide6.xml><?xml version="1.0" encoding="utf-8"?>
+<p:notes xmlns:a="http://schemas.openxmlformats.org/drawingml/2006/main" xmlns:r="http://schemas.openxmlformats.org/officeDocument/2006/relationships" xmlns:p="http://schemas.openxmlformats.org/presentationml/2006/main">
+  <p:cSld>
+    <p:spTree>
+      <p:nvGrpSpPr>
+        <p:cNvPr id="1" name=""/>
+        <p:cNvGrpSpPr/>
+        <p:nvPr/>
+      </p:nvGrpSpPr>
+      <p:grpSpPr>
+        <a:xfrm>
+          <a:off x="0" y="0"/>
+          <a:ext cx="0" cy="0"/>
+          <a:chOff x="0" y="0"/>
+          <a:chExt cx="0" cy="0"/>
+        </a:xfrm>
+      </p:grpSpPr>
+      <p:sp>
+        <p:nvSpPr>
+          <p:cNvPr id="2" name="Slide Image Placeholder 1"/>
+          <p:cNvSpPr>
+            <a:spLocks noGrp="1" noRot="1" noChangeAspect="1"/>
+          </p:cNvSpPr>
+          <p:nvPr>
+            <p:ph type="sldImg"/>
+          </p:nvPr>
+        </p:nvSpPr>
+        <p:spPr/>
+      </p:sp>
+      <p:sp>
+        <p:nvSpPr>
+          <p:cNvPr id="3" name="Notes Placeholder 2"/>
+          <p:cNvSpPr>
+            <a:spLocks noGrp="1"/>
+          </p:cNvSpPr>
+          <p:nvPr>
+            <p:ph type="body" idx="1"/>
+          </p:nvPr>
+        </p:nvSpPr>
+        <p:spPr/>
+        <p:txBody>
+          <a:bodyPr/>
+          <a:lstStyle/>
+          <a:p>
+            <a:pPr marL="171450" indent="-171450">
+              <a:buFontTx/>
+              <a:buChar char="-"/>
+            </a:pPr>
+            <a:r>
+              <a:rPr lang="sr-Latn-RS" dirty="0" smtClean="0"/>
+              <a:t>Sve</a:t>
+            </a:r>
+            <a:r>
+              <a:rPr lang="sr-Latn-RS" baseline="0" dirty="0" smtClean="0"/>
+              <a:t> opcije su dostupne korisniku u vidu padajućih menija (File, Edit...)</a:t>
+            </a:r>
+          </a:p>
+          <a:p>
+            <a:pPr marL="171450" indent="-171450">
+              <a:buFontTx/>
+              <a:buChar char="-"/>
+            </a:pPr>
+            <a:r>
+              <a:rPr lang="sr-Latn-RS" baseline="0" dirty="0" smtClean="0"/>
+              <a:t>wxToolbar predstavlja iste opcije u vidu trake sa alatima radi bržeg pristupa</a:t>
+            </a:r>
+          </a:p>
+          <a:p>
+            <a:pPr marL="171450" indent="-171450">
+              <a:buFontTx/>
+              <a:buChar char="-"/>
+            </a:pPr>
+            <a:r>
+              <a:rPr lang="sr-Latn-RS" baseline="0" dirty="0" smtClean="0"/>
+              <a:t>Klikom na opciju Settings pojavljuje se poseban prozor za podešavanje željenih ponuđenih putanja pri otvaranju i čuvanju dokumenata, lokaciji XML dokumenata i lokaciji čuvanja liste izveštaja</a:t>
+            </a:r>
+          </a:p>
+          <a:p>
+            <a:pPr marL="171450" indent="-171450">
+              <a:buFontTx/>
+              <a:buChar char="-"/>
+            </a:pPr>
+            <a:r>
+              <a:rPr lang="sr-Latn-RS" baseline="0" dirty="0" smtClean="0"/>
+              <a:t>Prilikom završetka izvoza svih XML dokumenata iz TestReport direktorijuma u PDF format, pojavljuje se poseban prozor sa prikazom statusa izvoza</a:t>
+            </a:r>
+          </a:p>
+          <a:p>
+            <a:pPr marL="171450" indent="-171450">
+              <a:buFontTx/>
+              <a:buChar char="-"/>
+            </a:pPr>
+            <a:r>
+              <a:rPr lang="sr-Latn-RS" baseline="0" dirty="0" smtClean="0"/>
+              <a:t>Statusna traka pruža detaljniji opis opcija sa trake pri prelaskom mišem preko ikonica, kao i stanje opcija koje traju</a:t>
+            </a:r>
+            <a:endParaRPr lang="en-US" dirty="0"/>
+          </a:p>
+        </p:txBody>
+      </p:sp>
+      <p:sp>
+        <p:nvSpPr>
+          <p:cNvPr id="4" name="Slide Number Placeholder 3"/>
+          <p:cNvSpPr>
+            <a:spLocks noGrp="1"/>
+          </p:cNvSpPr>
+          <p:nvPr>
+            <p:ph type="sldNum" sz="quarter" idx="10"/>
+          </p:nvPr>
+        </p:nvSpPr>
+        <p:spPr/>
+        <p:txBody>
+          <a:bodyPr/>
+          <a:lstStyle/>
+          <a:p>
+            <a:fld id="{6C2AB10A-991B-4A9D-BDBD-AB84E53F1688}" type="slidenum">
+              <a:rPr lang="en-US" smtClean="0"/>
+              <a:pPr/>
+              <a:t>9</a:t>
+            </a:fld>
+            <a:endParaRPr lang="en-US"/>
+          </a:p>
+        </p:txBody>
+      </p:sp>
+    </p:spTree>
+    <p:extLst>
+      <p:ext uri="{BB962C8B-B14F-4D97-AF65-F5344CB8AC3E}">
+        <p14:creationId xmlns:p14="http://schemas.microsoft.com/office/powerpoint/2010/main" val="1176679601"/>
+      </p:ext>
+    </p:extLst>
+  </p:cSld>
+  <p:clrMapOvr>
+    <a:masterClrMapping/>
+  </p:clrMapOvr>
+</p:notes>
+</file>
+
+<file path=ppt/notesSlides/notesSlide7.xml><?xml version="1.0" encoding="utf-8"?>
+<p:notes xmlns:a="http://schemas.openxmlformats.org/drawingml/2006/main" xmlns:r="http://schemas.openxmlformats.org/officeDocument/2006/relationships" xmlns:p="http://schemas.openxmlformats.org/presentationml/2006/main">
+  <p:cSld>
+    <p:spTree>
+      <p:nvGrpSpPr>
+        <p:cNvPr id="1" name=""/>
+        <p:cNvGrpSpPr/>
+        <p:nvPr/>
+      </p:nvGrpSpPr>
+      <p:grpSpPr>
+        <a:xfrm>
+          <a:off x="0" y="0"/>
+          <a:ext cx="0" cy="0"/>
+          <a:chOff x="0" y="0"/>
+          <a:chExt cx="0" cy="0"/>
+        </a:xfrm>
+      </p:grpSpPr>
+      <p:sp>
+        <p:nvSpPr>
+          <p:cNvPr id="2" name="Slide Image Placeholder 1"/>
+          <p:cNvSpPr>
+            <a:spLocks noGrp="1" noRot="1" noChangeAspect="1"/>
+          </p:cNvSpPr>
+          <p:nvPr>
+            <p:ph type="sldImg"/>
+          </p:nvPr>
+        </p:nvSpPr>
+        <p:spPr/>
+      </p:sp>
+      <p:sp>
+        <p:nvSpPr>
+          <p:cNvPr id="3" name="Notes Placeholder 2"/>
+          <p:cNvSpPr>
+            <a:spLocks noGrp="1"/>
+          </p:cNvSpPr>
+          <p:nvPr>
+            <p:ph type="body" idx="1"/>
+          </p:nvPr>
+        </p:nvSpPr>
+        <p:spPr/>
+        <p:txBody>
+          <a:bodyPr/>
+          <a:lstStyle/>
+          <a:p>
+            <a:pPr marL="171450" indent="-171450">
+              <a:buFontTx/>
+              <a:buChar char="-"/>
+            </a:pPr>
+            <a:r>
+              <a:rPr lang="sr-Latn-RS" dirty="0" smtClean="0"/>
+              <a:t>Python biblioteka fpdf za</a:t>
+            </a:r>
+            <a:r>
+              <a:rPr lang="sr-Latn-RS" baseline="0" dirty="0" smtClean="0"/>
+              <a:t> generisanje PDF dokumenata baziranih na XML dokumentima</a:t>
+            </a:r>
+          </a:p>
+          <a:p>
+            <a:pPr marL="171450" indent="-171450">
+              <a:buFontTx/>
+              <a:buChar char="-"/>
+            </a:pPr>
+            <a:r>
+              <a:rPr lang="sr-Latn-RS" dirty="0" smtClean="0"/>
+              <a:t>Pri pokretanju opcije za PDF format, </a:t>
+            </a:r>
+            <a:r>
+              <a:rPr lang="sr-Latn-RS" baseline="0" dirty="0" smtClean="0"/>
+              <a:t>podaci iz python rečnika se prenose na odgovarajuće mesto unutar stranica dokumenta</a:t>
+            </a:r>
+            <a:endParaRPr lang="en-US" dirty="0"/>
+          </a:p>
+        </p:txBody>
+      </p:sp>
+      <p:sp>
+        <p:nvSpPr>
+          <p:cNvPr id="4" name="Slide Number Placeholder 3"/>
+          <p:cNvSpPr>
+            <a:spLocks noGrp="1"/>
+          </p:cNvSpPr>
+          <p:nvPr>
+            <p:ph type="sldNum" sz="quarter" idx="10"/>
+          </p:nvPr>
+        </p:nvSpPr>
+        <p:spPr/>
+        <p:txBody>
+          <a:bodyPr/>
+          <a:lstStyle/>
+          <a:p>
+            <a:fld id="{6C2AB10A-991B-4A9D-BDBD-AB84E53F1688}" type="slidenum">
+              <a:rPr lang="en-US" smtClean="0"/>
+              <a:pPr/>
+              <a:t>10</a:t>
+            </a:fld>
+            <a:endParaRPr lang="en-US"/>
+          </a:p>
+        </p:txBody>
+      </p:sp>
+    </p:spTree>
+    <p:extLst>
+      <p:ext uri="{BB962C8B-B14F-4D97-AF65-F5344CB8AC3E}">
+        <p14:creationId xmlns:p14="http://schemas.microsoft.com/office/powerpoint/2010/main" val="1286429879"/>
+      </p:ext>
+    </p:extLst>
+  </p:cSld>
+  <p:clrMapOvr>
+    <a:masterClrMapping/>
+  </p:clrMapOvr>
+</p:notes>
+</file>
+
+<file path=ppt/notesSlides/notesSlide8.xml><?xml version="1.0" encoding="utf-8"?>
+<p:notes xmlns:a="http://schemas.openxmlformats.org/drawingml/2006/main" xmlns:r="http://schemas.openxmlformats.org/officeDocument/2006/relationships" xmlns:p="http://schemas.openxmlformats.org/presentationml/2006/main">
+  <p:cSld>
+    <p:spTree>
+      <p:nvGrpSpPr>
+        <p:cNvPr id="1" name=""/>
+        <p:cNvGrpSpPr/>
+        <p:nvPr/>
+      </p:nvGrpSpPr>
+      <p:grpSpPr>
+        <a:xfrm>
+          <a:off x="0" y="0"/>
+          <a:ext cx="0" cy="0"/>
+          <a:chOff x="0" y="0"/>
+          <a:chExt cx="0" cy="0"/>
+        </a:xfrm>
+      </p:grpSpPr>
+      <p:sp>
+        <p:nvSpPr>
+          <p:cNvPr id="2" name="Slide Image Placeholder 1"/>
+          <p:cNvSpPr>
+            <a:spLocks noGrp="1" noRot="1" noChangeAspect="1"/>
+          </p:cNvSpPr>
+          <p:nvPr>
+            <p:ph type="sldImg"/>
+          </p:nvPr>
+        </p:nvSpPr>
+        <p:spPr/>
+      </p:sp>
+      <p:sp>
+        <p:nvSpPr>
+          <p:cNvPr id="3" name="Notes Placeholder 2"/>
+          <p:cNvSpPr>
+            <a:spLocks noGrp="1"/>
+          </p:cNvSpPr>
+          <p:nvPr>
+            <p:ph type="body" idx="1"/>
+          </p:nvPr>
+        </p:nvSpPr>
+        <p:spPr/>
+        <p:txBody>
+          <a:bodyPr/>
+          <a:lstStyle/>
+          <a:p>
+            <a:r>
+              <a:rPr lang="sr-Latn-RS" dirty="0" smtClean="0"/>
+              <a:t>- Radi lakšeg i bržeg korišćenja aplikacije, implementirana je funkcionalnost pretrage čvorova stabla sa nazivom TestCase</a:t>
+            </a:r>
+            <a:endParaRPr lang="en-US" dirty="0"/>
+          </a:p>
+        </p:txBody>
+      </p:sp>
+      <p:sp>
+        <p:nvSpPr>
+          <p:cNvPr id="4" name="Slide Number Placeholder 3"/>
+          <p:cNvSpPr>
+            <a:spLocks noGrp="1"/>
+          </p:cNvSpPr>
+          <p:nvPr>
+            <p:ph type="sldNum" sz="quarter" idx="10"/>
+          </p:nvPr>
+        </p:nvSpPr>
+        <p:spPr/>
+        <p:txBody>
+          <a:bodyPr/>
+          <a:lstStyle/>
+          <a:p>
+            <a:fld id="{6C2AB10A-991B-4A9D-BDBD-AB84E53F1688}" type="slidenum">
+              <a:rPr lang="en-US" smtClean="0"/>
+              <a:pPr/>
+              <a:t>11</a:t>
+            </a:fld>
+            <a:endParaRPr lang="en-US"/>
+          </a:p>
+        </p:txBody>
+      </p:sp>
+    </p:spTree>
+    <p:extLst>
+      <p:ext uri="{BB962C8B-B14F-4D97-AF65-F5344CB8AC3E}">
+        <p14:creationId xmlns:p14="http://schemas.microsoft.com/office/powerpoint/2010/main" val="1571866566"/>
+      </p:ext>
+    </p:extLst>
+  </p:cSld>
+  <p:clrMapOvr>
+    <a:masterClrMapping/>
+  </p:clrMapOvr>
+</p:notes>
+</file>
+
+<file path=ppt/notesSlides/notesSlide9.xml><?xml version="1.0" encoding="utf-8"?>
+<p:notes xmlns:a="http://schemas.openxmlformats.org/drawingml/2006/main" xmlns:r="http://schemas.openxmlformats.org/officeDocument/2006/relationships" xmlns:p="http://schemas.openxmlformats.org/presentationml/2006/main">
+  <p:cSld>
+    <p:spTree>
+      <p:nvGrpSpPr>
+        <p:cNvPr id="1" name=""/>
+        <p:cNvGrpSpPr/>
+        <p:nvPr/>
+      </p:nvGrpSpPr>
+      <p:grpSpPr>
+        <a:xfrm>
+          <a:off x="0" y="0"/>
+          <a:ext cx="0" cy="0"/>
+          <a:chOff x="0" y="0"/>
+          <a:chExt cx="0" cy="0"/>
+        </a:xfrm>
+      </p:grpSpPr>
+      <p:sp>
+        <p:nvSpPr>
+          <p:cNvPr id="2" name="Slide Image Placeholder 1"/>
+          <p:cNvSpPr>
+            <a:spLocks noGrp="1" noRot="1" noChangeAspect="1"/>
+          </p:cNvSpPr>
+          <p:nvPr>
+            <p:ph type="sldImg"/>
+          </p:nvPr>
+        </p:nvSpPr>
+        <p:spPr/>
+      </p:sp>
+      <p:sp>
+        <p:nvSpPr>
+          <p:cNvPr id="3" name="Notes Placeholder 2"/>
+          <p:cNvSpPr>
+            <a:spLocks noGrp="1"/>
+          </p:cNvSpPr>
+          <p:nvPr>
+            <p:ph type="body" idx="1"/>
+          </p:nvPr>
+        </p:nvSpPr>
+        <p:spPr/>
+        <p:txBody>
+          <a:bodyPr/>
+          <a:lstStyle/>
+          <a:p>
+            <a:pPr marL="171450" indent="-171450">
+              <a:buFontTx/>
+              <a:buChar char="-"/>
+            </a:pPr>
+            <a:r>
+              <a:rPr lang="sr-Latn-RS" dirty="0" smtClean="0"/>
+              <a:t>Prikaz</a:t>
+            </a:r>
+            <a:r>
+              <a:rPr lang="sr-Latn-RS" baseline="0" dirty="0" smtClean="0"/>
+              <a:t> svakog čvora </a:t>
+            </a:r>
+            <a:r>
+              <a:rPr lang="sr-Latn-RS" dirty="0" smtClean="0"/>
+              <a:t>se sastoji iz okvira sa nazivom elementa i odgovarajućeg grafičkog elementa, u zavisnosti od tipa samog elementa (unos teksta,</a:t>
+            </a:r>
+            <a:r>
+              <a:rPr lang="sr-Latn-RS" baseline="0" dirty="0" smtClean="0"/>
+              <a:t> izbor datih vrednosti, izbor datuma...</a:t>
+            </a:r>
+            <a:r>
+              <a:rPr lang="sr-Latn-RS" dirty="0" smtClean="0"/>
+              <a:t>)</a:t>
+            </a:r>
+          </a:p>
+          <a:p>
+            <a:pPr marL="171450" indent="-171450">
+              <a:buFontTx/>
+              <a:buChar char="-"/>
+            </a:pPr>
+            <a:r>
+              <a:rPr lang="sr-Latn-RS" dirty="0" smtClean="0"/>
+              <a:t>Grafički elementi se prikazuju u zavisnosti od selektovanog čvora na</a:t>
+            </a:r>
+            <a:r>
+              <a:rPr lang="sr-Latn-RS" baseline="0" dirty="0" smtClean="0"/>
+              <a:t> prikazu stabla u levom panelu</a:t>
+            </a:r>
+          </a:p>
+          <a:p>
+            <a:pPr marL="171450" indent="-171450">
+              <a:buFontTx/>
+              <a:buChar char="-"/>
+            </a:pPr>
+            <a:r>
+              <a:rPr lang="sr-Latn-RS" baseline="0" dirty="0" smtClean="0"/>
+              <a:t>Donji deo panela pruža detaljniji opis trenutno odabranog čvora (ukoliko on postoji u učitanom XML dokumentu)</a:t>
+            </a:r>
+            <a:endParaRPr lang="en-US" dirty="0"/>
+          </a:p>
+        </p:txBody>
+      </p:sp>
+      <p:sp>
+        <p:nvSpPr>
+          <p:cNvPr id="4" name="Slide Number Placeholder 3"/>
+          <p:cNvSpPr>
+            <a:spLocks noGrp="1"/>
+          </p:cNvSpPr>
+          <p:nvPr>
+            <p:ph type="sldNum" sz="quarter" idx="10"/>
+          </p:nvPr>
+        </p:nvSpPr>
+        <p:spPr/>
+        <p:txBody>
+          <a:bodyPr/>
+          <a:lstStyle/>
+          <a:p>
+            <a:fld id="{6C2AB10A-991B-4A9D-BDBD-AB84E53F1688}" type="slidenum">
+              <a:rPr lang="en-US" smtClean="0"/>
+              <a:pPr/>
+              <a:t>13</a:t>
+            </a:fld>
+            <a:endParaRPr lang="en-US"/>
+          </a:p>
+        </p:txBody>
+      </p:sp>
+    </p:spTree>
+    <p:extLst>
+      <p:ext uri="{BB962C8B-B14F-4D97-AF65-F5344CB8AC3E}">
+        <p14:creationId xmlns:p14="http://schemas.microsoft.com/office/powerpoint/2010/main" val="960748733"/>
       </p:ext>
     </p:extLst>
   </p:cSld>
@@ -6376,6 +7108,287 @@
           <a:p>
             <a:r>
               <a:rPr lang="sr-Latn-RS" dirty="0"/>
+              <a:t>Izgled grafičkog sučelja</a:t>
+            </a:r>
+            <a:endParaRPr lang="en-US" dirty="0"/>
+          </a:p>
+        </p:txBody>
+      </p:sp>
+      <p:pic>
+        <p:nvPicPr>
+          <p:cNvPr id="4" name="Content Placeholder 3"/>
+          <p:cNvPicPr>
+            <a:picLocks noGrp="1" noChangeAspect="1"/>
+          </p:cNvPicPr>
+          <p:nvPr>
+            <p:ph idx="1"/>
+          </p:nvPr>
+        </p:nvPicPr>
+        <p:blipFill>
+          <a:blip r:embed="rId3" cstate="print">
+            <a:extLst>
+              <a:ext uri="{28A0092B-C50C-407E-A947-70E740481C1C}">
+                <a14:useLocalDpi xmlns:a14="http://schemas.microsoft.com/office/drawing/2010/main" val="0"/>
+              </a:ext>
+            </a:extLst>
+          </a:blip>
+          <a:stretch>
+            <a:fillRect/>
+          </a:stretch>
+        </p:blipFill>
+        <p:spPr>
+          <a:xfrm>
+            <a:off x="598587" y="803618"/>
+            <a:ext cx="4140328" cy="4108305"/>
+          </a:xfrm>
+        </p:spPr>
+      </p:pic>
+      <p:sp>
+        <p:nvSpPr>
+          <p:cNvPr id="5" name="Content Placeholder 2"/>
+          <p:cNvSpPr txBox="1">
+            <a:spLocks/>
+          </p:cNvSpPr>
+          <p:nvPr/>
+        </p:nvSpPr>
+        <p:spPr>
+          <a:xfrm>
+            <a:off x="4633813" y="1684336"/>
+            <a:ext cx="4071256" cy="917689"/>
+          </a:xfrm>
+          <a:prstGeom prst="rect">
+            <a:avLst/>
+          </a:prstGeom>
+        </p:spPr>
+        <p:txBody>
+          <a:bodyPr vert="horz" lIns="91440" tIns="45720" rIns="91440" bIns="45720" rtlCol="0">
+            <a:normAutofit fontScale="85000" lnSpcReduction="10000"/>
+          </a:bodyPr>
+          <a:lstStyle>
+            <a:lvl1pPr marL="342000" indent="-342000" algn="l" defTabSz="914400" rtl="0" eaLnBrk="1" latinLnBrk="0" hangingPunct="1">
+              <a:lnSpc>
+                <a:spcPct val="90000"/>
+              </a:lnSpc>
+              <a:spcBef>
+                <a:spcPts val="1000"/>
+              </a:spcBef>
+              <a:buSzPct val="80000"/>
+              <a:buFont typeface="Wingdings" pitchFamily="2" charset="2"/>
+              <a:buChar char="q"/>
+              <a:defRPr sz="2800" kern="1200" baseline="0">
+                <a:solidFill>
+                  <a:srgbClr val="096168"/>
+                </a:solidFill>
+                <a:latin typeface="+mn-lt"/>
+                <a:ea typeface="+mn-ea"/>
+                <a:cs typeface="+mn-cs"/>
+              </a:defRPr>
+            </a:lvl1pPr>
+            <a:lvl2pPr marL="685800" indent="-228600" algn="l" defTabSz="914400" rtl="0" eaLnBrk="1" latinLnBrk="0" hangingPunct="1">
+              <a:lnSpc>
+                <a:spcPct val="90000"/>
+              </a:lnSpc>
+              <a:spcBef>
+                <a:spcPts val="500"/>
+              </a:spcBef>
+              <a:buSzPct val="80000"/>
+              <a:buFont typeface="Courier New" pitchFamily="49" charset="0"/>
+              <a:buChar char="o"/>
+              <a:defRPr sz="2400" kern="1200" baseline="0">
+                <a:solidFill>
+                  <a:srgbClr val="096168"/>
+                </a:solidFill>
+                <a:latin typeface="+mn-lt"/>
+                <a:ea typeface="+mn-ea"/>
+                <a:cs typeface="+mn-cs"/>
+              </a:defRPr>
+            </a:lvl2pPr>
+            <a:lvl3pPr marL="1143000" indent="-228600" algn="l" defTabSz="914400" rtl="0" eaLnBrk="1" latinLnBrk="0" hangingPunct="1">
+              <a:lnSpc>
+                <a:spcPct val="90000"/>
+              </a:lnSpc>
+              <a:spcBef>
+                <a:spcPts val="500"/>
+              </a:spcBef>
+              <a:buSzPct val="80000"/>
+              <a:buFont typeface="Wingdings" pitchFamily="2" charset="2"/>
+              <a:buChar char="§"/>
+              <a:defRPr sz="2000" kern="1200" baseline="0">
+                <a:solidFill>
+                  <a:srgbClr val="096168"/>
+                </a:solidFill>
+                <a:latin typeface="+mn-lt"/>
+                <a:ea typeface="+mn-ea"/>
+                <a:cs typeface="+mn-cs"/>
+              </a:defRPr>
+            </a:lvl3pPr>
+            <a:lvl4pPr marL="1600200" indent="-228600" algn="l" defTabSz="914400" rtl="0" eaLnBrk="1" latinLnBrk="0" hangingPunct="1">
+              <a:lnSpc>
+                <a:spcPct val="90000"/>
+              </a:lnSpc>
+              <a:spcBef>
+                <a:spcPts val="500"/>
+              </a:spcBef>
+              <a:buSzPct val="80000"/>
+              <a:buFont typeface="Arial" panose="020B0604020202020204" pitchFamily="34" charset="0"/>
+              <a:buChar char="•"/>
+              <a:defRPr sz="1800" kern="1200" baseline="0">
+                <a:solidFill>
+                  <a:srgbClr val="096168"/>
+                </a:solidFill>
+                <a:latin typeface="+mn-lt"/>
+                <a:ea typeface="+mn-ea"/>
+                <a:cs typeface="+mn-cs"/>
+              </a:defRPr>
+            </a:lvl4pPr>
+            <a:lvl5pPr marL="2088000" indent="-252000" algn="l" defTabSz="914400" rtl="0" eaLnBrk="1" latinLnBrk="0" hangingPunct="1">
+              <a:lnSpc>
+                <a:spcPct val="90000"/>
+              </a:lnSpc>
+              <a:spcBef>
+                <a:spcPts val="500"/>
+              </a:spcBef>
+              <a:buSzPct val="80000"/>
+              <a:buFont typeface="Arial" panose="020B0604020202020204" pitchFamily="34" charset="0"/>
+              <a:buChar char="•"/>
+              <a:defRPr sz="1800" kern="1200" baseline="0">
+                <a:solidFill>
+                  <a:srgbClr val="096168"/>
+                </a:solidFill>
+                <a:latin typeface="+mn-lt"/>
+                <a:ea typeface="+mn-ea"/>
+                <a:cs typeface="+mn-cs"/>
+              </a:defRPr>
+            </a:lvl5pPr>
+            <a:lvl6pPr marL="2514600" indent="-228600" algn="l" defTabSz="914400" rtl="0" eaLnBrk="1" latinLnBrk="0" hangingPunct="1">
+              <a:lnSpc>
+                <a:spcPct val="90000"/>
+              </a:lnSpc>
+              <a:spcBef>
+                <a:spcPts val="500"/>
+              </a:spcBef>
+              <a:buFont typeface="Arial" panose="020B0604020202020204" pitchFamily="34" charset="0"/>
+              <a:buChar char="•"/>
+              <a:defRPr sz="1800" kern="1200">
+                <a:solidFill>
+                  <a:schemeClr val="tx1"/>
+                </a:solidFill>
+                <a:latin typeface="+mn-lt"/>
+                <a:ea typeface="+mn-ea"/>
+                <a:cs typeface="+mn-cs"/>
+              </a:defRPr>
+            </a:lvl6pPr>
+            <a:lvl7pPr marL="2971800" indent="-228600" algn="l" defTabSz="914400" rtl="0" eaLnBrk="1" latinLnBrk="0" hangingPunct="1">
+              <a:lnSpc>
+                <a:spcPct val="90000"/>
+              </a:lnSpc>
+              <a:spcBef>
+                <a:spcPts val="500"/>
+              </a:spcBef>
+              <a:buFont typeface="Arial" panose="020B0604020202020204" pitchFamily="34" charset="0"/>
+              <a:buChar char="•"/>
+              <a:defRPr sz="1800" kern="1200">
+                <a:solidFill>
+                  <a:schemeClr val="tx1"/>
+                </a:solidFill>
+                <a:latin typeface="+mn-lt"/>
+                <a:ea typeface="+mn-ea"/>
+                <a:cs typeface="+mn-cs"/>
+              </a:defRPr>
+            </a:lvl7pPr>
+            <a:lvl8pPr marL="3429000" indent="-228600" algn="l" defTabSz="914400" rtl="0" eaLnBrk="1" latinLnBrk="0" hangingPunct="1">
+              <a:lnSpc>
+                <a:spcPct val="90000"/>
+              </a:lnSpc>
+              <a:spcBef>
+                <a:spcPts val="500"/>
+              </a:spcBef>
+              <a:buFont typeface="Arial" panose="020B0604020202020204" pitchFamily="34" charset="0"/>
+              <a:buChar char="•"/>
+              <a:defRPr sz="1800" kern="1200">
+                <a:solidFill>
+                  <a:schemeClr val="tx1"/>
+                </a:solidFill>
+                <a:latin typeface="+mn-lt"/>
+                <a:ea typeface="+mn-ea"/>
+                <a:cs typeface="+mn-cs"/>
+              </a:defRPr>
+            </a:lvl8pPr>
+            <a:lvl9pPr marL="3886200" indent="-228600" algn="l" defTabSz="914400" rtl="0" eaLnBrk="1" latinLnBrk="0" hangingPunct="1">
+              <a:lnSpc>
+                <a:spcPct val="90000"/>
+              </a:lnSpc>
+              <a:spcBef>
+                <a:spcPts val="500"/>
+              </a:spcBef>
+              <a:buFont typeface="Arial" panose="020B0604020202020204" pitchFamily="34" charset="0"/>
+              <a:buChar char="•"/>
+              <a:defRPr sz="1800" kern="1200">
+                <a:solidFill>
+                  <a:schemeClr val="tx1"/>
+                </a:solidFill>
+                <a:latin typeface="+mn-lt"/>
+                <a:ea typeface="+mn-ea"/>
+                <a:cs typeface="+mn-cs"/>
+              </a:defRPr>
+            </a:lvl9pPr>
+          </a:lstStyle>
+          <a:p>
+            <a:r>
+              <a:rPr lang="sr-Latn-RS" dirty="0" smtClean="0"/>
+              <a:t>Primer stranice generisanog PDF dokumenta</a:t>
+            </a:r>
+            <a:endParaRPr lang="sr-Latn-RS" dirty="0" smtClean="0"/>
+          </a:p>
+        </p:txBody>
+      </p:sp>
+    </p:spTree>
+    <p:extLst>
+      <p:ext uri="{BB962C8B-B14F-4D97-AF65-F5344CB8AC3E}">
+        <p14:creationId xmlns:p14="http://schemas.microsoft.com/office/powerpoint/2010/main" val="311710081"/>
+      </p:ext>
+    </p:extLst>
+  </p:cSld>
+  <p:clrMapOvr>
+    <a:masterClrMapping/>
+  </p:clrMapOvr>
+</p:sld>
+</file>
+
+<file path=ppt/slides/slide11.xml><?xml version="1.0" encoding="utf-8"?>
+<p:sld xmlns:a="http://schemas.openxmlformats.org/drawingml/2006/main" xmlns:r="http://schemas.openxmlformats.org/officeDocument/2006/relationships" xmlns:p="http://schemas.openxmlformats.org/presentationml/2006/main">
+  <p:cSld>
+    <p:spTree>
+      <p:nvGrpSpPr>
+        <p:cNvPr id="1" name=""/>
+        <p:cNvGrpSpPr/>
+        <p:nvPr/>
+      </p:nvGrpSpPr>
+      <p:grpSpPr>
+        <a:xfrm>
+          <a:off x="0" y="0"/>
+          <a:ext cx="0" cy="0"/>
+          <a:chOff x="0" y="0"/>
+          <a:chExt cx="0" cy="0"/>
+        </a:xfrm>
+      </p:grpSpPr>
+      <p:sp>
+        <p:nvSpPr>
+          <p:cNvPr id="2" name="Title 1"/>
+          <p:cNvSpPr>
+            <a:spLocks noGrp="1"/>
+          </p:cNvSpPr>
+          <p:nvPr>
+            <p:ph type="title"/>
+          </p:nvPr>
+        </p:nvSpPr>
+        <p:spPr/>
+        <p:txBody>
+          <a:bodyPr/>
+          <a:lstStyle/>
+          <a:p>
+            <a:r>
+              <a:rPr lang="sr-Latn-RS" dirty="0"/>
               <a:t>Izgled grafičkog </a:t>
             </a:r>
             <a:r>
@@ -6794,7 +7807,7 @@
           </p:nvPr>
         </p:nvPicPr>
         <p:blipFill>
-          <a:blip r:embed="rId2">
+          <a:blip r:embed="rId3">
             <a:extLst>
               <a:ext uri="{28A0092B-C50C-407E-A947-70E740481C1C}">
                 <a14:useLocalDpi xmlns:a14="http://schemas.microsoft.com/office/drawing/2010/main" val="0"/>
@@ -7133,7 +8146,7 @@
 </p:sld>
 </file>
 
-<file path=ppt/slides/slide11.xml><?xml version="1.0" encoding="utf-8"?>
+<file path=ppt/slides/slide12.xml><?xml version="1.0" encoding="utf-8"?>
 <p:sld xmlns:a="http://schemas.openxmlformats.org/drawingml/2006/main" xmlns:r="http://schemas.openxmlformats.org/officeDocument/2006/relationships" xmlns:p="http://schemas.openxmlformats.org/presentationml/2006/main">
   <p:cSld>
     <p:spTree>
@@ -7219,7 +8232,7 @@
 </p:sld>
 </file>
 
-<file path=ppt/slides/slide12.xml><?xml version="1.0" encoding="utf-8"?>
+<file path=ppt/slides/slide13.xml><?xml version="1.0" encoding="utf-8"?>
 <p:sld xmlns:a="http://schemas.openxmlformats.org/drawingml/2006/main" xmlns:r="http://schemas.openxmlformats.org/officeDocument/2006/relationships" xmlns:p="http://schemas.openxmlformats.org/presentationml/2006/main">
   <p:cSld>
     <p:spTree>
@@ -7274,7 +8287,7 @@
           </p:nvPr>
         </p:nvPicPr>
         <p:blipFill>
-          <a:blip r:embed="rId2">
+          <a:blip r:embed="rId3">
             <a:extLst>
               <a:ext uri="{28A0092B-C50C-407E-A947-70E740481C1C}">
                 <a14:useLocalDpi xmlns:a14="http://schemas.microsoft.com/office/drawing/2010/main" val="0"/>
@@ -7520,6 +8533,308 @@
     <p:extLst>
       <p:ext uri="{BB962C8B-B14F-4D97-AF65-F5344CB8AC3E}">
         <p14:creationId xmlns:p14="http://schemas.microsoft.com/office/powerpoint/2010/main" val="2828008924"/>
+      </p:ext>
+    </p:extLst>
+  </p:cSld>
+  <p:clrMapOvr>
+    <a:masterClrMapping/>
+  </p:clrMapOvr>
+</p:sld>
+</file>
+
+<file path=ppt/slides/slide14.xml><?xml version="1.0" encoding="utf-8"?>
+<p:sld xmlns:a="http://schemas.openxmlformats.org/drawingml/2006/main" xmlns:r="http://schemas.openxmlformats.org/officeDocument/2006/relationships" xmlns:p="http://schemas.openxmlformats.org/presentationml/2006/main">
+  <p:cSld>
+    <p:spTree>
+      <p:nvGrpSpPr>
+        <p:cNvPr id="1" name=""/>
+        <p:cNvGrpSpPr/>
+        <p:nvPr/>
+      </p:nvGrpSpPr>
+      <p:grpSpPr>
+        <a:xfrm>
+          <a:off x="0" y="0"/>
+          <a:ext cx="0" cy="0"/>
+          <a:chOff x="0" y="0"/>
+          <a:chExt cx="0" cy="0"/>
+        </a:xfrm>
+      </p:grpSpPr>
+      <p:sp>
+        <p:nvSpPr>
+          <p:cNvPr id="2" name="Title 1"/>
+          <p:cNvSpPr>
+            <a:spLocks noGrp="1"/>
+          </p:cNvSpPr>
+          <p:nvPr>
+            <p:ph type="title"/>
+          </p:nvPr>
+        </p:nvSpPr>
+        <p:spPr/>
+        <p:txBody>
+          <a:bodyPr/>
+          <a:lstStyle/>
+          <a:p>
+            <a:r>
+              <a:rPr lang="sr-Latn-RS" dirty="0"/>
+              <a:t>Izgled grafičkog sučelja</a:t>
+            </a:r>
+            <a:endParaRPr lang="en-US" dirty="0"/>
+          </a:p>
+        </p:txBody>
+      </p:sp>
+      <p:pic>
+        <p:nvPicPr>
+          <p:cNvPr id="4" name="Content Placeholder 3"/>
+          <p:cNvPicPr>
+            <a:picLocks noGrp="1" noChangeAspect="1"/>
+          </p:cNvPicPr>
+          <p:nvPr>
+            <p:ph idx="1"/>
+          </p:nvPr>
+        </p:nvPicPr>
+        <p:blipFill>
+          <a:blip r:embed="rId3">
+            <a:extLst>
+              <a:ext uri="{28A0092B-C50C-407E-A947-70E740481C1C}">
+                <a14:useLocalDpi xmlns:a14="http://schemas.microsoft.com/office/drawing/2010/main" val="0"/>
+              </a:ext>
+            </a:extLst>
+          </a:blip>
+          <a:stretch>
+            <a:fillRect/>
+          </a:stretch>
+        </p:blipFill>
+        <p:spPr>
+          <a:xfrm>
+            <a:off x="1847375" y="1370013"/>
+            <a:ext cx="5449249" cy="3262312"/>
+          </a:xfrm>
+        </p:spPr>
+      </p:pic>
+    </p:spTree>
+    <p:extLst>
+      <p:ext uri="{BB962C8B-B14F-4D97-AF65-F5344CB8AC3E}">
+        <p14:creationId xmlns:p14="http://schemas.microsoft.com/office/powerpoint/2010/main" val="1763777589"/>
+      </p:ext>
+    </p:extLst>
+  </p:cSld>
+  <p:clrMapOvr>
+    <a:masterClrMapping/>
+  </p:clrMapOvr>
+</p:sld>
+</file>
+
+<file path=ppt/slides/slide15.xml><?xml version="1.0" encoding="utf-8"?>
+<p:sld xmlns:a="http://schemas.openxmlformats.org/drawingml/2006/main" xmlns:r="http://schemas.openxmlformats.org/officeDocument/2006/relationships" xmlns:p="http://schemas.openxmlformats.org/presentationml/2006/main">
+  <p:cSld>
+    <p:spTree>
+      <p:nvGrpSpPr>
+        <p:cNvPr id="1" name=""/>
+        <p:cNvGrpSpPr/>
+        <p:nvPr/>
+      </p:nvGrpSpPr>
+      <p:grpSpPr>
+        <a:xfrm>
+          <a:off x="0" y="0"/>
+          <a:ext cx="0" cy="0"/>
+          <a:chOff x="0" y="0"/>
+          <a:chExt cx="0" cy="0"/>
+        </a:xfrm>
+      </p:grpSpPr>
+      <p:sp>
+        <p:nvSpPr>
+          <p:cNvPr id="2" name="Title 1"/>
+          <p:cNvSpPr>
+            <a:spLocks noGrp="1"/>
+          </p:cNvSpPr>
+          <p:nvPr>
+            <p:ph type="title"/>
+          </p:nvPr>
+        </p:nvSpPr>
+        <p:spPr/>
+        <p:txBody>
+          <a:bodyPr/>
+          <a:lstStyle/>
+          <a:p>
+            <a:r>
+              <a:rPr lang="sr-Latn-RS" dirty="0" smtClean="0"/>
+              <a:t>Rezultati</a:t>
+            </a:r>
+            <a:endParaRPr lang="en-US" dirty="0"/>
+          </a:p>
+        </p:txBody>
+      </p:sp>
+      <p:sp>
+        <p:nvSpPr>
+          <p:cNvPr id="3" name="Content Placeholder 2"/>
+          <p:cNvSpPr>
+            <a:spLocks noGrp="1"/>
+          </p:cNvSpPr>
+          <p:nvPr>
+            <p:ph idx="1"/>
+          </p:nvPr>
+        </p:nvSpPr>
+        <p:spPr/>
+        <p:txBody>
+          <a:bodyPr/>
+          <a:lstStyle/>
+          <a:p>
+            <a:r>
+              <a:rPr lang="sr-Latn-RS" dirty="0" smtClean="0"/>
+              <a:t>Gotova aplikacija testirana na više računara</a:t>
+            </a:r>
+          </a:p>
+          <a:p>
+            <a:r>
+              <a:rPr lang="sr-Latn-RS" dirty="0" smtClean="0"/>
+              <a:t>Poređeni dokumenti izmenjivani pomoću prethodno korišćene aplikacije i novog rešenja, bez pronađenih razlika</a:t>
+            </a:r>
+          </a:p>
+          <a:p>
+            <a:r>
+              <a:rPr lang="sr-Latn-RS" dirty="0" smtClean="0"/>
+              <a:t>Pri testiranju korišćene različite verzije Windows operativnog sistema (7, 8 i 10)</a:t>
+            </a:r>
+          </a:p>
+          <a:p>
+            <a:endParaRPr lang="en-US" dirty="0"/>
+          </a:p>
+        </p:txBody>
+      </p:sp>
+    </p:spTree>
+    <p:extLst>
+      <p:ext uri="{BB962C8B-B14F-4D97-AF65-F5344CB8AC3E}">
+        <p14:creationId xmlns:p14="http://schemas.microsoft.com/office/powerpoint/2010/main" val="1183272949"/>
+      </p:ext>
+    </p:extLst>
+  </p:cSld>
+  <p:clrMapOvr>
+    <a:masterClrMapping/>
+  </p:clrMapOvr>
+</p:sld>
+</file>
+
+<file path=ppt/slides/slide16.xml><?xml version="1.0" encoding="utf-8"?>
+<p:sld xmlns:a="http://schemas.openxmlformats.org/drawingml/2006/main" xmlns:r="http://schemas.openxmlformats.org/officeDocument/2006/relationships" xmlns:p="http://schemas.openxmlformats.org/presentationml/2006/main">
+  <p:cSld>
+    <p:spTree>
+      <p:nvGrpSpPr>
+        <p:cNvPr id="1" name=""/>
+        <p:cNvGrpSpPr/>
+        <p:nvPr/>
+      </p:nvGrpSpPr>
+      <p:grpSpPr>
+        <a:xfrm>
+          <a:off x="0" y="0"/>
+          <a:ext cx="0" cy="0"/>
+          <a:chOff x="0" y="0"/>
+          <a:chExt cx="0" cy="0"/>
+        </a:xfrm>
+      </p:grpSpPr>
+      <p:sp>
+        <p:nvSpPr>
+          <p:cNvPr id="2" name="Title 1"/>
+          <p:cNvSpPr>
+            <a:spLocks noGrp="1"/>
+          </p:cNvSpPr>
+          <p:nvPr>
+            <p:ph type="title"/>
+          </p:nvPr>
+        </p:nvSpPr>
+        <p:spPr/>
+        <p:txBody>
+          <a:bodyPr/>
+          <a:lstStyle/>
+          <a:p>
+            <a:r>
+              <a:rPr lang="sr-Latn-RS" dirty="0" smtClean="0"/>
+              <a:t>Zaključak</a:t>
+            </a:r>
+            <a:endParaRPr lang="en-US" dirty="0"/>
+          </a:p>
+        </p:txBody>
+      </p:sp>
+      <p:sp>
+        <p:nvSpPr>
+          <p:cNvPr id="3" name="Content Placeholder 2"/>
+          <p:cNvSpPr>
+            <a:spLocks noGrp="1"/>
+          </p:cNvSpPr>
+          <p:nvPr>
+            <p:ph idx="1"/>
+          </p:nvPr>
+        </p:nvSpPr>
+        <p:spPr/>
+        <p:txBody>
+          <a:bodyPr>
+            <a:normAutofit fontScale="92500"/>
+          </a:bodyPr>
+          <a:lstStyle/>
+          <a:p>
+            <a:r>
+              <a:rPr lang="sr-Latn-RS" dirty="0" smtClean="0"/>
+              <a:t>Implementirane sve osnovne funkcionalnosti za izmenu</a:t>
+            </a:r>
+          </a:p>
+          <a:p>
+            <a:r>
+              <a:rPr lang="sr-Latn-RS" dirty="0" smtClean="0"/>
+              <a:t>Prednosti rešenja</a:t>
+            </a:r>
+            <a:r>
+              <a:rPr lang="en-US" dirty="0" smtClean="0"/>
+              <a:t>: </a:t>
+            </a:r>
+            <a:r>
+              <a:rPr lang="sr-Latn-RS" dirty="0" smtClean="0"/>
+              <a:t>modularnost, prenosivost, brzina, preglednost</a:t>
+            </a:r>
+          </a:p>
+          <a:p>
+            <a:r>
+              <a:rPr lang="sr-Latn-RS" dirty="0" smtClean="0"/>
+              <a:t>Moguća proširenja</a:t>
+            </a:r>
+            <a:r>
+              <a:rPr lang="en-US" dirty="0" smtClean="0"/>
+              <a:t>:</a:t>
+            </a:r>
+            <a:endParaRPr lang="sr-Latn-RS" dirty="0" smtClean="0"/>
+          </a:p>
+          <a:p>
+            <a:pPr lvl="1"/>
+            <a:r>
+              <a:rPr lang="sr-Latn-RS" dirty="0"/>
+              <a:t>R</a:t>
+            </a:r>
+            <a:r>
+              <a:rPr lang="sr-Latn-RS" dirty="0" smtClean="0"/>
+              <a:t>ad sa više različitih formata dokumenata</a:t>
+            </a:r>
+          </a:p>
+          <a:p>
+            <a:pPr lvl="1"/>
+            <a:r>
+              <a:rPr lang="sr-Latn-RS" dirty="0" smtClean="0"/>
+              <a:t>Poništavanje poslednje izmene (Undo)</a:t>
+            </a:r>
+          </a:p>
+          <a:p>
+            <a:pPr lvl="1"/>
+            <a:r>
+              <a:rPr lang="sr-Latn-RS" dirty="0" smtClean="0"/>
+              <a:t>Mogućnost korišćenja aplikacije na različitim platformama</a:t>
+            </a:r>
+          </a:p>
+          <a:p>
+            <a:endParaRPr lang="en-US" dirty="0"/>
+          </a:p>
+        </p:txBody>
+      </p:sp>
+    </p:spTree>
+    <p:extLst>
+      <p:ext uri="{BB962C8B-B14F-4D97-AF65-F5344CB8AC3E}">
+        <p14:creationId xmlns:p14="http://schemas.microsoft.com/office/powerpoint/2010/main" val="2781744223"/>
       </p:ext>
     </p:extLst>
   </p:cSld>
@@ -7613,8 +8928,9 @@
           <a:p>
             <a:r>
               <a:rPr lang="sr-Latn-RS" dirty="0" smtClean="0"/>
-              <a:t>Koncept i realizacija programskog rešenja</a:t>
-            </a:r>
+              <a:t>Izgled i funkcionalnosti grafičkog sučelja</a:t>
+            </a:r>
+            <a:endParaRPr lang="sr-Latn-RS" dirty="0" smtClean="0"/>
           </a:p>
           <a:p>
             <a:r>
@@ -8182,7 +9498,7 @@
           <a:p>
             <a:r>
               <a:rPr lang="sr-Latn-RS" dirty="0" smtClean="0"/>
-              <a:t>XML</a:t>
+              <a:t>XML format</a:t>
             </a:r>
             <a:endParaRPr lang="en-US" dirty="0"/>
           </a:p>
@@ -8335,6 +9651,10 @@
               <a:rPr lang="en-US" i="1" dirty="0" err="1" smtClean="0"/>
               <a:t>xmltodict</a:t>
             </a:r>
+            <a:r>
+              <a:rPr lang="sr-Latn-RS" i="1" dirty="0" smtClean="0"/>
+              <a:t>, fpdf</a:t>
+            </a:r>
             <a:endParaRPr lang="sr-Latn-RS" i="1" dirty="0" smtClean="0"/>
           </a:p>
           <a:p>
@@ -8939,7 +10259,7 @@
           </p:nvPr>
         </p:nvPicPr>
         <p:blipFill>
-          <a:blip r:embed="rId2">
+          <a:blip r:embed="rId3">
             <a:extLst>
               <a:ext uri="{28A0092B-C50C-407E-A947-70E740481C1C}">
                 <a14:useLocalDpi xmlns:a14="http://schemas.microsoft.com/office/drawing/2010/main" val="0"/>
@@ -9271,8 +10591,8 @@
         </p:nvSpPr>
         <p:spPr>
           <a:xfrm>
-            <a:off x="3708400" y="1340605"/>
-            <a:ext cx="5435600" cy="3358056"/>
+            <a:off x="3751943" y="3881421"/>
+            <a:ext cx="4071256" cy="917689"/>
           </a:xfrm>
           <a:prstGeom prst="rect">
             <a:avLst/>
@@ -9280,7 +10600,7 @@
         </p:spPr>
         <p:txBody>
           <a:bodyPr vert="horz" lIns="91440" tIns="45720" rIns="91440" bIns="45720" rtlCol="0">
-            <a:normAutofit/>
+            <a:normAutofit fontScale="70000" lnSpcReduction="20000"/>
           </a:bodyPr>
           <a:lstStyle>
             <a:lvl1pPr marL="342000" indent="-342000" algn="l" defTabSz="914400" rtl="0" eaLnBrk="1" latinLnBrk="0" hangingPunct="1">
@@ -9476,7 +10796,7 @@
           </p:nvPr>
         </p:nvPicPr>
         <p:blipFill>
-          <a:blip r:embed="rId2">
+          <a:blip r:embed="rId3">
             <a:extLst>
               <a:ext uri="{28A0092B-C50C-407E-A947-70E740481C1C}">
                 <a14:useLocalDpi xmlns:a14="http://schemas.microsoft.com/office/drawing/2010/main" val="0"/>
@@ -9592,6 +10912,132 @@
           </a:p>
         </p:txBody>
       </p:sp>
+      <p:pic>
+        <p:nvPicPr>
+          <p:cNvPr id="4" name="Picture 3"/>
+          <p:cNvPicPr>
+            <a:picLocks noChangeAspect="1"/>
+          </p:cNvPicPr>
+          <p:nvPr/>
+        </p:nvPicPr>
+        <p:blipFill>
+          <a:blip r:embed="rId4" cstate="print">
+            <a:extLst>
+              <a:ext uri="{28A0092B-C50C-407E-A947-70E740481C1C}">
+                <a14:useLocalDpi xmlns:a14="http://schemas.microsoft.com/office/drawing/2010/main" val="0"/>
+              </a:ext>
+            </a:extLst>
+          </a:blip>
+          <a:stretch>
+            <a:fillRect/>
+          </a:stretch>
+        </p:blipFill>
+        <p:spPr>
+          <a:xfrm>
+            <a:off x="4319237" y="1052266"/>
+            <a:ext cx="2936667" cy="1284534"/>
+          </a:xfrm>
+          <a:prstGeom prst="rect">
+            <a:avLst/>
+          </a:prstGeom>
+        </p:spPr>
+      </p:pic>
+      <p:pic>
+        <p:nvPicPr>
+          <p:cNvPr id="5" name="Picture 4"/>
+          <p:cNvPicPr>
+            <a:picLocks noChangeAspect="1"/>
+          </p:cNvPicPr>
+          <p:nvPr/>
+        </p:nvPicPr>
+        <p:blipFill>
+          <a:blip r:embed="rId5">
+            <a:extLst>
+              <a:ext uri="{28A0092B-C50C-407E-A947-70E740481C1C}">
+                <a14:useLocalDpi xmlns:a14="http://schemas.microsoft.com/office/drawing/2010/main" val="0"/>
+              </a:ext>
+            </a:extLst>
+          </a:blip>
+          <a:stretch>
+            <a:fillRect/>
+          </a:stretch>
+        </p:blipFill>
+        <p:spPr>
+          <a:xfrm>
+            <a:off x="4934857" y="2448194"/>
+            <a:ext cx="1465705" cy="1321832"/>
+          </a:xfrm>
+          <a:prstGeom prst="rect">
+            <a:avLst/>
+          </a:prstGeom>
+        </p:spPr>
+      </p:pic>
+      <p:cxnSp>
+        <p:nvCxnSpPr>
+          <p:cNvPr id="21" name="Straight Arrow Connector 20"/>
+          <p:cNvCxnSpPr/>
+          <p:nvPr/>
+        </p:nvCxnSpPr>
+        <p:spPr>
+          <a:xfrm>
+            <a:off x="3272971" y="1371809"/>
+            <a:ext cx="986972" cy="14305"/>
+          </a:xfrm>
+          <a:prstGeom prst="straightConnector1">
+            <a:avLst/>
+          </a:prstGeom>
+          <a:ln>
+            <a:tailEnd type="triangle"/>
+          </a:ln>
+        </p:spPr>
+        <p:style>
+          <a:lnRef idx="1">
+            <a:schemeClr val="accent1"/>
+          </a:lnRef>
+          <a:fillRef idx="0">
+            <a:schemeClr val="accent1"/>
+          </a:fillRef>
+          <a:effectRef idx="0">
+            <a:schemeClr val="accent1"/>
+          </a:effectRef>
+          <a:fontRef idx="minor">
+            <a:schemeClr val="tx1"/>
+          </a:fontRef>
+        </p:style>
+      </p:cxnSp>
+      <p:cxnSp>
+        <p:nvCxnSpPr>
+          <p:cNvPr id="24" name="Straight Arrow Connector 23"/>
+          <p:cNvCxnSpPr/>
+          <p:nvPr/>
+        </p:nvCxnSpPr>
+        <p:spPr>
+          <a:xfrm>
+            <a:off x="2503714" y="1415143"/>
+            <a:ext cx="2358572" cy="1640114"/>
+          </a:xfrm>
+          <a:prstGeom prst="straightConnector1">
+            <a:avLst/>
+          </a:prstGeom>
+          <a:ln>
+            <a:tailEnd type="triangle"/>
+          </a:ln>
+        </p:spPr>
+        <p:style>
+          <a:lnRef idx="1">
+            <a:schemeClr val="accent1"/>
+          </a:lnRef>
+          <a:fillRef idx="0">
+            <a:schemeClr val="accent1"/>
+          </a:fillRef>
+          <a:effectRef idx="0">
+            <a:schemeClr val="accent1"/>
+          </a:effectRef>
+          <a:fontRef idx="minor">
+            <a:schemeClr val="tx1"/>
+          </a:fontRef>
+        </p:style>
+      </p:cxnSp>
     </p:spTree>
     <p:extLst>
       <p:ext uri="{BB962C8B-B14F-4D97-AF65-F5344CB8AC3E}">

--- a/Stefan_Stojanovic_Bsc_ppt.pptx
+++ b/Stefan_Stojanovic_Bsc_ppt.pptx
@@ -11842,7 +11842,9 @@
         </p:nvSpPr>
         <p:spPr/>
         <p:txBody>
-          <a:bodyPr/>
+          <a:bodyPr>
+            <a:normAutofit lnSpcReduction="10000"/>
+          </a:bodyPr>
           <a:lstStyle/>
           <a:p>
             <a:r>
@@ -11860,6 +11862,16 @@
             <a:r>
               <a:rPr lang="sr-Latn-RS" dirty="0" smtClean="0"/>
               <a:t>Pri testiranju korišćene različite verzije Windows operativnog sistema (7, 8 i 10)</a:t>
+            </a:r>
+          </a:p>
+          <a:p>
+            <a:r>
+              <a:rPr lang="sr-Latn-RS" dirty="0" smtClean="0"/>
+              <a:t>Za kreiranje izvršne (.exe) datoteke korišćen </a:t>
+            </a:r>
+            <a:r>
+              <a:rPr lang="sr-Latn-RS" i="1" dirty="0" smtClean="0"/>
+              <a:t>PyInstaller</a:t>
             </a:r>
           </a:p>
           <a:p>

--- a/Stefan_Stojanovic_Bsc_ppt.pptx
+++ b/Stefan_Stojanovic_Bsc_ppt.pptx
@@ -5,7 +5,7 @@
     <p:sldMasterId id="2147483648" r:id="rId1"/>
   </p:sldMasterIdLst>
   <p:notesMasterIdLst>
-    <p:notesMasterId r:id="rId20"/>
+    <p:notesMasterId r:id="rId21"/>
   </p:notesMasterIdLst>
   <p:sldIdLst>
     <p:sldId id="256" r:id="rId2"/>
@@ -26,6 +26,7 @@
     <p:sldId id="265" r:id="rId17"/>
     <p:sldId id="270" r:id="rId18"/>
     <p:sldId id="273" r:id="rId19"/>
+    <p:sldId id="279" r:id="rId20"/>
   </p:sldIdLst>
   <p:sldSz cx="9144000" cy="5143500" type="screen16x9"/>
   <p:notesSz cx="6858000" cy="9144000"/>
@@ -9245,7 +9246,7 @@
               <a:t>Izgled grafičkog </a:t>
             </a:r>
             <a:r>
-              <a:rPr lang="sr-Latn-RS" dirty="0" err="1" smtClean="0"/>
+              <a:rPr lang="sr-Latn-RS" dirty="0" smtClean="0"/>
               <a:t>sučelja</a:t>
             </a:r>
             <a:endParaRPr lang="en-US" dirty="0"/>
@@ -12036,6 +12037,238 @@
 </p:sld>
 </file>
 
+<file path=ppt/slides/slide19.xml><?xml version="1.0" encoding="utf-8"?>
+<p:sld xmlns:a="http://schemas.openxmlformats.org/drawingml/2006/main" xmlns:r="http://schemas.openxmlformats.org/officeDocument/2006/relationships" xmlns:p="http://schemas.openxmlformats.org/presentationml/2006/main">
+  <p:cSld>
+    <p:spTree>
+      <p:nvGrpSpPr>
+        <p:cNvPr id="1" name=""/>
+        <p:cNvGrpSpPr/>
+        <p:nvPr/>
+      </p:nvGrpSpPr>
+      <p:grpSpPr>
+        <a:xfrm>
+          <a:off x="0" y="0"/>
+          <a:ext cx="0" cy="0"/>
+          <a:chOff x="0" y="0"/>
+          <a:chExt cx="0" cy="0"/>
+        </a:xfrm>
+      </p:grpSpPr>
+      <p:sp>
+        <p:nvSpPr>
+          <p:cNvPr id="2" name="Content Placeholder 2"/>
+          <p:cNvSpPr txBox="1">
+            <a:spLocks/>
+          </p:cNvSpPr>
+          <p:nvPr/>
+        </p:nvSpPr>
+        <p:spPr>
+          <a:xfrm>
+            <a:off x="1960154" y="2118637"/>
+            <a:ext cx="5278846" cy="3094532"/>
+          </a:xfrm>
+          <a:prstGeom prst="rect">
+            <a:avLst/>
+          </a:prstGeom>
+        </p:spPr>
+        <p:txBody>
+          <a:bodyPr vert="horz" lIns="91440" tIns="45720" rIns="91440" bIns="45720" rtlCol="0">
+            <a:normAutofit/>
+          </a:bodyPr>
+          <a:lstStyle>
+            <a:lvl1pPr marL="342000" indent="-342000" algn="l" defTabSz="914400" rtl="0" eaLnBrk="1" latinLnBrk="0" hangingPunct="1">
+              <a:lnSpc>
+                <a:spcPct val="90000"/>
+              </a:lnSpc>
+              <a:spcBef>
+                <a:spcPts val="1000"/>
+              </a:spcBef>
+              <a:buSzPct val="80000"/>
+              <a:buFont typeface="Wingdings" pitchFamily="2" charset="2"/>
+              <a:buChar char="q"/>
+              <a:defRPr sz="2800" kern="1200" baseline="0">
+                <a:solidFill>
+                  <a:srgbClr val="096168"/>
+                </a:solidFill>
+                <a:latin typeface="+mn-lt"/>
+                <a:ea typeface="+mn-ea"/>
+                <a:cs typeface="+mn-cs"/>
+              </a:defRPr>
+            </a:lvl1pPr>
+            <a:lvl2pPr marL="685800" indent="-228600" algn="l" defTabSz="914400" rtl="0" eaLnBrk="1" latinLnBrk="0" hangingPunct="1">
+              <a:lnSpc>
+                <a:spcPct val="90000"/>
+              </a:lnSpc>
+              <a:spcBef>
+                <a:spcPts val="500"/>
+              </a:spcBef>
+              <a:buSzPct val="80000"/>
+              <a:buFont typeface="Courier New" pitchFamily="49" charset="0"/>
+              <a:buChar char="o"/>
+              <a:defRPr sz="2400" kern="1200" baseline="0">
+                <a:solidFill>
+                  <a:srgbClr val="096168"/>
+                </a:solidFill>
+                <a:latin typeface="+mn-lt"/>
+                <a:ea typeface="+mn-ea"/>
+                <a:cs typeface="+mn-cs"/>
+              </a:defRPr>
+            </a:lvl2pPr>
+            <a:lvl3pPr marL="1143000" indent="-228600" algn="l" defTabSz="914400" rtl="0" eaLnBrk="1" latinLnBrk="0" hangingPunct="1">
+              <a:lnSpc>
+                <a:spcPct val="90000"/>
+              </a:lnSpc>
+              <a:spcBef>
+                <a:spcPts val="500"/>
+              </a:spcBef>
+              <a:buSzPct val="80000"/>
+              <a:buFont typeface="Wingdings" pitchFamily="2" charset="2"/>
+              <a:buChar char="§"/>
+              <a:defRPr sz="2000" kern="1200" baseline="0">
+                <a:solidFill>
+                  <a:srgbClr val="096168"/>
+                </a:solidFill>
+                <a:latin typeface="+mn-lt"/>
+                <a:ea typeface="+mn-ea"/>
+                <a:cs typeface="+mn-cs"/>
+              </a:defRPr>
+            </a:lvl3pPr>
+            <a:lvl4pPr marL="1600200" indent="-228600" algn="l" defTabSz="914400" rtl="0" eaLnBrk="1" latinLnBrk="0" hangingPunct="1">
+              <a:lnSpc>
+                <a:spcPct val="90000"/>
+              </a:lnSpc>
+              <a:spcBef>
+                <a:spcPts val="500"/>
+              </a:spcBef>
+              <a:buSzPct val="80000"/>
+              <a:buFont typeface="Arial" panose="020B0604020202020204" pitchFamily="34" charset="0"/>
+              <a:buChar char="•"/>
+              <a:defRPr sz="1800" kern="1200" baseline="0">
+                <a:solidFill>
+                  <a:srgbClr val="096168"/>
+                </a:solidFill>
+                <a:latin typeface="+mn-lt"/>
+                <a:ea typeface="+mn-ea"/>
+                <a:cs typeface="+mn-cs"/>
+              </a:defRPr>
+            </a:lvl4pPr>
+            <a:lvl5pPr marL="2088000" indent="-252000" algn="l" defTabSz="914400" rtl="0" eaLnBrk="1" latinLnBrk="0" hangingPunct="1">
+              <a:lnSpc>
+                <a:spcPct val="90000"/>
+              </a:lnSpc>
+              <a:spcBef>
+                <a:spcPts val="500"/>
+              </a:spcBef>
+              <a:buSzPct val="80000"/>
+              <a:buFont typeface="Arial" panose="020B0604020202020204" pitchFamily="34" charset="0"/>
+              <a:buChar char="•"/>
+              <a:defRPr sz="1800" kern="1200" baseline="0">
+                <a:solidFill>
+                  <a:srgbClr val="096168"/>
+                </a:solidFill>
+                <a:latin typeface="+mn-lt"/>
+                <a:ea typeface="+mn-ea"/>
+                <a:cs typeface="+mn-cs"/>
+              </a:defRPr>
+            </a:lvl5pPr>
+            <a:lvl6pPr marL="2514600" indent="-228600" algn="l" defTabSz="914400" rtl="0" eaLnBrk="1" latinLnBrk="0" hangingPunct="1">
+              <a:lnSpc>
+                <a:spcPct val="90000"/>
+              </a:lnSpc>
+              <a:spcBef>
+                <a:spcPts val="500"/>
+              </a:spcBef>
+              <a:buFont typeface="Arial" panose="020B0604020202020204" pitchFamily="34" charset="0"/>
+              <a:buChar char="•"/>
+              <a:defRPr sz="1800" kern="1200">
+                <a:solidFill>
+                  <a:schemeClr val="tx1"/>
+                </a:solidFill>
+                <a:latin typeface="+mn-lt"/>
+                <a:ea typeface="+mn-ea"/>
+                <a:cs typeface="+mn-cs"/>
+              </a:defRPr>
+            </a:lvl6pPr>
+            <a:lvl7pPr marL="2971800" indent="-228600" algn="l" defTabSz="914400" rtl="0" eaLnBrk="1" latinLnBrk="0" hangingPunct="1">
+              <a:lnSpc>
+                <a:spcPct val="90000"/>
+              </a:lnSpc>
+              <a:spcBef>
+                <a:spcPts val="500"/>
+              </a:spcBef>
+              <a:buFont typeface="Arial" panose="020B0604020202020204" pitchFamily="34" charset="0"/>
+              <a:buChar char="•"/>
+              <a:defRPr sz="1800" kern="1200">
+                <a:solidFill>
+                  <a:schemeClr val="tx1"/>
+                </a:solidFill>
+                <a:latin typeface="+mn-lt"/>
+                <a:ea typeface="+mn-ea"/>
+                <a:cs typeface="+mn-cs"/>
+              </a:defRPr>
+            </a:lvl7pPr>
+            <a:lvl8pPr marL="3429000" indent="-228600" algn="l" defTabSz="914400" rtl="0" eaLnBrk="1" latinLnBrk="0" hangingPunct="1">
+              <a:lnSpc>
+                <a:spcPct val="90000"/>
+              </a:lnSpc>
+              <a:spcBef>
+                <a:spcPts val="500"/>
+              </a:spcBef>
+              <a:buFont typeface="Arial" panose="020B0604020202020204" pitchFamily="34" charset="0"/>
+              <a:buChar char="•"/>
+              <a:defRPr sz="1800" kern="1200">
+                <a:solidFill>
+                  <a:schemeClr val="tx1"/>
+                </a:solidFill>
+                <a:latin typeface="+mn-lt"/>
+                <a:ea typeface="+mn-ea"/>
+                <a:cs typeface="+mn-cs"/>
+              </a:defRPr>
+            </a:lvl8pPr>
+            <a:lvl9pPr marL="3886200" indent="-228600" algn="l" defTabSz="914400" rtl="0" eaLnBrk="1" latinLnBrk="0" hangingPunct="1">
+              <a:lnSpc>
+                <a:spcPct val="90000"/>
+              </a:lnSpc>
+              <a:spcBef>
+                <a:spcPts val="500"/>
+              </a:spcBef>
+              <a:buFont typeface="Arial" panose="020B0604020202020204" pitchFamily="34" charset="0"/>
+              <a:buChar char="•"/>
+              <a:defRPr sz="1800" kern="1200">
+                <a:solidFill>
+                  <a:schemeClr val="tx1"/>
+                </a:solidFill>
+                <a:latin typeface="+mn-lt"/>
+                <a:ea typeface="+mn-ea"/>
+                <a:cs typeface="+mn-cs"/>
+              </a:defRPr>
+            </a:lvl9pPr>
+          </a:lstStyle>
+          <a:p>
+            <a:pPr marL="0" indent="0">
+              <a:buNone/>
+            </a:pPr>
+            <a:r>
+              <a:rPr lang="sr-Latn-RS" sz="6000" b="1" dirty="0" smtClean="0"/>
+              <a:t>Hvala na pažnji!</a:t>
+            </a:r>
+            <a:endParaRPr lang="sr-Latn-RS" sz="6000" b="1" dirty="0" smtClean="0"/>
+          </a:p>
+        </p:txBody>
+      </p:sp>
+    </p:spTree>
+    <p:extLst>
+      <p:ext uri="{BB962C8B-B14F-4D97-AF65-F5344CB8AC3E}">
+        <p14:creationId xmlns:p14="http://schemas.microsoft.com/office/powerpoint/2010/main" val="3391433310"/>
+      </p:ext>
+    </p:extLst>
+  </p:cSld>
+  <p:clrMapOvr>
+    <a:masterClrMapping/>
+  </p:clrMapOvr>
+</p:sld>
+</file>
+
 <file path=ppt/slides/slide2.xml><?xml version="1.0" encoding="utf-8"?>
 <p:sld xmlns:a="http://schemas.openxmlformats.org/drawingml/2006/main" xmlns:r="http://schemas.openxmlformats.org/officeDocument/2006/relationships" xmlns:p="http://schemas.openxmlformats.org/presentationml/2006/main">
   <p:cSld>
@@ -12068,6 +12301,10 @@
           <a:bodyPr/>
           <a:lstStyle/>
           <a:p>
+            <a:r>
+              <a:rPr lang="sr-Latn-RS" dirty="0" smtClean="0"/>
+              <a:t>Sadržaj</a:t>
+            </a:r>
             <a:endParaRPr lang="en-US" dirty="0"/>
           </a:p>
         </p:txBody>
@@ -12126,7 +12363,11 @@
           <a:p>
             <a:r>
               <a:rPr lang="sr-Latn-RS" dirty="0" smtClean="0"/>
-              <a:t>Izgled i funkcionalnosti grafičkog sučelja</a:t>
+              <a:t>Opis i</a:t>
+            </a:r>
+            <a:r>
+              <a:rPr lang="sr-Latn-RS" dirty="0" smtClean="0"/>
+              <a:t>zgleda i funkcionalnosti grafičkog sučelja</a:t>
             </a:r>
             <a:endParaRPr lang="sr-Latn-RS" dirty="0" smtClean="0"/>
           </a:p>

--- a/Stefan_Stojanovic_Bsc_ppt.pptx
+++ b/Stefan_Stojanovic_Bsc_ppt.pptx
@@ -5,7 +5,7 @@
     <p:sldMasterId id="2147483648" r:id="rId1"/>
   </p:sldMasterIdLst>
   <p:notesMasterIdLst>
-    <p:notesMasterId r:id="rId21"/>
+    <p:notesMasterId r:id="rId22"/>
   </p:notesMasterIdLst>
   <p:sldIdLst>
     <p:sldId id="256" r:id="rId2"/>
@@ -27,6 +27,7 @@
     <p:sldId id="270" r:id="rId18"/>
     <p:sldId id="273" r:id="rId19"/>
     <p:sldId id="279" r:id="rId20"/>
+    <p:sldId id="280" r:id="rId21"/>
   </p:sldIdLst>
   <p:sldSz cx="9144000" cy="5143500" type="screen16x9"/>
   <p:notesSz cx="6858000" cy="9144000"/>
@@ -283,7 +284,7 @@
             <a:fld id="{BCB39705-7C2E-4725-9106-824B143506AA}" type="datetimeFigureOut">
               <a:rPr lang="en-US" smtClean="0"/>
               <a:pPr/>
-              <a:t>29-Sep-20</a:t>
+              <a:t>15-Oct-20</a:t>
             </a:fld>
             <a:endParaRPr lang="en-US"/>
           </a:p>
@@ -599,8 +600,16 @@
           <a:lstStyle/>
           <a:p>
             <a:r>
+              <a:rPr lang="en-US" dirty="0" smtClean="0"/>
+              <a:t>-</a:t>
+            </a:r>
+            <a:r>
               <a:rPr lang="sr-Latn-RS" dirty="0" smtClean="0"/>
-              <a:t>Visok stepen kompleksnosti proizvodnje elektronskih komponenti automobila kroz istoriju stvorio je potrebu za nekom vrstom standarda</a:t>
+              <a:t>Visok </a:t>
+            </a:r>
+            <a:r>
+              <a:rPr lang="sr-Latn-RS" dirty="0" smtClean="0"/>
+              <a:t>stepen kompleksnosti proizvodnje elektronskih komponenti automobila kroz istoriju stvorio je potrebu za nekom vrstom standarda</a:t>
             </a:r>
           </a:p>
           <a:p>
@@ -649,6 +658,10 @@
               <a:defRPr/>
             </a:pPr>
             <a:r>
+              <a:rPr lang="en-GB" baseline="0" dirty="0" smtClean="0"/>
+              <a:t>-</a:t>
+            </a:r>
+            <a:r>
               <a:rPr lang="en-GB" baseline="0" dirty="0" err="1" smtClean="0"/>
               <a:t>Cilj</a:t>
             </a:r>
@@ -658,11 +671,15 @@
             </a:r>
             <a:r>
               <a:rPr lang="en-GB" baseline="0" dirty="0" err="1" smtClean="0"/>
-              <a:t>ovog</a:t>
+              <a:t>standarda</a:t>
             </a:r>
             <a:r>
               <a:rPr lang="en-GB" baseline="0" dirty="0" smtClean="0"/>
-              <a:t> standard je da </a:t>
+              <a:t> </a:t>
+            </a:r>
+            <a:r>
+              <a:rPr lang="en-GB" baseline="0" dirty="0" smtClean="0"/>
+              <a:t>je da </a:t>
             </a:r>
             <a:r>
               <a:rPr lang="en-GB" baseline="0" dirty="0" err="1" smtClean="0"/>
@@ -776,6 +793,30 @@
               <a:rPr lang="en-GB" baseline="0" dirty="0" smtClean="0"/>
               <a:t>. </a:t>
             </a:r>
+            <a:endParaRPr lang="en-GB" baseline="0" dirty="0" smtClean="0"/>
+          </a:p>
+          <a:p>
+            <a:pPr marL="0" marR="0" indent="0" algn="l" defTabSz="914400" rtl="0" eaLnBrk="1" fontAlgn="auto" latinLnBrk="0" hangingPunct="1">
+              <a:lnSpc>
+                <a:spcPct val="100000"/>
+              </a:lnSpc>
+              <a:spcBef>
+                <a:spcPts val="0"/>
+              </a:spcBef>
+              <a:spcAft>
+                <a:spcPts val="0"/>
+              </a:spcAft>
+              <a:buClrTx/>
+              <a:buSzTx/>
+              <a:buFontTx/>
+              <a:buNone/>
+              <a:tabLst/>
+              <a:defRPr/>
+            </a:pPr>
+            <a:r>
+              <a:rPr lang="en-GB" baseline="0" dirty="0" smtClean="0"/>
+              <a:t>-</a:t>
+            </a:r>
             <a:r>
               <a:rPr lang="en-GB" baseline="0" dirty="0" err="1" smtClean="0"/>
               <a:t>Najznacajnija</a:t>
@@ -810,7 +851,7 @@
             </a:r>
             <a:r>
               <a:rPr lang="en-GB" baseline="0" dirty="0" err="1" smtClean="0"/>
-              <a:t>njegovo</a:t>
+              <a:t>mogucnost</a:t>
             </a:r>
             <a:r>
               <a:rPr lang="en-GB" baseline="0" dirty="0" smtClean="0"/>
@@ -818,7 +859,123 @@
             </a:r>
             <a:r>
               <a:rPr lang="en-GB" baseline="0" dirty="0" err="1" smtClean="0"/>
-              <a:t>koriscenje</a:t>
+              <a:t>njegovog</a:t>
+            </a:r>
+            <a:r>
+              <a:rPr lang="en-GB" baseline="0" dirty="0" smtClean="0"/>
+              <a:t> </a:t>
+            </a:r>
+            <a:r>
+              <a:rPr lang="en-GB" baseline="0" dirty="0" err="1" smtClean="0"/>
+              <a:t>koriscenja</a:t>
+            </a:r>
+            <a:r>
+              <a:rPr lang="en-GB" baseline="0" dirty="0" smtClean="0"/>
+              <a:t> </a:t>
+            </a:r>
+            <a:r>
+              <a:rPr lang="en-GB" baseline="0" dirty="0" smtClean="0"/>
+              <a:t>u </a:t>
+            </a:r>
+            <a:r>
+              <a:rPr lang="en-GB" baseline="0" dirty="0" err="1" smtClean="0"/>
+              <a:t>vozilima</a:t>
+            </a:r>
+            <a:r>
+              <a:rPr lang="en-GB" baseline="0" dirty="0" smtClean="0"/>
+              <a:t> </a:t>
+            </a:r>
+            <a:r>
+              <a:rPr lang="en-GB" baseline="0" dirty="0" err="1" smtClean="0"/>
+              <a:t>razlicitih</a:t>
+            </a:r>
+            <a:r>
+              <a:rPr lang="en-GB" baseline="0" dirty="0" smtClean="0"/>
+              <a:t> </a:t>
+            </a:r>
+            <a:r>
+              <a:rPr lang="en-GB" baseline="0" dirty="0" err="1" smtClean="0"/>
+              <a:t>proizvodjaca</a:t>
+            </a:r>
+            <a:r>
+              <a:rPr lang="en-GB" baseline="0" dirty="0" smtClean="0"/>
+              <a:t>, </a:t>
+            </a:r>
+            <a:r>
+              <a:rPr lang="en-GB" baseline="0" dirty="0" err="1" smtClean="0"/>
+              <a:t>kao</a:t>
+            </a:r>
+            <a:r>
+              <a:rPr lang="en-GB" baseline="0" dirty="0" smtClean="0"/>
+              <a:t> I </a:t>
+            </a:r>
+            <a:r>
+              <a:rPr lang="en-GB" baseline="0" dirty="0" err="1" smtClean="0"/>
+              <a:t>mogucnost</a:t>
+            </a:r>
+            <a:r>
+              <a:rPr lang="en-GB" baseline="0" dirty="0" smtClean="0"/>
+              <a:t> </a:t>
+            </a:r>
+            <a:r>
+              <a:rPr lang="en-GB" baseline="0" dirty="0" err="1" smtClean="0"/>
+              <a:t>koriscenja</a:t>
+            </a:r>
+            <a:r>
+              <a:rPr lang="en-GB" baseline="0" dirty="0" smtClean="0"/>
+              <a:t>  od </a:t>
+            </a:r>
+            <a:r>
+              <a:rPr lang="en-GB" baseline="0" dirty="0" err="1" smtClean="0"/>
+              <a:t>strane</a:t>
+            </a:r>
+            <a:r>
+              <a:rPr lang="en-GB" baseline="0" dirty="0" smtClean="0"/>
+              <a:t> </a:t>
+            </a:r>
+            <a:r>
+              <a:rPr lang="en-GB" baseline="0" dirty="0" err="1" smtClean="0"/>
+              <a:t>razlicitih</a:t>
+            </a:r>
+            <a:r>
+              <a:rPr lang="en-GB" baseline="0" dirty="0" smtClean="0"/>
+              <a:t> </a:t>
+            </a:r>
+            <a:r>
+              <a:rPr lang="en-GB" baseline="0" dirty="0" err="1" smtClean="0"/>
+              <a:t>proizvodjaca</a:t>
+            </a:r>
+            <a:r>
+              <a:rPr lang="en-GB" baseline="0" dirty="0" smtClean="0"/>
+              <a:t> </a:t>
+            </a:r>
+            <a:r>
+              <a:rPr lang="en-GB" baseline="0" dirty="0" err="1" smtClean="0"/>
+              <a:t>elektronske</a:t>
+            </a:r>
+            <a:r>
+              <a:rPr lang="en-GB" baseline="0" dirty="0" smtClean="0"/>
+              <a:t> </a:t>
+            </a:r>
+            <a:r>
+              <a:rPr lang="en-GB" baseline="0" dirty="0" err="1" smtClean="0"/>
+              <a:t>opreme</a:t>
+            </a:r>
+            <a:r>
+              <a:rPr lang="en-GB" baseline="0" dirty="0" smtClean="0"/>
+              <a:t> </a:t>
+            </a:r>
+            <a:r>
+              <a:rPr lang="en-GB" baseline="0" dirty="0" err="1" smtClean="0"/>
+              <a:t>koja</a:t>
+            </a:r>
+            <a:r>
+              <a:rPr lang="en-GB" baseline="0" dirty="0" smtClean="0"/>
+              <a:t> se </a:t>
+            </a:r>
+            <a:r>
+              <a:rPr lang="en-GB" baseline="0" dirty="0" err="1" smtClean="0"/>
+              <a:t>koristi</a:t>
             </a:r>
             <a:r>
               <a:rPr lang="en-GB" baseline="0" dirty="0" smtClean="0"/>
@@ -830,111 +987,30 @@
             </a:r>
             <a:r>
               <a:rPr lang="en-GB" baseline="0" dirty="0" smtClean="0"/>
-              <a:t> </a:t>
-            </a:r>
-            <a:r>
-              <a:rPr lang="en-GB" baseline="0" dirty="0" err="1" smtClean="0"/>
-              <a:t>razlicitih</a:t>
-            </a:r>
+              <a:t>. </a:t>
+            </a:r>
+          </a:p>
+          <a:p>
+            <a:pPr marL="0" marR="0" indent="0" algn="l" defTabSz="914400" rtl="0" eaLnBrk="1" fontAlgn="auto" latinLnBrk="0" hangingPunct="1">
+              <a:lnSpc>
+                <a:spcPct val="100000"/>
+              </a:lnSpc>
+              <a:spcBef>
+                <a:spcPts val="0"/>
+              </a:spcBef>
+              <a:spcAft>
+                <a:spcPts val="0"/>
+              </a:spcAft>
+              <a:buClrTx/>
+              <a:buSzTx/>
+              <a:buFontTx/>
+              <a:buNone/>
+              <a:tabLst/>
+              <a:defRPr/>
+            </a:pPr>
             <a:r>
               <a:rPr lang="en-GB" baseline="0" dirty="0" smtClean="0"/>
-              <a:t> </a:t>
-            </a:r>
-            <a:r>
-              <a:rPr lang="en-GB" baseline="0" dirty="0" err="1" smtClean="0"/>
-              <a:t>proizvodjaca</a:t>
-            </a:r>
-            <a:r>
-              <a:rPr lang="en-GB" baseline="0" dirty="0" smtClean="0"/>
-              <a:t>, </a:t>
-            </a:r>
-            <a:r>
-              <a:rPr lang="en-GB" baseline="0" dirty="0" err="1" smtClean="0"/>
-              <a:t>ali</a:t>
-            </a:r>
-            <a:r>
-              <a:rPr lang="en-GB" baseline="0" dirty="0" smtClean="0"/>
-              <a:t> </a:t>
-            </a:r>
-            <a:r>
-              <a:rPr lang="en-GB" baseline="0" dirty="0" err="1" smtClean="0"/>
-              <a:t>mogu</a:t>
-            </a:r>
-            <a:r>
-              <a:rPr lang="en-GB" baseline="0" dirty="0" smtClean="0"/>
-              <a:t> </a:t>
-            </a:r>
-            <a:r>
-              <a:rPr lang="en-GB" baseline="0" dirty="0" err="1" smtClean="0"/>
-              <a:t>ga</a:t>
-            </a:r>
-            <a:r>
-              <a:rPr lang="en-GB" baseline="0" dirty="0" smtClean="0"/>
-              <a:t> </a:t>
-            </a:r>
-            <a:r>
-              <a:rPr lang="en-GB" baseline="0" dirty="0" err="1" smtClean="0"/>
-              <a:t>koristiti</a:t>
-            </a:r>
-            <a:r>
-              <a:rPr lang="en-GB" baseline="0" dirty="0" smtClean="0"/>
-              <a:t> I </a:t>
-            </a:r>
-            <a:r>
-              <a:rPr lang="en-GB" baseline="0" dirty="0" err="1" smtClean="0"/>
-              <a:t>razliciti</a:t>
-            </a:r>
-            <a:r>
-              <a:rPr lang="en-GB" baseline="0" dirty="0" smtClean="0"/>
-              <a:t> </a:t>
-            </a:r>
-            <a:r>
-              <a:rPr lang="en-GB" baseline="0" dirty="0" err="1" smtClean="0"/>
-              <a:t>proizvodjaci</a:t>
-            </a:r>
-            <a:r>
-              <a:rPr lang="en-GB" baseline="0" dirty="0" smtClean="0"/>
-              <a:t> </a:t>
-            </a:r>
-            <a:r>
-              <a:rPr lang="en-GB" baseline="0" dirty="0" err="1" smtClean="0"/>
-              <a:t>elektronske</a:t>
-            </a:r>
-            <a:r>
-              <a:rPr lang="en-GB" baseline="0" dirty="0" smtClean="0"/>
-              <a:t> </a:t>
-            </a:r>
-            <a:r>
-              <a:rPr lang="en-GB" baseline="0" dirty="0" err="1" smtClean="0"/>
-              <a:t>opreme</a:t>
-            </a:r>
-            <a:r>
-              <a:rPr lang="en-GB" baseline="0" dirty="0" smtClean="0"/>
-              <a:t> </a:t>
-            </a:r>
-            <a:r>
-              <a:rPr lang="en-GB" baseline="0" dirty="0" err="1" smtClean="0"/>
-              <a:t>koja</a:t>
-            </a:r>
-            <a:r>
-              <a:rPr lang="en-GB" baseline="0" dirty="0" smtClean="0"/>
-              <a:t> se </a:t>
-            </a:r>
-            <a:r>
-              <a:rPr lang="en-GB" baseline="0" dirty="0" err="1" smtClean="0"/>
-              <a:t>koristi</a:t>
-            </a:r>
-            <a:r>
-              <a:rPr lang="en-GB" baseline="0" dirty="0" smtClean="0"/>
-              <a:t> u </a:t>
-            </a:r>
-            <a:r>
-              <a:rPr lang="en-GB" baseline="0" dirty="0" err="1" smtClean="0"/>
-              <a:t>vozilima</a:t>
-            </a:r>
-            <a:r>
-              <a:rPr lang="en-GB" baseline="0" dirty="0" smtClean="0"/>
-              <a:t>. Ova </a:t>
+              <a:t>Ova </a:t>
             </a:r>
             <a:r>
               <a:rPr lang="en-GB" baseline="0" dirty="0" err="1" smtClean="0"/>
@@ -1180,12 +1256,92 @@
               <a:buChar char="-"/>
             </a:pPr>
             <a:r>
-              <a:rPr lang="sr-Latn-RS" dirty="0" smtClean="0"/>
-              <a:t>Sve</a:t>
-            </a:r>
-            <a:r>
-              <a:rPr lang="sr-Latn-RS" baseline="0" dirty="0" smtClean="0"/>
-              <a:t> opcije su dostupne korisniku u vidu padajućih menija (File, Edit...)</a:t>
+              <a:rPr lang="en-US" dirty="0" smtClean="0"/>
+              <a:t>Panel </a:t>
+            </a:r>
+            <a:r>
+              <a:rPr lang="en-US" dirty="0" err="1" smtClean="0"/>
+              <a:t>sa</a:t>
+            </a:r>
+            <a:r>
+              <a:rPr lang="en-US" dirty="0" smtClean="0"/>
+              <a:t> </a:t>
+            </a:r>
+            <a:r>
+              <a:rPr lang="en-US" dirty="0" err="1" smtClean="0"/>
+              <a:t>leve</a:t>
+            </a:r>
+            <a:r>
+              <a:rPr lang="en-US" dirty="0" smtClean="0"/>
+              <a:t> </a:t>
+            </a:r>
+            <a:r>
+              <a:rPr lang="en-US" dirty="0" err="1" smtClean="0"/>
+              <a:t>strane</a:t>
+            </a:r>
+            <a:r>
+              <a:rPr lang="en-US" dirty="0" smtClean="0"/>
+              <a:t> </a:t>
+            </a:r>
+            <a:r>
+              <a:rPr lang="en-US" dirty="0" err="1" smtClean="0"/>
+              <a:t>prozora</a:t>
+            </a:r>
+            <a:r>
+              <a:rPr lang="en-US" dirty="0" smtClean="0"/>
+              <a:t> </a:t>
+            </a:r>
+            <a:r>
+              <a:rPr lang="en-US" dirty="0" err="1" smtClean="0"/>
+              <a:t>sadrzi</a:t>
+            </a:r>
+            <a:r>
+              <a:rPr lang="en-US" dirty="0" smtClean="0"/>
+              <a:t> </a:t>
+            </a:r>
+            <a:r>
+              <a:rPr lang="en-US" dirty="0" err="1" smtClean="0"/>
+              <a:t>graficki</a:t>
+            </a:r>
+            <a:r>
+              <a:rPr lang="en-US" dirty="0" smtClean="0"/>
+              <a:t> </a:t>
+            </a:r>
+            <a:r>
+              <a:rPr lang="en-US" dirty="0" err="1" smtClean="0"/>
+              <a:t>prikaz</a:t>
+            </a:r>
+            <a:r>
+              <a:rPr lang="en-US" dirty="0" smtClean="0"/>
+              <a:t> structure</a:t>
+            </a:r>
+            <a:r>
+              <a:rPr lang="en-US" baseline="0" dirty="0" smtClean="0"/>
+              <a:t> stable </a:t>
+            </a:r>
+            <a:r>
+              <a:rPr lang="en-US" baseline="0" dirty="0" err="1" smtClean="0"/>
+              <a:t>ucitanog</a:t>
+            </a:r>
+            <a:r>
+              <a:rPr lang="en-US" baseline="0" dirty="0" smtClean="0"/>
+              <a:t> </a:t>
+            </a:r>
+            <a:r>
+              <a:rPr lang="en-US" baseline="0" dirty="0" err="1" smtClean="0"/>
+              <a:t>dokumenta</a:t>
+            </a:r>
+            <a:r>
+              <a:rPr lang="en-US" baseline="0" dirty="0" smtClean="0"/>
+              <a:t> (</a:t>
+            </a:r>
+            <a:r>
+              <a:rPr lang="en-US" baseline="0" dirty="0" err="1" smtClean="0"/>
+              <a:t>wxTreeCtrl</a:t>
+            </a:r>
+            <a:r>
+              <a:rPr lang="en-US" baseline="0" dirty="0" smtClean="0"/>
+              <a:t>)</a:t>
             </a:r>
           </a:p>
           <a:p>
@@ -1193,40 +1349,13 @@
               <a:buFontTx/>
               <a:buChar char="-"/>
             </a:pPr>
-            <a:r>
-              <a:rPr lang="sr-Latn-RS" baseline="0" dirty="0" smtClean="0"/>
-              <a:t>wxToolbar predstavlja iste opcije u vidu trake sa alatima radi bržeg pristupa</a:t>
-            </a:r>
+            <a:endParaRPr lang="sr-Latn-RS" dirty="0" smtClean="0"/>
           </a:p>
           <a:p>
             <a:pPr marL="171450" indent="-171450">
               <a:buFontTx/>
               <a:buChar char="-"/>
             </a:pPr>
-            <a:r>
-              <a:rPr lang="sr-Latn-RS" baseline="0" dirty="0" smtClean="0"/>
-              <a:t>Klikom na opciju Settings pojavljuje se poseban prozor za podešavanje željenih ponuđenih putanja pri otvaranju i čuvanju dokumenata, lokaciji XML dokumenata i lokaciji čuvanja liste izveštaja</a:t>
-            </a:r>
-          </a:p>
-          <a:p>
-            <a:pPr marL="171450" indent="-171450">
-              <a:buFontTx/>
-              <a:buChar char="-"/>
-            </a:pPr>
-            <a:r>
-              <a:rPr lang="sr-Latn-RS" baseline="0" dirty="0" smtClean="0"/>
-              <a:t>Prilikom završetka izvoza svih XML dokumenata iz TestReport direktorijuma u PDF format, pojavljuje se poseban prozor sa prikazom statusa izvoza</a:t>
-            </a:r>
-          </a:p>
-          <a:p>
-            <a:pPr marL="171450" indent="-171450">
-              <a:buFontTx/>
-              <a:buChar char="-"/>
-            </a:pPr>
-            <a:r>
-              <a:rPr lang="sr-Latn-RS" baseline="0" dirty="0" smtClean="0"/>
-              <a:t>Statusna traka pruža detaljniji opis opcija sa trake pri prelaskom mišem preko ikonica, kao i stanje opcija koje traju</a:t>
-            </a:r>
             <a:endParaRPr lang="en-US" dirty="0"/>
           </a:p>
         </p:txBody>
@@ -1249,7 +1378,7 @@
             <a:fld id="{6C2AB10A-991B-4A9D-BDBD-AB84E53F1688}" type="slidenum">
               <a:rPr lang="en-US" smtClean="0"/>
               <a:pPr/>
-              <a:t>13</a:t>
+              <a:t>12</a:t>
             </a:fld>
             <a:endParaRPr lang="en-US"/>
           </a:p>
@@ -1258,7 +1387,7 @@
     </p:spTree>
     <p:extLst>
       <p:ext uri="{BB962C8B-B14F-4D97-AF65-F5344CB8AC3E}">
-        <p14:creationId xmlns:p14="http://schemas.microsoft.com/office/powerpoint/2010/main" val="1176679601"/>
+        <p14:creationId xmlns:p14="http://schemas.microsoft.com/office/powerpoint/2010/main" val="1751340858"/>
       </p:ext>
     </p:extLst>
   </p:cSld>
@@ -1312,9 +1441,636 @@
           <a:bodyPr/>
           <a:lstStyle/>
           <a:p>
-            <a:r>
-              <a:rPr lang="sr-Latn-RS" dirty="0" smtClean="0"/>
-              <a:t>- Radi lakšeg i bržeg korišćenja aplikacije, implementirana je funkcionalnost pretrage čvorova stabla sa nazivom TestCase</a:t>
+            <a:pPr marL="171450" indent="-171450">
+              <a:buFontTx/>
+              <a:buChar char="-"/>
+            </a:pPr>
+            <a:r>
+              <a:rPr lang="en-US" dirty="0" err="1" smtClean="0"/>
+              <a:t>Pri</a:t>
+            </a:r>
+            <a:r>
+              <a:rPr lang="en-US" baseline="0" dirty="0" smtClean="0"/>
+              <a:t> </a:t>
+            </a:r>
+            <a:r>
+              <a:rPr lang="en-US" baseline="0" dirty="0" err="1" smtClean="0"/>
+              <a:t>vrhu</a:t>
+            </a:r>
+            <a:r>
+              <a:rPr lang="en-US" baseline="0" dirty="0" smtClean="0"/>
+              <a:t> </a:t>
+            </a:r>
+            <a:r>
+              <a:rPr lang="en-US" baseline="0" dirty="0" err="1" smtClean="0"/>
+              <a:t>levog</a:t>
+            </a:r>
+            <a:r>
+              <a:rPr lang="en-US" baseline="0" dirty="0" smtClean="0"/>
+              <a:t> panela </a:t>
+            </a:r>
+            <a:r>
+              <a:rPr lang="en-US" baseline="0" dirty="0" err="1" smtClean="0"/>
+              <a:t>nalazi</a:t>
+            </a:r>
+            <a:r>
+              <a:rPr lang="en-US" baseline="0" dirty="0" smtClean="0"/>
+              <a:t> se </a:t>
+            </a:r>
+            <a:r>
+              <a:rPr lang="en-US" baseline="0" dirty="0" err="1" smtClean="0"/>
+              <a:t>traka</a:t>
+            </a:r>
+            <a:r>
+              <a:rPr lang="en-US" baseline="0" dirty="0" smtClean="0"/>
+              <a:t> </a:t>
+            </a:r>
+            <a:r>
+              <a:rPr lang="en-US" baseline="0" dirty="0" err="1" smtClean="0"/>
+              <a:t>sa</a:t>
+            </a:r>
+            <a:r>
+              <a:rPr lang="en-US" baseline="0" dirty="0" smtClean="0"/>
+              <a:t> </a:t>
+            </a:r>
+            <a:r>
+              <a:rPr lang="en-US" baseline="0" dirty="0" err="1" smtClean="0"/>
+              <a:t>padajucim</a:t>
+            </a:r>
+            <a:r>
+              <a:rPr lang="en-US" baseline="0" dirty="0" smtClean="0"/>
+              <a:t> </a:t>
+            </a:r>
+            <a:r>
+              <a:rPr lang="en-US" baseline="0" dirty="0" err="1" smtClean="0"/>
+              <a:t>menijima</a:t>
+            </a:r>
+            <a:r>
+              <a:rPr lang="en-US" baseline="0" dirty="0" smtClean="0"/>
+              <a:t> </a:t>
+            </a:r>
+            <a:r>
+              <a:rPr lang="en-US" baseline="0" dirty="0" err="1" smtClean="0"/>
+              <a:t>koji</a:t>
+            </a:r>
+            <a:r>
+              <a:rPr lang="en-US" baseline="0" dirty="0" smtClean="0"/>
+              <a:t> </a:t>
+            </a:r>
+            <a:r>
+              <a:rPr lang="en-US" baseline="0" dirty="0" err="1" smtClean="0"/>
+              <a:t>sadrze</a:t>
+            </a:r>
+            <a:r>
+              <a:rPr lang="en-US" baseline="0" dirty="0" smtClean="0"/>
+              <a:t> </a:t>
+            </a:r>
+            <a:r>
+              <a:rPr lang="en-US" baseline="0" dirty="0" err="1" smtClean="0"/>
+              <a:t>sve</a:t>
+            </a:r>
+            <a:r>
+              <a:rPr lang="en-US" baseline="0" dirty="0" smtClean="0"/>
+              <a:t> </a:t>
+            </a:r>
+            <a:r>
+              <a:rPr lang="en-US" baseline="0" dirty="0" err="1" smtClean="0"/>
+              <a:t>dostupne</a:t>
+            </a:r>
+            <a:r>
+              <a:rPr lang="en-US" baseline="0" dirty="0" smtClean="0"/>
+              <a:t> </a:t>
+            </a:r>
+            <a:r>
+              <a:rPr lang="en-US" baseline="0" dirty="0" err="1" smtClean="0"/>
+              <a:t>operacije</a:t>
+            </a:r>
+            <a:r>
+              <a:rPr lang="en-US" baseline="0" dirty="0" smtClean="0"/>
+              <a:t> </a:t>
+            </a:r>
+          </a:p>
+          <a:p>
+            <a:pPr marL="171450" indent="-171450">
+              <a:buFontTx/>
+              <a:buChar char="-"/>
+            </a:pPr>
+            <a:r>
+              <a:rPr lang="en-US" baseline="0" dirty="0" err="1" smtClean="0"/>
+              <a:t>Ispod</a:t>
+            </a:r>
+            <a:r>
+              <a:rPr lang="en-US" baseline="0" dirty="0" smtClean="0"/>
+              <a:t> </a:t>
+            </a:r>
+            <a:r>
+              <a:rPr lang="en-US" baseline="0" dirty="0" err="1" smtClean="0"/>
+              <a:t>trake</a:t>
+            </a:r>
+            <a:r>
+              <a:rPr lang="en-US" baseline="0" dirty="0" smtClean="0"/>
+              <a:t> </a:t>
+            </a:r>
+            <a:r>
+              <a:rPr lang="en-US" baseline="0" dirty="0" err="1" smtClean="0"/>
+              <a:t>sa</a:t>
+            </a:r>
+            <a:r>
+              <a:rPr lang="en-US" baseline="0" dirty="0" smtClean="0"/>
+              <a:t> </a:t>
+            </a:r>
+            <a:r>
+              <a:rPr lang="en-US" baseline="0" dirty="0" err="1" smtClean="0"/>
+              <a:t>menijima</a:t>
+            </a:r>
+            <a:r>
+              <a:rPr lang="en-US" baseline="0" dirty="0" smtClean="0"/>
+              <a:t> </a:t>
+            </a:r>
+            <a:r>
+              <a:rPr lang="en-US" baseline="0" dirty="0" err="1" smtClean="0"/>
+              <a:t>nalazi</a:t>
+            </a:r>
+            <a:r>
+              <a:rPr lang="en-US" baseline="0" dirty="0" smtClean="0"/>
+              <a:t> se </a:t>
+            </a:r>
+            <a:r>
+              <a:rPr lang="en-US" baseline="0" dirty="0" err="1" smtClean="0"/>
+              <a:t>traka</a:t>
+            </a:r>
+            <a:r>
+              <a:rPr lang="en-US" baseline="0" dirty="0" smtClean="0"/>
+              <a:t> </a:t>
+            </a:r>
+            <a:r>
+              <a:rPr lang="en-US" baseline="0" dirty="0" err="1" smtClean="0"/>
+              <a:t>sa</a:t>
+            </a:r>
+            <a:r>
+              <a:rPr lang="en-US" baseline="0" dirty="0" smtClean="0"/>
+              <a:t> </a:t>
+            </a:r>
+            <a:r>
+              <a:rPr lang="en-US" baseline="0" dirty="0" err="1" smtClean="0"/>
+              <a:t>grafickim</a:t>
+            </a:r>
+            <a:r>
+              <a:rPr lang="en-US" baseline="0" dirty="0" smtClean="0"/>
+              <a:t> </a:t>
+            </a:r>
+            <a:r>
+              <a:rPr lang="en-US" baseline="0" dirty="0" err="1" smtClean="0"/>
+              <a:t>predstavama</a:t>
+            </a:r>
+            <a:r>
+              <a:rPr lang="en-US" baseline="0" dirty="0" smtClean="0"/>
+              <a:t> </a:t>
+            </a:r>
+            <a:r>
+              <a:rPr lang="en-US" baseline="0" dirty="0" err="1" smtClean="0"/>
+              <a:t>samih</a:t>
+            </a:r>
+            <a:r>
+              <a:rPr lang="en-US" baseline="0" dirty="0" smtClean="0"/>
+              <a:t> </a:t>
+            </a:r>
+            <a:r>
+              <a:rPr lang="en-US" baseline="0" dirty="0" err="1" smtClean="0"/>
+              <a:t>alata</a:t>
+            </a:r>
+            <a:r>
+              <a:rPr lang="en-US" baseline="0" dirty="0" smtClean="0"/>
+              <a:t>, </a:t>
+            </a:r>
+            <a:r>
+              <a:rPr lang="en-US" baseline="0" dirty="0" err="1" smtClean="0"/>
+              <a:t>radi</a:t>
+            </a:r>
+            <a:r>
+              <a:rPr lang="en-US" baseline="0" dirty="0" smtClean="0"/>
+              <a:t> </a:t>
+            </a:r>
+            <a:r>
+              <a:rPr lang="en-US" baseline="0" dirty="0" err="1" smtClean="0"/>
+              <a:t>lakseg</a:t>
+            </a:r>
+            <a:r>
+              <a:rPr lang="en-US" baseline="0" dirty="0" smtClean="0"/>
+              <a:t> I </a:t>
+            </a:r>
+            <a:r>
+              <a:rPr lang="en-US" baseline="0" dirty="0" err="1" smtClean="0"/>
+              <a:t>brzeg</a:t>
+            </a:r>
+            <a:r>
+              <a:rPr lang="en-US" baseline="0" dirty="0" smtClean="0"/>
+              <a:t> </a:t>
+            </a:r>
+            <a:r>
+              <a:rPr lang="en-US" baseline="0" dirty="0" err="1" smtClean="0"/>
+              <a:t>pristupa</a:t>
+            </a:r>
+            <a:endParaRPr lang="en-US" baseline="0" dirty="0" smtClean="0"/>
+          </a:p>
+          <a:p>
+            <a:pPr marL="171450" indent="-171450">
+              <a:buFontTx/>
+              <a:buChar char="-"/>
+            </a:pPr>
+            <a:r>
+              <a:rPr lang="en-US" baseline="0" dirty="0" err="1" smtClean="0"/>
+              <a:t>Odabirom</a:t>
+            </a:r>
+            <a:r>
+              <a:rPr lang="en-US" baseline="0" dirty="0" smtClean="0"/>
+              <a:t> </a:t>
+            </a:r>
+            <a:r>
+              <a:rPr lang="en-US" baseline="0" dirty="0" err="1" smtClean="0"/>
+              <a:t>opcije</a:t>
+            </a:r>
+            <a:r>
+              <a:rPr lang="en-US" baseline="0" dirty="0" smtClean="0"/>
+              <a:t> Settings </a:t>
+            </a:r>
+            <a:r>
+              <a:rPr lang="en-US" baseline="0" dirty="0" err="1" smtClean="0"/>
+              <a:t>otvara</a:t>
+            </a:r>
+            <a:r>
+              <a:rPr lang="en-US" baseline="0" dirty="0" smtClean="0"/>
+              <a:t> se </a:t>
+            </a:r>
+            <a:r>
+              <a:rPr lang="en-US" baseline="0" dirty="0" err="1" smtClean="0"/>
+              <a:t>namenski</a:t>
+            </a:r>
+            <a:r>
+              <a:rPr lang="en-US" baseline="0" dirty="0" smtClean="0"/>
+              <a:t> </a:t>
+            </a:r>
+            <a:r>
+              <a:rPr lang="en-US" baseline="0" dirty="0" err="1" smtClean="0"/>
+              <a:t>prozor</a:t>
+            </a:r>
+            <a:r>
+              <a:rPr lang="en-US" baseline="0" dirty="0" smtClean="0"/>
+              <a:t> </a:t>
+            </a:r>
+            <a:r>
+              <a:rPr lang="en-US" baseline="0" dirty="0" err="1" smtClean="0"/>
+              <a:t>koji</a:t>
+            </a:r>
+            <a:r>
+              <a:rPr lang="en-US" baseline="0" dirty="0" smtClean="0"/>
+              <a:t> </a:t>
+            </a:r>
+            <a:r>
+              <a:rPr lang="en-US" baseline="0" dirty="0" err="1" smtClean="0"/>
+              <a:t>omogucava</a:t>
+            </a:r>
+            <a:r>
+              <a:rPr lang="en-US" baseline="0" dirty="0" smtClean="0"/>
+              <a:t> </a:t>
+            </a:r>
+            <a:r>
+              <a:rPr lang="en-US" baseline="0" dirty="0" err="1" smtClean="0"/>
+              <a:t>izbor</a:t>
+            </a:r>
+            <a:r>
+              <a:rPr lang="en-US" baseline="0" dirty="0" smtClean="0"/>
+              <a:t> </a:t>
+            </a:r>
+            <a:r>
+              <a:rPr lang="en-US" baseline="0" dirty="0" err="1" smtClean="0"/>
+              <a:t>zeljenih</a:t>
+            </a:r>
+            <a:r>
+              <a:rPr lang="en-US" baseline="0" dirty="0" smtClean="0"/>
+              <a:t> </a:t>
+            </a:r>
+            <a:r>
+              <a:rPr lang="en-US" baseline="0" dirty="0" err="1" smtClean="0"/>
+              <a:t>ponudjenih</a:t>
+            </a:r>
+            <a:r>
+              <a:rPr lang="en-US" baseline="0" dirty="0" smtClean="0"/>
+              <a:t> </a:t>
+            </a:r>
+            <a:r>
+              <a:rPr lang="en-US" baseline="0" dirty="0" err="1" smtClean="0"/>
+              <a:t>putanja</a:t>
+            </a:r>
+            <a:r>
+              <a:rPr lang="en-US" baseline="0" dirty="0" smtClean="0"/>
+              <a:t> </a:t>
+            </a:r>
+            <a:r>
+              <a:rPr lang="en-US" baseline="0" dirty="0" err="1" smtClean="0"/>
+              <a:t>pri</a:t>
+            </a:r>
+            <a:r>
+              <a:rPr lang="en-US" baseline="0" dirty="0" smtClean="0"/>
+              <a:t> </a:t>
+            </a:r>
+            <a:r>
+              <a:rPr lang="en-US" baseline="0" dirty="0" err="1" smtClean="0"/>
+              <a:t>ucitavanju</a:t>
+            </a:r>
+            <a:r>
+              <a:rPr lang="en-US" baseline="0" dirty="0" smtClean="0"/>
+              <a:t> I </a:t>
+            </a:r>
+            <a:r>
+              <a:rPr lang="en-US" baseline="0" dirty="0" err="1" smtClean="0"/>
+              <a:t>cuvanju</a:t>
+            </a:r>
+            <a:r>
+              <a:rPr lang="en-US" baseline="0" dirty="0" smtClean="0"/>
+              <a:t> XML </a:t>
+            </a:r>
+            <a:r>
+              <a:rPr lang="en-US" baseline="0" dirty="0" err="1" smtClean="0"/>
+              <a:t>dokumenta</a:t>
+            </a:r>
+            <a:endParaRPr lang="en-US" baseline="0" dirty="0" smtClean="0"/>
+          </a:p>
+          <a:p>
+            <a:pPr marL="171450" indent="-171450">
+              <a:buFontTx/>
+              <a:buChar char="-"/>
+            </a:pPr>
+            <a:r>
+              <a:rPr lang="en-US" baseline="0" dirty="0" err="1" smtClean="0"/>
+              <a:t>Ovaj</a:t>
+            </a:r>
+            <a:r>
+              <a:rPr lang="en-US" baseline="0" dirty="0" smtClean="0"/>
+              <a:t> </a:t>
+            </a:r>
+            <a:r>
+              <a:rPr lang="en-US" baseline="0" dirty="0" err="1" smtClean="0"/>
+              <a:t>prozor</a:t>
+            </a:r>
+            <a:r>
+              <a:rPr lang="en-US" baseline="0" dirty="0" smtClean="0"/>
+              <a:t> </a:t>
+            </a:r>
+            <a:r>
+              <a:rPr lang="en-US" baseline="0" dirty="0" err="1" smtClean="0"/>
+              <a:t>takodje</a:t>
+            </a:r>
+            <a:r>
+              <a:rPr lang="en-US" baseline="0" dirty="0" smtClean="0"/>
+              <a:t> </a:t>
+            </a:r>
+            <a:r>
+              <a:rPr lang="en-US" baseline="0" dirty="0" err="1" smtClean="0"/>
+              <a:t>sadrzi</a:t>
+            </a:r>
+            <a:r>
+              <a:rPr lang="en-US" baseline="0" dirty="0" smtClean="0"/>
+              <a:t> </a:t>
+            </a:r>
+            <a:r>
+              <a:rPr lang="en-US" baseline="0" dirty="0" err="1" smtClean="0"/>
+              <a:t>opciju</a:t>
+            </a:r>
+            <a:r>
+              <a:rPr lang="en-US" baseline="0" dirty="0" smtClean="0"/>
+              <a:t> </a:t>
+            </a:r>
+            <a:r>
+              <a:rPr lang="en-US" baseline="0" dirty="0" err="1" smtClean="0"/>
+              <a:t>za</a:t>
+            </a:r>
+            <a:r>
+              <a:rPr lang="en-US" baseline="0" dirty="0" smtClean="0"/>
+              <a:t> </a:t>
+            </a:r>
+            <a:r>
+              <a:rPr lang="en-US" baseline="0" dirty="0" err="1" smtClean="0"/>
+              <a:t>izbor</a:t>
+            </a:r>
+            <a:r>
+              <a:rPr lang="en-US" baseline="0" dirty="0" smtClean="0"/>
+              <a:t> </a:t>
+            </a:r>
+            <a:r>
+              <a:rPr lang="en-US" baseline="0" dirty="0" err="1" smtClean="0"/>
+              <a:t>lokacije</a:t>
+            </a:r>
+            <a:r>
+              <a:rPr lang="en-US" baseline="0" dirty="0" smtClean="0"/>
+              <a:t> </a:t>
+            </a:r>
+            <a:r>
+              <a:rPr lang="en-US" baseline="0" dirty="0" err="1" smtClean="0"/>
+              <a:t>cuvanja</a:t>
+            </a:r>
+            <a:r>
+              <a:rPr lang="en-US" baseline="0" dirty="0" smtClean="0"/>
+              <a:t> </a:t>
+            </a:r>
+            <a:r>
+              <a:rPr lang="en-US" baseline="0" dirty="0" err="1" smtClean="0"/>
+              <a:t>listi</a:t>
+            </a:r>
+            <a:r>
+              <a:rPr lang="en-US" baseline="0" dirty="0" smtClean="0"/>
+              <a:t> </a:t>
+            </a:r>
+            <a:r>
+              <a:rPr lang="en-US" baseline="0" dirty="0" err="1" smtClean="0"/>
+              <a:t>izvestaja</a:t>
+            </a:r>
+            <a:r>
+              <a:rPr lang="en-US" baseline="0" dirty="0" smtClean="0"/>
+              <a:t>, </a:t>
+            </a:r>
+            <a:r>
+              <a:rPr lang="en-US" baseline="0" dirty="0" err="1" smtClean="0"/>
+              <a:t>kao</a:t>
+            </a:r>
+            <a:r>
+              <a:rPr lang="en-US" baseline="0" dirty="0" smtClean="0"/>
+              <a:t> I </a:t>
+            </a:r>
+            <a:r>
+              <a:rPr lang="en-US" baseline="0" dirty="0" err="1" smtClean="0"/>
+              <a:t>generisanih</a:t>
+            </a:r>
+            <a:r>
+              <a:rPr lang="en-US" baseline="0" dirty="0" smtClean="0"/>
+              <a:t> PDF </a:t>
+            </a:r>
+            <a:r>
+              <a:rPr lang="en-US" baseline="0" dirty="0" err="1" smtClean="0"/>
+              <a:t>dokumenata</a:t>
+            </a:r>
+            <a:endParaRPr lang="en-US" baseline="0" dirty="0" smtClean="0"/>
+          </a:p>
+          <a:p>
+            <a:pPr marL="171450" indent="-171450">
+              <a:buFontTx/>
+              <a:buChar char="-"/>
+            </a:pPr>
+            <a:r>
+              <a:rPr lang="en-US" baseline="0" dirty="0" err="1" smtClean="0"/>
+              <a:t>Takodje</a:t>
+            </a:r>
+            <a:r>
+              <a:rPr lang="en-US" baseline="0" dirty="0" smtClean="0"/>
+              <a:t>, </a:t>
+            </a:r>
+            <a:r>
+              <a:rPr lang="en-US" baseline="0" dirty="0" err="1" smtClean="0"/>
+              <a:t>nakon</a:t>
+            </a:r>
+            <a:r>
+              <a:rPr lang="en-US" baseline="0" dirty="0" smtClean="0"/>
+              <a:t> </a:t>
+            </a:r>
+            <a:r>
+              <a:rPr lang="en-US" baseline="0" dirty="0" err="1" smtClean="0"/>
+              <a:t>zavrsetka</a:t>
+            </a:r>
+            <a:r>
+              <a:rPr lang="en-US" baseline="0" dirty="0" smtClean="0"/>
+              <a:t> </a:t>
+            </a:r>
+            <a:r>
+              <a:rPr lang="en-US" baseline="0" dirty="0" err="1" smtClean="0"/>
+              <a:t>izvoza</a:t>
+            </a:r>
+            <a:r>
+              <a:rPr lang="en-US" baseline="0" dirty="0" smtClean="0"/>
+              <a:t> </a:t>
+            </a:r>
+            <a:r>
+              <a:rPr lang="en-US" baseline="0" dirty="0" err="1" smtClean="0"/>
+              <a:t>svih</a:t>
+            </a:r>
+            <a:r>
+              <a:rPr lang="en-US" baseline="0" dirty="0" smtClean="0"/>
+              <a:t> </a:t>
+            </a:r>
+            <a:r>
+              <a:rPr lang="en-US" baseline="0" dirty="0" err="1" smtClean="0"/>
+              <a:t>dostupnih</a:t>
+            </a:r>
+            <a:r>
+              <a:rPr lang="en-US" baseline="0" dirty="0" smtClean="0"/>
+              <a:t> XML </a:t>
+            </a:r>
+            <a:r>
+              <a:rPr lang="en-US" baseline="0" dirty="0" err="1" smtClean="0"/>
+              <a:t>dokumenata</a:t>
+            </a:r>
+            <a:r>
+              <a:rPr lang="en-US" baseline="0" dirty="0" smtClean="0"/>
+              <a:t> u PDF format, </a:t>
+            </a:r>
+            <a:r>
+              <a:rPr lang="en-US" baseline="0" dirty="0" err="1" smtClean="0"/>
+              <a:t>otvara</a:t>
+            </a:r>
+            <a:r>
+              <a:rPr lang="en-US" baseline="0" dirty="0" smtClean="0"/>
+              <a:t> se </a:t>
+            </a:r>
+            <a:r>
+              <a:rPr lang="en-US" baseline="0" dirty="0" err="1" smtClean="0"/>
+              <a:t>namenski</a:t>
+            </a:r>
+            <a:r>
+              <a:rPr lang="en-US" baseline="0" dirty="0" smtClean="0"/>
+              <a:t> </a:t>
+            </a:r>
+            <a:r>
+              <a:rPr lang="en-US" baseline="0" dirty="0" err="1" smtClean="0"/>
+              <a:t>prozor</a:t>
+            </a:r>
+            <a:r>
+              <a:rPr lang="en-US" baseline="0" dirty="0" smtClean="0"/>
+              <a:t> </a:t>
+            </a:r>
+            <a:r>
+              <a:rPr lang="en-US" baseline="0" dirty="0" err="1" smtClean="0"/>
+              <a:t>za</a:t>
+            </a:r>
+            <a:r>
+              <a:rPr lang="en-US" baseline="0" dirty="0" smtClean="0"/>
+              <a:t> </a:t>
+            </a:r>
+            <a:r>
+              <a:rPr lang="en-US" baseline="0" dirty="0" err="1" smtClean="0"/>
+              <a:t>prikaz</a:t>
+            </a:r>
+            <a:r>
+              <a:rPr lang="en-US" baseline="0" dirty="0" smtClean="0"/>
+              <a:t> </a:t>
+            </a:r>
+            <a:r>
+              <a:rPr lang="en-US" baseline="0" dirty="0" err="1" smtClean="0"/>
+              <a:t>stanja</a:t>
+            </a:r>
+            <a:r>
+              <a:rPr lang="en-US" baseline="0" dirty="0" smtClean="0"/>
+              <a:t> </a:t>
+            </a:r>
+            <a:r>
+              <a:rPr lang="en-US" baseline="0" dirty="0" err="1" smtClean="0"/>
+              <a:t>operacije</a:t>
+            </a:r>
+            <a:r>
+              <a:rPr lang="en-US" baseline="0" dirty="0" smtClean="0"/>
+              <a:t> </a:t>
+            </a:r>
+            <a:r>
+              <a:rPr lang="en-US" baseline="0" dirty="0" err="1" smtClean="0"/>
+              <a:t>izvoza</a:t>
+            </a:r>
+            <a:r>
+              <a:rPr lang="en-US" baseline="0" dirty="0" smtClean="0"/>
+              <a:t>, </a:t>
+            </a:r>
+            <a:r>
+              <a:rPr lang="en-US" baseline="0" dirty="0" err="1" smtClean="0"/>
+              <a:t>tj</a:t>
+            </a:r>
+            <a:r>
+              <a:rPr lang="en-US" baseline="0" dirty="0" smtClean="0"/>
+              <a:t>, </a:t>
+            </a:r>
+            <a:r>
+              <a:rPr lang="en-US" baseline="0" dirty="0" err="1" smtClean="0"/>
+              <a:t>uspesno</a:t>
+            </a:r>
+            <a:r>
+              <a:rPr lang="en-US" baseline="0" dirty="0" smtClean="0"/>
+              <a:t> I </a:t>
+            </a:r>
+            <a:r>
+              <a:rPr lang="en-US" baseline="0" dirty="0" err="1" smtClean="0"/>
+              <a:t>neuspesno</a:t>
+            </a:r>
+            <a:r>
+              <a:rPr lang="en-US" baseline="0" dirty="0" smtClean="0"/>
+              <a:t> </a:t>
+            </a:r>
+            <a:r>
+              <a:rPr lang="en-US" baseline="0" dirty="0" err="1" smtClean="0"/>
+              <a:t>generisanih</a:t>
+            </a:r>
+            <a:r>
+              <a:rPr lang="en-US" baseline="0" dirty="0" smtClean="0"/>
+              <a:t> PDF </a:t>
+            </a:r>
+            <a:r>
+              <a:rPr lang="en-US" baseline="0" dirty="0" err="1" smtClean="0"/>
+              <a:t>dokumenata</a:t>
             </a:r>
             <a:endParaRPr lang="en-US" dirty="0"/>
           </a:p>
@@ -1338,7 +2094,7 @@
             <a:fld id="{6C2AB10A-991B-4A9D-BDBD-AB84E53F1688}" type="slidenum">
               <a:rPr lang="en-US" smtClean="0"/>
               <a:pPr/>
-              <a:t>14</a:t>
+              <a:t>13</a:t>
             </a:fld>
             <a:endParaRPr lang="en-US"/>
           </a:p>
@@ -1347,7 +2103,7 @@
     </p:spTree>
     <p:extLst>
       <p:ext uri="{BB962C8B-B14F-4D97-AF65-F5344CB8AC3E}">
-        <p14:creationId xmlns:p14="http://schemas.microsoft.com/office/powerpoint/2010/main" val="1571866566"/>
+        <p14:creationId xmlns:p14="http://schemas.microsoft.com/office/powerpoint/2010/main" val="1176679601"/>
       </p:ext>
     </p:extLst>
   </p:cSld>
@@ -1401,30 +2157,292 @@
           <a:bodyPr/>
           <a:lstStyle/>
           <a:p>
+            <a:r>
+              <a:rPr lang="sr-Latn-RS" dirty="0" smtClean="0"/>
+              <a:t>- Radi lakšeg i bržeg korišćenja aplikacije, implementirana je funkcionalnost pretrage čvorova stabla sa nazivom </a:t>
+            </a:r>
+            <a:r>
+              <a:rPr lang="sr-Latn-RS" dirty="0" smtClean="0"/>
+              <a:t>TestCase</a:t>
+            </a:r>
+            <a:r>
+              <a:rPr lang="en-US" dirty="0" smtClean="0"/>
+              <a:t>,</a:t>
+            </a:r>
+            <a:r>
+              <a:rPr lang="en-US" baseline="0" dirty="0" smtClean="0"/>
+              <a:t> </a:t>
+            </a:r>
+            <a:r>
+              <a:rPr lang="en-US" baseline="0" dirty="0" err="1" smtClean="0"/>
+              <a:t>koji</a:t>
+            </a:r>
+            <a:r>
+              <a:rPr lang="en-US" baseline="0" dirty="0" smtClean="0"/>
+              <a:t> </a:t>
+            </a:r>
+            <a:r>
+              <a:rPr lang="en-US" baseline="0" dirty="0" err="1" smtClean="0"/>
+              <a:t>predstavljaju</a:t>
+            </a:r>
+            <a:r>
+              <a:rPr lang="en-US" baseline="0" dirty="0" smtClean="0"/>
+              <a:t> </a:t>
+            </a:r>
+            <a:r>
+              <a:rPr lang="en-US" baseline="0" dirty="0" err="1" smtClean="0"/>
+              <a:t>podatke</a:t>
+            </a:r>
+            <a:r>
+              <a:rPr lang="en-US" baseline="0" dirty="0" smtClean="0"/>
+              <a:t> </a:t>
+            </a:r>
+            <a:r>
+              <a:rPr lang="en-US" baseline="0" dirty="0" err="1" smtClean="0"/>
+              <a:t>testnih</a:t>
+            </a:r>
+            <a:r>
+              <a:rPr lang="en-US" baseline="0" dirty="0" smtClean="0"/>
+              <a:t> </a:t>
+            </a:r>
+            <a:r>
+              <a:rPr lang="en-US" baseline="0" dirty="0" err="1" smtClean="0"/>
+              <a:t>slucajeva</a:t>
+            </a:r>
+            <a:endParaRPr lang="en-US" dirty="0"/>
+          </a:p>
+        </p:txBody>
+      </p:sp>
+      <p:sp>
+        <p:nvSpPr>
+          <p:cNvPr id="4" name="Slide Number Placeholder 3"/>
+          <p:cNvSpPr>
+            <a:spLocks noGrp="1"/>
+          </p:cNvSpPr>
+          <p:nvPr>
+            <p:ph type="sldNum" sz="quarter" idx="10"/>
+          </p:nvPr>
+        </p:nvSpPr>
+        <p:spPr/>
+        <p:txBody>
+          <a:bodyPr/>
+          <a:lstStyle/>
+          <a:p>
+            <a:fld id="{6C2AB10A-991B-4A9D-BDBD-AB84E53F1688}" type="slidenum">
+              <a:rPr lang="en-US" smtClean="0"/>
+              <a:pPr/>
+              <a:t>14</a:t>
+            </a:fld>
+            <a:endParaRPr lang="en-US"/>
+          </a:p>
+        </p:txBody>
+      </p:sp>
+    </p:spTree>
+    <p:extLst>
+      <p:ext uri="{BB962C8B-B14F-4D97-AF65-F5344CB8AC3E}">
+        <p14:creationId xmlns:p14="http://schemas.microsoft.com/office/powerpoint/2010/main" val="1571866566"/>
+      </p:ext>
+    </p:extLst>
+  </p:cSld>
+  <p:clrMapOvr>
+    <a:masterClrMapping/>
+  </p:clrMapOvr>
+</p:notes>
+</file>
+
+<file path=ppt/notesSlides/notesSlide13.xml><?xml version="1.0" encoding="utf-8"?>
+<p:notes xmlns:a="http://schemas.openxmlformats.org/drawingml/2006/main" xmlns:r="http://schemas.openxmlformats.org/officeDocument/2006/relationships" xmlns:p="http://schemas.openxmlformats.org/presentationml/2006/main">
+  <p:cSld>
+    <p:spTree>
+      <p:nvGrpSpPr>
+        <p:cNvPr id="1" name=""/>
+        <p:cNvGrpSpPr/>
+        <p:nvPr/>
+      </p:nvGrpSpPr>
+      <p:grpSpPr>
+        <a:xfrm>
+          <a:off x="0" y="0"/>
+          <a:ext cx="0" cy="0"/>
+          <a:chOff x="0" y="0"/>
+          <a:chExt cx="0" cy="0"/>
+        </a:xfrm>
+      </p:grpSpPr>
+      <p:sp>
+        <p:nvSpPr>
+          <p:cNvPr id="2" name="Slide Image Placeholder 1"/>
+          <p:cNvSpPr>
+            <a:spLocks noGrp="1" noRot="1" noChangeAspect="1"/>
+          </p:cNvSpPr>
+          <p:nvPr>
+            <p:ph type="sldImg"/>
+          </p:nvPr>
+        </p:nvSpPr>
+        <p:spPr/>
+      </p:sp>
+      <p:sp>
+        <p:nvSpPr>
+          <p:cNvPr id="3" name="Notes Placeholder 2"/>
+          <p:cNvSpPr>
+            <a:spLocks noGrp="1"/>
+          </p:cNvSpPr>
+          <p:nvPr>
+            <p:ph type="body" idx="1"/>
+          </p:nvPr>
+        </p:nvSpPr>
+        <p:spPr/>
+        <p:txBody>
+          <a:bodyPr/>
+          <a:lstStyle/>
+          <a:p>
             <a:pPr marL="171450" indent="-171450">
               <a:buFontTx/>
               <a:buChar char="-"/>
             </a:pPr>
             <a:r>
-              <a:rPr lang="sr-Latn-RS" dirty="0" smtClean="0"/>
-              <a:t>Prikaz</a:t>
-            </a:r>
-            <a:r>
-              <a:rPr lang="sr-Latn-RS" baseline="0" dirty="0" smtClean="0"/>
-              <a:t> svakog čvora </a:t>
-            </a:r>
-            <a:r>
-              <a:rPr lang="sr-Latn-RS" dirty="0" smtClean="0"/>
-              <a:t>se sastoji iz okvira sa nazivom elementa i odgovarajućeg grafičkog elementa, u zavisnosti od tipa samog elementa (unos teksta,</a:t>
-            </a:r>
-            <a:r>
-              <a:rPr lang="sr-Latn-RS" baseline="0" dirty="0" smtClean="0"/>
-              <a:t> izbor datih vrednosti, izbor datuma...</a:t>
-            </a:r>
-            <a:r>
-              <a:rPr lang="sr-Latn-RS" dirty="0" smtClean="0"/>
-              <a:t>)</a:t>
-            </a:r>
+              <a:rPr lang="en-US" dirty="0" smtClean="0"/>
+              <a:t>U </a:t>
+            </a:r>
+            <a:r>
+              <a:rPr lang="en-US" dirty="0" err="1" smtClean="0"/>
+              <a:t>panelu</a:t>
+            </a:r>
+            <a:r>
+              <a:rPr lang="en-US" dirty="0" smtClean="0"/>
+              <a:t> </a:t>
+            </a:r>
+            <a:r>
+              <a:rPr lang="en-US" dirty="0" err="1" smtClean="0"/>
+              <a:t>sa</a:t>
+            </a:r>
+            <a:r>
+              <a:rPr lang="en-US" dirty="0" smtClean="0"/>
+              <a:t> </a:t>
+            </a:r>
+            <a:r>
+              <a:rPr lang="en-US" dirty="0" err="1" smtClean="0"/>
+              <a:t>desne</a:t>
+            </a:r>
+            <a:r>
+              <a:rPr lang="en-US" dirty="0" smtClean="0"/>
+              <a:t> </a:t>
+            </a:r>
+            <a:r>
+              <a:rPr lang="en-US" dirty="0" err="1" smtClean="0"/>
+              <a:t>strane</a:t>
+            </a:r>
+            <a:r>
+              <a:rPr lang="en-US" dirty="0" smtClean="0"/>
+              <a:t> </a:t>
+            </a:r>
+            <a:r>
+              <a:rPr lang="en-US" dirty="0" err="1" smtClean="0"/>
+              <a:t>prozora</a:t>
+            </a:r>
+            <a:r>
+              <a:rPr lang="en-US" dirty="0" smtClean="0"/>
+              <a:t> </a:t>
+            </a:r>
+            <a:r>
+              <a:rPr lang="en-US" dirty="0" err="1" smtClean="0"/>
+              <a:t>aplikacije</a:t>
+            </a:r>
+            <a:r>
+              <a:rPr lang="en-US" baseline="0" dirty="0" smtClean="0"/>
+              <a:t> </a:t>
+            </a:r>
+            <a:r>
+              <a:rPr lang="en-US" baseline="0" dirty="0" err="1" smtClean="0"/>
+              <a:t>nalazi</a:t>
+            </a:r>
+            <a:r>
+              <a:rPr lang="en-US" baseline="0" dirty="0" smtClean="0"/>
+              <a:t> se </a:t>
+            </a:r>
+            <a:r>
+              <a:rPr lang="en-US" baseline="0" dirty="0" err="1" smtClean="0"/>
+              <a:t>opsirniji</a:t>
+            </a:r>
+            <a:r>
+              <a:rPr lang="en-US" baseline="0" dirty="0" smtClean="0"/>
+              <a:t> </a:t>
+            </a:r>
+            <a:r>
+              <a:rPr lang="en-US" baseline="0" dirty="0" err="1" smtClean="0"/>
+              <a:t>prikaz</a:t>
+            </a:r>
+            <a:r>
+              <a:rPr lang="en-US" baseline="0" dirty="0" smtClean="0"/>
+              <a:t> </a:t>
+            </a:r>
+            <a:r>
+              <a:rPr lang="en-US" baseline="0" dirty="0" err="1" smtClean="0"/>
+              <a:t>selektovanog</a:t>
+            </a:r>
+            <a:r>
+              <a:rPr lang="en-US" baseline="0" dirty="0" smtClean="0"/>
+              <a:t> </a:t>
+            </a:r>
+            <a:r>
+              <a:rPr lang="en-US" baseline="0" dirty="0" err="1" smtClean="0"/>
+              <a:t>elementa</a:t>
+            </a:r>
+            <a:r>
+              <a:rPr lang="en-US" baseline="0" dirty="0" smtClean="0"/>
+              <a:t>, </a:t>
+            </a:r>
+            <a:r>
+              <a:rPr lang="en-US" baseline="0" dirty="0" err="1" smtClean="0"/>
+              <a:t>kao</a:t>
+            </a:r>
+            <a:r>
+              <a:rPr lang="en-US" baseline="0" dirty="0" smtClean="0"/>
+              <a:t> I </a:t>
+            </a:r>
+            <a:r>
+              <a:rPr lang="en-US" baseline="0" dirty="0" err="1" smtClean="0"/>
+              <a:t>njegovih</a:t>
+            </a:r>
+            <a:r>
+              <a:rPr lang="en-US" baseline="0" dirty="0" smtClean="0"/>
+              <a:t> </a:t>
+            </a:r>
+            <a:r>
+              <a:rPr lang="en-US" baseline="0" dirty="0" err="1" smtClean="0"/>
+              <a:t>trenutno</a:t>
+            </a:r>
+            <a:r>
+              <a:rPr lang="en-US" baseline="0" dirty="0" smtClean="0"/>
+              <a:t> </a:t>
+            </a:r>
+            <a:r>
+              <a:rPr lang="en-US" baseline="0" dirty="0" err="1" smtClean="0"/>
+              <a:t>prosirenih</a:t>
+            </a:r>
+            <a:r>
+              <a:rPr lang="en-US" baseline="0" dirty="0" smtClean="0"/>
+              <a:t> </a:t>
+            </a:r>
+            <a:r>
+              <a:rPr lang="en-US" baseline="0" dirty="0" err="1" smtClean="0"/>
+              <a:t>podelemenata</a:t>
+            </a:r>
+            <a:r>
+              <a:rPr lang="en-US" baseline="0" dirty="0" smtClean="0"/>
+              <a:t>, I </a:t>
+            </a:r>
+            <a:r>
+              <a:rPr lang="en-US" baseline="0" dirty="0" err="1" smtClean="0"/>
+              <a:t>njihovih</a:t>
+            </a:r>
+            <a:r>
+              <a:rPr lang="en-US" baseline="0" dirty="0" smtClean="0"/>
+              <a:t> </a:t>
+            </a:r>
+            <a:r>
+              <a:rPr lang="en-US" baseline="0" dirty="0" err="1" smtClean="0"/>
+              <a:t>podataka</a:t>
+            </a:r>
+            <a:endParaRPr lang="en-US" baseline="0" dirty="0" smtClean="0"/>
           </a:p>
           <a:p>
             <a:pPr marL="171450" indent="-171450">
@@ -1432,13 +2450,154 @@
               <a:buChar char="-"/>
             </a:pPr>
             <a:r>
-              <a:rPr lang="sr-Latn-RS" dirty="0" smtClean="0"/>
-              <a:t>Grafički elementi se prikazuju u zavisnosti od selektovanog čvora na</a:t>
-            </a:r>
-            <a:r>
-              <a:rPr lang="sr-Latn-RS" baseline="0" dirty="0" smtClean="0"/>
-              <a:t> prikazu stabla u levom panelu</a:t>
-            </a:r>
+              <a:rPr lang="en-US" baseline="0" dirty="0" err="1" smtClean="0"/>
+              <a:t>Pomocu</a:t>
+            </a:r>
+            <a:r>
+              <a:rPr lang="en-US" baseline="0" dirty="0" smtClean="0"/>
+              <a:t> </a:t>
+            </a:r>
+            <a:r>
+              <a:rPr lang="en-US" baseline="0" dirty="0" err="1" smtClean="0"/>
+              <a:t>elemenata</a:t>
+            </a:r>
+            <a:r>
+              <a:rPr lang="en-US" baseline="0" dirty="0" smtClean="0"/>
+              <a:t> </a:t>
+            </a:r>
+            <a:r>
+              <a:rPr lang="en-US" baseline="0" dirty="0" err="1" smtClean="0"/>
+              <a:t>graficke</a:t>
+            </a:r>
+            <a:r>
+              <a:rPr lang="en-US" baseline="0" dirty="0" smtClean="0"/>
+              <a:t> </a:t>
+            </a:r>
+            <a:r>
+              <a:rPr lang="en-US" baseline="0" dirty="0" err="1" smtClean="0"/>
+              <a:t>sprege</a:t>
+            </a:r>
+            <a:r>
+              <a:rPr lang="en-US" baseline="0" dirty="0" smtClean="0"/>
+              <a:t> – </a:t>
+            </a:r>
+            <a:r>
+              <a:rPr lang="en-US" baseline="0" dirty="0" err="1" smtClean="0"/>
+              <a:t>unos</a:t>
+            </a:r>
+            <a:r>
+              <a:rPr lang="en-US" baseline="0" dirty="0" smtClean="0"/>
+              <a:t> </a:t>
+            </a:r>
+            <a:r>
+              <a:rPr lang="en-US" baseline="0" dirty="0" err="1" smtClean="0"/>
+              <a:t>teksta</a:t>
+            </a:r>
+            <a:r>
+              <a:rPr lang="en-US" baseline="0" dirty="0" smtClean="0"/>
+              <a:t>, </a:t>
+            </a:r>
+            <a:r>
+              <a:rPr lang="en-US" baseline="0" dirty="0" err="1" smtClean="0"/>
+              <a:t>padajuci</a:t>
+            </a:r>
+            <a:r>
+              <a:rPr lang="en-US" baseline="0" dirty="0" smtClean="0"/>
+              <a:t> </a:t>
+            </a:r>
+            <a:r>
+              <a:rPr lang="en-US" baseline="0" dirty="0" err="1" smtClean="0"/>
+              <a:t>meni</a:t>
+            </a:r>
+            <a:r>
+              <a:rPr lang="en-US" baseline="0" dirty="0" smtClean="0"/>
+              <a:t>, </a:t>
+            </a:r>
+            <a:r>
+              <a:rPr lang="en-US" baseline="0" dirty="0" err="1" smtClean="0"/>
+              <a:t>iskakajuci</a:t>
+            </a:r>
+            <a:r>
+              <a:rPr lang="en-US" baseline="0" dirty="0" smtClean="0"/>
+              <a:t> calendar (u </a:t>
+            </a:r>
+            <a:r>
+              <a:rPr lang="en-US" baseline="0" dirty="0" err="1" smtClean="0"/>
+              <a:t>zavisnosti</a:t>
+            </a:r>
+            <a:r>
+              <a:rPr lang="en-US" baseline="0" dirty="0" smtClean="0"/>
+              <a:t> od </a:t>
+            </a:r>
+            <a:r>
+              <a:rPr lang="en-US" baseline="0" dirty="0" err="1" smtClean="0"/>
+              <a:t>tipa</a:t>
+            </a:r>
+            <a:r>
+              <a:rPr lang="en-US" baseline="0" dirty="0" smtClean="0"/>
+              <a:t>  </a:t>
+            </a:r>
+            <a:r>
+              <a:rPr lang="en-US" baseline="0" dirty="0" err="1" smtClean="0"/>
+              <a:t>podatka</a:t>
+            </a:r>
+            <a:r>
+              <a:rPr lang="en-US" baseline="0" dirty="0" smtClean="0"/>
+              <a:t> </a:t>
+            </a:r>
+            <a:r>
+              <a:rPr lang="en-US" baseline="0" dirty="0" err="1" smtClean="0"/>
+              <a:t>cvora</a:t>
+            </a:r>
+            <a:r>
+              <a:rPr lang="en-US" baseline="0" dirty="0" smtClean="0"/>
+              <a:t> </a:t>
+            </a:r>
+            <a:r>
+              <a:rPr lang="en-US" baseline="0" dirty="0" err="1" smtClean="0"/>
+              <a:t>stabla</a:t>
+            </a:r>
+            <a:r>
+              <a:rPr lang="en-US" baseline="0" dirty="0" smtClean="0"/>
+              <a:t>) </a:t>
+            </a:r>
+            <a:r>
+              <a:rPr lang="en-US" baseline="0" dirty="0" err="1" smtClean="0"/>
+              <a:t>vrsi</a:t>
+            </a:r>
+            <a:r>
+              <a:rPr lang="en-US" baseline="0" dirty="0" smtClean="0"/>
+              <a:t> se </a:t>
+            </a:r>
+            <a:r>
+              <a:rPr lang="en-US" baseline="0" dirty="0" err="1" smtClean="0"/>
+              <a:t>unos</a:t>
+            </a:r>
+            <a:r>
+              <a:rPr lang="en-US" baseline="0" dirty="0" smtClean="0"/>
+              <a:t> </a:t>
+            </a:r>
+            <a:r>
+              <a:rPr lang="en-US" baseline="0" dirty="0" err="1" smtClean="0"/>
+              <a:t>ili</a:t>
+            </a:r>
+            <a:r>
+              <a:rPr lang="en-US" baseline="0" dirty="0" smtClean="0"/>
+              <a:t> </a:t>
+            </a:r>
+            <a:r>
+              <a:rPr lang="en-US" baseline="0" dirty="0" err="1" smtClean="0"/>
+              <a:t>izmena</a:t>
+            </a:r>
+            <a:r>
+              <a:rPr lang="en-US" baseline="0" dirty="0" smtClean="0"/>
+              <a:t> </a:t>
+            </a:r>
+            <a:r>
+              <a:rPr lang="en-US" baseline="0" dirty="0" err="1" smtClean="0"/>
+              <a:t>podataka</a:t>
+            </a:r>
+            <a:endParaRPr lang="en-US" baseline="0" dirty="0" smtClean="0"/>
           </a:p>
           <a:p>
             <a:pPr marL="171450" indent="-171450">
@@ -1446,8 +2605,195 @@
               <a:buChar char="-"/>
             </a:pPr>
             <a:r>
-              <a:rPr lang="sr-Latn-RS" baseline="0" dirty="0" smtClean="0"/>
-              <a:t>Donji deo panela pruža detaljniji opis trenutno odabranog čvora (ukoliko on postoji u učitanom XML dokumentu)</a:t>
+              <a:rPr lang="en-US" baseline="0" dirty="0" err="1" smtClean="0"/>
+              <a:t>Predstava</a:t>
+            </a:r>
+            <a:r>
+              <a:rPr lang="en-US" baseline="0" dirty="0" smtClean="0"/>
+              <a:t> </a:t>
+            </a:r>
+            <a:r>
+              <a:rPr lang="en-US" baseline="0" dirty="0" err="1" smtClean="0"/>
+              <a:t>svakog</a:t>
+            </a:r>
+            <a:r>
+              <a:rPr lang="en-US" baseline="0" dirty="0" smtClean="0"/>
+              <a:t> </a:t>
+            </a:r>
+            <a:r>
+              <a:rPr lang="en-US" baseline="0" dirty="0" err="1" smtClean="0"/>
+              <a:t>cvora</a:t>
+            </a:r>
+            <a:r>
+              <a:rPr lang="en-US" baseline="0" dirty="0" smtClean="0"/>
+              <a:t> stable </a:t>
+            </a:r>
+            <a:r>
+              <a:rPr lang="en-US" baseline="0" dirty="0" err="1" smtClean="0"/>
+              <a:t>sastoji</a:t>
+            </a:r>
+            <a:r>
+              <a:rPr lang="en-US" baseline="0" dirty="0" smtClean="0"/>
+              <a:t> se </a:t>
+            </a:r>
+            <a:r>
+              <a:rPr lang="en-US" baseline="0" dirty="0" err="1" smtClean="0"/>
+              <a:t>iz</a:t>
+            </a:r>
+            <a:r>
+              <a:rPr lang="en-US" baseline="0" dirty="0" smtClean="0"/>
+              <a:t> </a:t>
+            </a:r>
+            <a:r>
+              <a:rPr lang="en-US" baseline="0" dirty="0" err="1" smtClean="0"/>
+              <a:t>okvira</a:t>
+            </a:r>
+            <a:r>
+              <a:rPr lang="en-US" baseline="0" dirty="0" smtClean="0"/>
+              <a:t> </a:t>
+            </a:r>
+            <a:r>
+              <a:rPr lang="en-US" baseline="0" dirty="0" err="1" smtClean="0"/>
+              <a:t>sa</a:t>
+            </a:r>
+            <a:r>
+              <a:rPr lang="en-US" baseline="0" dirty="0" smtClean="0"/>
+              <a:t> </a:t>
+            </a:r>
+            <a:r>
+              <a:rPr lang="en-US" baseline="0" dirty="0" err="1" smtClean="0"/>
+              <a:t>nazivom</a:t>
+            </a:r>
+            <a:r>
+              <a:rPr lang="en-US" baseline="0" dirty="0" smtClean="0"/>
+              <a:t> </a:t>
+            </a:r>
+            <a:r>
+              <a:rPr lang="en-US" baseline="0" dirty="0" err="1" smtClean="0"/>
+              <a:t>cvora</a:t>
+            </a:r>
+            <a:r>
+              <a:rPr lang="en-US" baseline="0" dirty="0" smtClean="0"/>
+              <a:t>, I </a:t>
+            </a:r>
+            <a:r>
+              <a:rPr lang="en-US" baseline="0" dirty="0" err="1" smtClean="0"/>
+              <a:t>grafickog</a:t>
+            </a:r>
+            <a:r>
+              <a:rPr lang="en-US" baseline="0" dirty="0" smtClean="0"/>
+              <a:t> </a:t>
+            </a:r>
+            <a:r>
+              <a:rPr lang="en-US" baseline="0" dirty="0" err="1" smtClean="0"/>
+              <a:t>elementa</a:t>
+            </a:r>
+            <a:endParaRPr lang="en-US" baseline="0" dirty="0" smtClean="0"/>
+          </a:p>
+          <a:p>
+            <a:pPr marL="171450" indent="-171450">
+              <a:buFontTx/>
+              <a:buChar char="-"/>
+            </a:pPr>
+            <a:r>
+              <a:rPr lang="en-US" baseline="0" dirty="0" err="1" smtClean="0"/>
+              <a:t>Donji</a:t>
+            </a:r>
+            <a:r>
+              <a:rPr lang="en-US" baseline="0" dirty="0" smtClean="0"/>
+              <a:t> </a:t>
+            </a:r>
+            <a:r>
+              <a:rPr lang="en-US" baseline="0" dirty="0" err="1" smtClean="0"/>
+              <a:t>deo</a:t>
+            </a:r>
+            <a:r>
+              <a:rPr lang="en-US" baseline="0" dirty="0" smtClean="0"/>
+              <a:t> panela </a:t>
+            </a:r>
+            <a:r>
+              <a:rPr lang="en-US" baseline="0" dirty="0" err="1" smtClean="0"/>
+              <a:t>sluzi</a:t>
+            </a:r>
+            <a:r>
+              <a:rPr lang="en-US" baseline="0" dirty="0" smtClean="0"/>
+              <a:t> </a:t>
+            </a:r>
+            <a:r>
+              <a:rPr lang="en-US" baseline="0" dirty="0" err="1" smtClean="0"/>
+              <a:t>za</a:t>
+            </a:r>
+            <a:r>
+              <a:rPr lang="en-US" baseline="0" dirty="0" smtClean="0"/>
+              <a:t> </a:t>
+            </a:r>
+            <a:r>
+              <a:rPr lang="en-US" baseline="0" dirty="0" err="1" smtClean="0"/>
+              <a:t>prikaz</a:t>
+            </a:r>
+            <a:r>
+              <a:rPr lang="en-US" baseline="0" dirty="0" smtClean="0"/>
+              <a:t> </a:t>
+            </a:r>
+            <a:r>
+              <a:rPr lang="en-US" baseline="0" dirty="0" err="1" smtClean="0"/>
+              <a:t>detaljnijeg</a:t>
+            </a:r>
+            <a:r>
+              <a:rPr lang="en-US" baseline="0" dirty="0" smtClean="0"/>
+              <a:t> </a:t>
+            </a:r>
+            <a:r>
+              <a:rPr lang="en-US" baseline="0" dirty="0" err="1" smtClean="0"/>
+              <a:t>opisa</a:t>
+            </a:r>
+            <a:r>
+              <a:rPr lang="en-US" baseline="0" dirty="0" smtClean="0"/>
+              <a:t> </a:t>
+            </a:r>
+            <a:r>
+              <a:rPr lang="en-US" baseline="0" dirty="0" err="1" smtClean="0"/>
+              <a:t>selektovanog</a:t>
+            </a:r>
+            <a:r>
+              <a:rPr lang="en-US" baseline="0" dirty="0" smtClean="0"/>
+              <a:t> </a:t>
+            </a:r>
+            <a:r>
+              <a:rPr lang="en-US" baseline="0" dirty="0" err="1" smtClean="0"/>
+              <a:t>cvora</a:t>
+            </a:r>
+            <a:r>
+              <a:rPr lang="en-US" baseline="0" dirty="0" smtClean="0"/>
+              <a:t> stable, </a:t>
+            </a:r>
+            <a:r>
+              <a:rPr lang="en-US" baseline="0" dirty="0" err="1" smtClean="0"/>
+              <a:t>ukoliko</a:t>
+            </a:r>
+            <a:r>
+              <a:rPr lang="en-US" baseline="0" dirty="0" smtClean="0"/>
+              <a:t> on </a:t>
+            </a:r>
+            <a:r>
+              <a:rPr lang="en-US" baseline="0" dirty="0" err="1" smtClean="0"/>
+              <a:t>postoji</a:t>
+            </a:r>
+            <a:r>
+              <a:rPr lang="en-US" baseline="0" dirty="0" smtClean="0"/>
+              <a:t> </a:t>
+            </a:r>
+            <a:r>
+              <a:rPr lang="en-US" baseline="0" dirty="0" err="1" smtClean="0"/>
+              <a:t>unutar</a:t>
+            </a:r>
+            <a:r>
+              <a:rPr lang="en-US" baseline="0" dirty="0" smtClean="0"/>
+              <a:t> XML </a:t>
+            </a:r>
+            <a:r>
+              <a:rPr lang="en-US" baseline="0" dirty="0" err="1" smtClean="0"/>
+              <a:t>dokumenta</a:t>
             </a:r>
             <a:endParaRPr lang="en-US" dirty="0"/>
           </a:p>
@@ -1535,22 +2881,74 @@
           <a:lstStyle/>
           <a:p>
             <a:r>
+              <a:rPr lang="en-US" dirty="0" smtClean="0"/>
+              <a:t>-</a:t>
+            </a:r>
+            <a:r>
               <a:rPr lang="sr-Latn-RS" dirty="0" smtClean="0"/>
-              <a:t>Osnovni softver – pruža ostalim slojevima pristup osnovnim resursima – sastoji se od mnoštva softverskih modula od kojih svaki ima svoju određenu funkciju i opisuje određeno ponašanje ECU</a:t>
-            </a:r>
-          </a:p>
-          <a:p>
+              <a:t>Osnovni </a:t>
+            </a:r>
             <a:r>
               <a:rPr lang="sr-Latn-RS" dirty="0" smtClean="0"/>
-              <a:t>Izvršno okruženje – posrednički sloj (</a:t>
-            </a:r>
-            <a:r>
-              <a:rPr lang="sr-Latn-RS" dirty="0" err="1" smtClean="0"/>
-              <a:t>eng</a:t>
+              <a:t>softver – pruža ostalim slojevima pristup osnovnim </a:t>
             </a:r>
             <a:r>
               <a:rPr lang="sr-Latn-RS" dirty="0" smtClean="0"/>
-              <a:t>. </a:t>
+              <a:t>resursima</a:t>
+            </a:r>
+            <a:r>
+              <a:rPr lang="en-US" dirty="0" smtClean="0"/>
+              <a:t> </a:t>
+            </a:r>
+            <a:r>
+              <a:rPr lang="en-US" dirty="0" err="1" smtClean="0"/>
+              <a:t>radi</a:t>
+            </a:r>
+            <a:r>
+              <a:rPr lang="en-US" dirty="0" smtClean="0"/>
+              <a:t> </a:t>
+            </a:r>
+            <a:r>
+              <a:rPr lang="en-US" dirty="0" err="1" smtClean="0"/>
+              <a:t>daljeg</a:t>
+            </a:r>
+            <a:r>
+              <a:rPr lang="en-US" dirty="0" smtClean="0"/>
+              <a:t> </a:t>
+            </a:r>
+            <a:r>
+              <a:rPr lang="en-US" dirty="0" err="1" smtClean="0"/>
+              <a:t>funkcionisanja</a:t>
+            </a:r>
+            <a:r>
+              <a:rPr lang="en-US" dirty="0" smtClean="0"/>
+              <a:t> </a:t>
+            </a:r>
+            <a:r>
+              <a:rPr lang="en-US" dirty="0" err="1" smtClean="0"/>
+              <a:t>sistema</a:t>
+            </a:r>
+            <a:r>
+              <a:rPr lang="sr-Latn-RS" dirty="0" smtClean="0"/>
+              <a:t> </a:t>
+            </a:r>
+            <a:r>
+              <a:rPr lang="sr-Latn-RS" dirty="0" smtClean="0"/>
+              <a:t>– sastoji se od mnoštva softverskih modula od kojih svaki ima svoju određenu funkciju i opisuje određeno ponašanje ECU</a:t>
+            </a:r>
+          </a:p>
+          <a:p>
+            <a:r>
+              <a:rPr lang="en-US" dirty="0" smtClean="0"/>
+              <a:t>-</a:t>
+            </a:r>
+            <a:r>
+              <a:rPr lang="sr-Latn-RS" dirty="0" smtClean="0"/>
+              <a:t>Izvršno </a:t>
+            </a:r>
+            <a:r>
+              <a:rPr lang="sr-Latn-RS" dirty="0" smtClean="0"/>
+              <a:t>okruženje – posrednički sloj (eng. </a:t>
             </a:r>
             <a:r>
               <a:rPr lang="sr-Latn-RS" dirty="0" err="1" smtClean="0"/>
@@ -1563,16 +2961,16 @@
           </a:p>
           <a:p>
             <a:r>
+              <a:rPr lang="en-US" dirty="0" smtClean="0"/>
+              <a:t>-</a:t>
+            </a:r>
+            <a:r>
               <a:rPr lang="sr-Latn-RS" dirty="0" smtClean="0"/>
-              <a:t>Aplikativni sloj – softverske komponente, međusobno povezane priključcima (</a:t>
-            </a:r>
-            <a:r>
-              <a:rPr lang="sr-Latn-RS" dirty="0" err="1" smtClean="0"/>
-              <a:t>eng</a:t>
+              <a:t>Aplikativni </a:t>
             </a:r>
             <a:r>
               <a:rPr lang="sr-Latn-RS" dirty="0" smtClean="0"/>
-              <a:t>. port), koji imaju</a:t>
+              <a:t>sloj – softverske komponente, međusobno povezane priključcima (eng. port), koji imaju</a:t>
             </a:r>
             <a:r>
               <a:rPr lang="sr-Latn-RS" baseline="0" dirty="0" smtClean="0"/>
@@ -3658,6 +5056,30 @@
                 <a:ea typeface="+mn-ea"/>
                 <a:cs typeface="+mn-cs"/>
               </a:rPr>
+              <a:t>aplikativnih</a:t>
+            </a:r>
+            <a:r>
+              <a:rPr lang="en-US" sz="1200" kern="1200" dirty="0" smtClean="0">
+                <a:solidFill>
+                  <a:schemeClr val="tx1"/>
+                </a:solidFill>
+                <a:effectLst/>
+                <a:latin typeface="+mn-lt"/>
+                <a:ea typeface="+mn-ea"/>
+                <a:cs typeface="+mn-cs"/>
+              </a:rPr>
+              <a:t> </a:t>
+            </a:r>
+            <a:r>
+              <a:rPr lang="en-US" sz="1200" kern="1200" dirty="0" err="1" smtClean="0">
+                <a:solidFill>
+                  <a:schemeClr val="tx1"/>
+                </a:solidFill>
+                <a:effectLst/>
+                <a:latin typeface="+mn-lt"/>
+                <a:ea typeface="+mn-ea"/>
+                <a:cs typeface="+mn-cs"/>
+              </a:rPr>
               <a:t>softverskih</a:t>
             </a:r>
             <a:r>
@@ -3685,6 +5107,42 @@
               <a:t>komponenti</a:t>
             </a:r>
             <a:r>
+              <a:rPr lang="sr-Latn-RS" sz="1200" kern="1200" dirty="0" smtClean="0">
+                <a:solidFill>
+                  <a:schemeClr val="tx1"/>
+                </a:solidFill>
+                <a:effectLst/>
+                <a:latin typeface="+mn-lt"/>
+                <a:ea typeface="+mn-ea"/>
+                <a:cs typeface="+mn-cs"/>
+              </a:rPr>
+              <a:t>, </a:t>
+            </a:r>
+            <a:r>
+              <a:rPr lang="sr-Latn-RS" sz="1200" kern="1200" dirty="0" smtClean="0">
+                <a:solidFill>
+                  <a:schemeClr val="tx1"/>
+                </a:solidFill>
+                <a:effectLst/>
+                <a:latin typeface="+mn-lt"/>
+                <a:ea typeface="+mn-ea"/>
+                <a:cs typeface="+mn-cs"/>
+              </a:rPr>
+              <a:t>kao i potvrda funkcionisanja softvera bez smetnji usled razlika u hardveru ili </a:t>
+            </a:r>
+            <a:r>
+              <a:rPr lang="sr-Latn-RS" sz="1200" kern="1200" dirty="0" smtClean="0">
+                <a:solidFill>
+                  <a:schemeClr val="tx1"/>
+                </a:solidFill>
+                <a:effectLst/>
+                <a:latin typeface="+mn-lt"/>
+                <a:ea typeface="+mn-ea"/>
+                <a:cs typeface="+mn-cs"/>
+              </a:rPr>
+              <a:t>tip</a:t>
+            </a:r>
+            <a:r>
               <a:rPr lang="en-US" sz="1200" kern="1200" dirty="0" smtClean="0">
                 <a:solidFill>
                   <a:schemeClr val="tx1"/>
@@ -3694,31 +5152,7 @@
                 <a:ea typeface="+mn-ea"/>
                 <a:cs typeface="+mn-cs"/>
               </a:rPr>
-              <a:t> </a:t>
-            </a:r>
-            <a:r>
-              <a:rPr lang="en-US" sz="1200" kern="1200" dirty="0" err="1" smtClean="0">
-                <a:solidFill>
-                  <a:schemeClr val="tx1"/>
-                </a:solidFill>
-                <a:effectLst/>
-                <a:latin typeface="+mn-lt"/>
-                <a:ea typeface="+mn-ea"/>
-                <a:cs typeface="+mn-cs"/>
-              </a:rPr>
-              <a:t>aplikacije</a:t>
-            </a:r>
-            <a:r>
-              <a:rPr lang="sr-Latn-RS" sz="1200" kern="1200" dirty="0" smtClean="0">
-                <a:solidFill>
-                  <a:schemeClr val="tx1"/>
-                </a:solidFill>
-                <a:effectLst/>
-                <a:latin typeface="+mn-lt"/>
-                <a:ea typeface="+mn-ea"/>
-                <a:cs typeface="+mn-cs"/>
-              </a:rPr>
-              <a:t>, kao i potvrda funkcionisanja softvera bez smetnji usled razlika u hardveru ili tipa</a:t>
+              <a:t>u</a:t>
             </a:r>
             <a:r>
               <a:rPr lang="sr-Latn-RS" sz="1200" kern="1200" baseline="0" dirty="0" smtClean="0">
@@ -3730,7 +5164,19 @@
                 <a:ea typeface="+mn-ea"/>
                 <a:cs typeface="+mn-cs"/>
               </a:rPr>
-              <a:t> ciljnog vozila</a:t>
+              <a:t> </a:t>
+            </a:r>
+            <a:r>
+              <a:rPr lang="sr-Latn-RS" sz="1200" kern="1200" baseline="0" dirty="0" smtClean="0">
+                <a:solidFill>
+                  <a:schemeClr val="tx1"/>
+                </a:solidFill>
+                <a:effectLst/>
+                <a:latin typeface="+mn-lt"/>
+                <a:ea typeface="+mn-ea"/>
+                <a:cs typeface="+mn-cs"/>
+              </a:rPr>
+              <a:t>ciljnog vozila</a:t>
             </a:r>
             <a:endParaRPr lang="en-US" sz="1200" kern="1200" dirty="0" smtClean="0">
               <a:solidFill>
@@ -4094,154 +5540,270 @@
           <a:bodyPr/>
           <a:lstStyle/>
           <a:p>
-            <a:pPr marL="171450" marR="0" indent="-171450" algn="l" defTabSz="914400" rtl="0" eaLnBrk="1" fontAlgn="auto" latinLnBrk="0" hangingPunct="1">
-              <a:lnSpc>
-                <a:spcPct val="100000"/>
-              </a:lnSpc>
-              <a:spcBef>
-                <a:spcPts val="0"/>
-              </a:spcBef>
-              <a:spcAft>
-                <a:spcPts val="0"/>
-              </a:spcAft>
-              <a:buClrTx/>
-              <a:buSzTx/>
-              <a:buFontTx/>
-              <a:buChar char="-"/>
-              <a:tabLst/>
-              <a:defRPr/>
-            </a:pPr>
-            <a:r>
-              <a:rPr lang="en-US" sz="1200" kern="1200" dirty="0" err="1" smtClean="0">
-                <a:solidFill>
-                  <a:schemeClr val="tx1"/>
-                </a:solidFill>
-                <a:effectLst/>
-                <a:latin typeface="+mn-lt"/>
-                <a:ea typeface="+mn-ea"/>
-                <a:cs typeface="+mn-cs"/>
-              </a:rPr>
-              <a:t>Svi</a:t>
-            </a:r>
-            <a:r>
-              <a:rPr lang="en-US" sz="1200" kern="1200" dirty="0" smtClean="0">
-                <a:solidFill>
-                  <a:schemeClr val="tx1"/>
-                </a:solidFill>
-                <a:effectLst/>
-                <a:latin typeface="+mn-lt"/>
-                <a:ea typeface="+mn-ea"/>
-                <a:cs typeface="+mn-cs"/>
-              </a:rPr>
-              <a:t> </a:t>
-            </a:r>
-            <a:r>
-              <a:rPr lang="en-US" sz="1200" kern="1200" dirty="0" err="1" smtClean="0">
-                <a:solidFill>
-                  <a:schemeClr val="tx1"/>
-                </a:solidFill>
-                <a:effectLst/>
-                <a:latin typeface="+mn-lt"/>
-                <a:ea typeface="+mn-ea"/>
-                <a:cs typeface="+mn-cs"/>
-              </a:rPr>
-              <a:t>podaci</a:t>
-            </a:r>
-            <a:r>
-              <a:rPr lang="en-US" sz="1200" kern="1200" dirty="0" smtClean="0">
-                <a:solidFill>
-                  <a:schemeClr val="tx1"/>
-                </a:solidFill>
-                <a:effectLst/>
-                <a:latin typeface="+mn-lt"/>
-                <a:ea typeface="+mn-ea"/>
-                <a:cs typeface="+mn-cs"/>
-              </a:rPr>
-              <a:t> se </a:t>
-            </a:r>
-            <a:r>
-              <a:rPr lang="sr-Latn-RS" sz="1200" kern="1200" dirty="0" smtClean="0">
-                <a:solidFill>
-                  <a:schemeClr val="tx1"/>
-                </a:solidFill>
-                <a:effectLst/>
-                <a:latin typeface="+mn-lt"/>
-                <a:ea typeface="+mn-ea"/>
-                <a:cs typeface="+mn-cs"/>
-              </a:rPr>
-              <a:t>čuvaju</a:t>
-            </a:r>
-            <a:r>
-              <a:rPr lang="sr-Latn-RS" sz="1200" kern="1200" baseline="0" dirty="0" smtClean="0">
-                <a:solidFill>
-                  <a:schemeClr val="tx1"/>
-                </a:solidFill>
-                <a:effectLst/>
-                <a:latin typeface="+mn-lt"/>
-                <a:ea typeface="+mn-ea"/>
-                <a:cs typeface="+mn-cs"/>
-              </a:rPr>
-              <a:t> u python objektu tipa rečnika (dictionary). Glavni razlog izbora ove strukture je što očuvava hijerarhiju podataka iz dokumenta i olakšava pristup pojedinim elementima</a:t>
-            </a:r>
-          </a:p>
-          <a:p>
-            <a:pPr marL="171450" marR="0" indent="-171450" algn="l" defTabSz="914400" rtl="0" eaLnBrk="1" fontAlgn="auto" latinLnBrk="0" hangingPunct="1">
-              <a:lnSpc>
-                <a:spcPct val="100000"/>
-              </a:lnSpc>
-              <a:spcBef>
-                <a:spcPts val="0"/>
-              </a:spcBef>
-              <a:spcAft>
-                <a:spcPts val="0"/>
-              </a:spcAft>
-              <a:buClrTx/>
-              <a:buSzTx/>
-              <a:buFontTx/>
-              <a:buChar char="-"/>
-              <a:tabLst/>
-              <a:defRPr/>
-            </a:pPr>
-            <a:r>
-              <a:rPr lang="sr-Latn-RS" sz="1200" kern="1200" baseline="0" dirty="0" smtClean="0">
-                <a:solidFill>
-                  <a:schemeClr val="tx1"/>
-                </a:solidFill>
-                <a:effectLst/>
-                <a:latin typeface="+mn-lt"/>
-                <a:ea typeface="+mn-ea"/>
-                <a:cs typeface="+mn-cs"/>
-              </a:rPr>
-              <a:t>Sve operacije se vrše sa popunjenim python rečnikom u osnovi</a:t>
-            </a:r>
-          </a:p>
-          <a:p>
-            <a:pPr marL="0" marR="0" indent="0" algn="l" defTabSz="914400" rtl="0" eaLnBrk="1" fontAlgn="auto" latinLnBrk="0" hangingPunct="1">
-              <a:lnSpc>
-                <a:spcPct val="100000"/>
-              </a:lnSpc>
-              <a:spcBef>
-                <a:spcPts val="0"/>
-              </a:spcBef>
-              <a:spcAft>
-                <a:spcPts val="0"/>
-              </a:spcAft>
-              <a:buClrTx/>
-              <a:buSzTx/>
-              <a:buFontTx/>
-              <a:buNone/>
-              <a:tabLst/>
-              <a:defRPr/>
-            </a:pPr>
-            <a:endParaRPr lang="sr-Latn-RS" sz="1200" kern="1200" dirty="0" smtClean="0">
-              <a:solidFill>
-                <a:schemeClr val="tx1"/>
-              </a:solidFill>
-              <a:effectLst/>
-              <a:latin typeface="+mn-lt"/>
-              <a:ea typeface="+mn-ea"/>
-              <a:cs typeface="+mn-cs"/>
-            </a:endParaRPr>
+            <a:r>
+              <a:rPr lang="en-US" dirty="0" err="1" smtClean="0"/>
+              <a:t>Glavni</a:t>
+            </a:r>
+            <a:r>
+              <a:rPr lang="en-US" dirty="0" smtClean="0"/>
+              <a:t> </a:t>
+            </a:r>
+            <a:r>
+              <a:rPr lang="en-US" dirty="0" err="1" smtClean="0"/>
+              <a:t>zadatak</a:t>
+            </a:r>
+            <a:r>
+              <a:rPr lang="en-US" dirty="0" smtClean="0"/>
+              <a:t> </a:t>
+            </a:r>
+            <a:r>
+              <a:rPr lang="en-US" dirty="0" err="1" smtClean="0"/>
+              <a:t>ovog</a:t>
+            </a:r>
+            <a:r>
+              <a:rPr lang="en-US" baseline="0" dirty="0" smtClean="0"/>
+              <a:t> </a:t>
+            </a:r>
+            <a:r>
+              <a:rPr lang="en-US" baseline="0" dirty="0" err="1" smtClean="0"/>
+              <a:t>rada</a:t>
+            </a:r>
+            <a:r>
+              <a:rPr lang="en-US" baseline="0" dirty="0" smtClean="0"/>
+              <a:t> je </a:t>
+            </a:r>
+            <a:r>
+              <a:rPr lang="en-US" baseline="0" dirty="0" err="1" smtClean="0"/>
+              <a:t>implementacije</a:t>
+            </a:r>
+            <a:r>
+              <a:rPr lang="en-US" baseline="0" dirty="0" smtClean="0"/>
+              <a:t> </a:t>
+            </a:r>
+            <a:r>
+              <a:rPr lang="en-US" baseline="0" dirty="0" err="1" smtClean="0"/>
+              <a:t>graficke</a:t>
+            </a:r>
+            <a:r>
+              <a:rPr lang="en-US" baseline="0" dirty="0" smtClean="0"/>
+              <a:t> </a:t>
+            </a:r>
+            <a:r>
+              <a:rPr lang="en-US" baseline="0" dirty="0" err="1" smtClean="0"/>
+              <a:t>korisnicke</a:t>
+            </a:r>
+            <a:r>
+              <a:rPr lang="en-US" baseline="0" dirty="0" smtClean="0"/>
+              <a:t> </a:t>
+            </a:r>
+            <a:r>
+              <a:rPr lang="en-US" baseline="0" dirty="0" err="1" smtClean="0"/>
+              <a:t>sprege</a:t>
+            </a:r>
+            <a:r>
+              <a:rPr lang="en-US" baseline="0" dirty="0" smtClean="0"/>
+              <a:t> </a:t>
+            </a:r>
+            <a:r>
+              <a:rPr lang="en-US" baseline="0" dirty="0" err="1" smtClean="0"/>
+              <a:t>koja</a:t>
+            </a:r>
+            <a:r>
+              <a:rPr lang="en-US" baseline="0" dirty="0" smtClean="0"/>
+              <a:t> </a:t>
+            </a:r>
+            <a:r>
+              <a:rPr lang="en-US" baseline="0" dirty="0" err="1" smtClean="0"/>
+              <a:t>korisniku</a:t>
+            </a:r>
+            <a:r>
+              <a:rPr lang="en-US" baseline="0" dirty="0" smtClean="0"/>
+              <a:t> </a:t>
+            </a:r>
+            <a:r>
+              <a:rPr lang="en-US" baseline="0" dirty="0" err="1" smtClean="0"/>
+              <a:t>pruza</a:t>
+            </a:r>
+            <a:r>
+              <a:rPr lang="en-US" baseline="0" dirty="0" smtClean="0"/>
+              <a:t> </a:t>
+            </a:r>
+            <a:r>
+              <a:rPr lang="en-US" baseline="0" dirty="0" err="1" smtClean="0"/>
+              <a:t>sve</a:t>
+            </a:r>
+            <a:r>
+              <a:rPr lang="en-US" baseline="0" dirty="0" smtClean="0"/>
+              <a:t> </a:t>
+            </a:r>
+            <a:r>
+              <a:rPr lang="en-US" baseline="0" dirty="0" err="1" smtClean="0"/>
+              <a:t>potrebne</a:t>
+            </a:r>
+            <a:r>
+              <a:rPr lang="en-US" baseline="0" dirty="0" smtClean="0"/>
+              <a:t> </a:t>
+            </a:r>
+            <a:r>
+              <a:rPr lang="en-US" baseline="0" dirty="0" err="1" smtClean="0"/>
+              <a:t>operacije</a:t>
+            </a:r>
+            <a:r>
+              <a:rPr lang="en-US" baseline="0" dirty="0" smtClean="0"/>
+              <a:t> </a:t>
+            </a:r>
+            <a:r>
+              <a:rPr lang="en-US" baseline="0" dirty="0" err="1" smtClean="0"/>
+              <a:t>potrebne</a:t>
+            </a:r>
+            <a:r>
+              <a:rPr lang="en-US" baseline="0" dirty="0" smtClean="0"/>
+              <a:t> </a:t>
+            </a:r>
+            <a:r>
+              <a:rPr lang="en-US" baseline="0" dirty="0" err="1" smtClean="0"/>
+              <a:t>za</a:t>
+            </a:r>
+            <a:r>
+              <a:rPr lang="en-US" baseline="0" dirty="0" smtClean="0"/>
+              <a:t> </a:t>
+            </a:r>
+            <a:r>
+              <a:rPr lang="en-US" baseline="0" dirty="0" err="1" smtClean="0"/>
+              <a:t>uspesno</a:t>
+            </a:r>
+            <a:r>
+              <a:rPr lang="en-US" baseline="0" dirty="0" smtClean="0"/>
+              <a:t> </a:t>
+            </a:r>
+            <a:r>
+              <a:rPr lang="en-US" baseline="0" dirty="0" err="1" smtClean="0"/>
+              <a:t>ucitavanje</a:t>
+            </a:r>
+            <a:r>
+              <a:rPr lang="en-US" baseline="0" dirty="0" smtClean="0"/>
+              <a:t>, </a:t>
+            </a:r>
+            <a:r>
+              <a:rPr lang="en-US" baseline="0" dirty="0" err="1" smtClean="0"/>
+              <a:t>izmenu</a:t>
+            </a:r>
+            <a:r>
+              <a:rPr lang="en-US" baseline="0" dirty="0" smtClean="0"/>
+              <a:t> I </a:t>
+            </a:r>
+            <a:r>
+              <a:rPr lang="en-US" baseline="0" dirty="0" err="1" smtClean="0"/>
+              <a:t>cuvanje</a:t>
+            </a:r>
+            <a:r>
+              <a:rPr lang="en-US" baseline="0" dirty="0" smtClean="0"/>
+              <a:t> XML </a:t>
+            </a:r>
+            <a:r>
+              <a:rPr lang="en-US" baseline="0" dirty="0" err="1" smtClean="0"/>
+              <a:t>datoteka</a:t>
+            </a:r>
+            <a:r>
+              <a:rPr lang="en-US" baseline="0" dirty="0" smtClean="0"/>
+              <a:t> </a:t>
+            </a:r>
+            <a:r>
+              <a:rPr lang="en-US" baseline="0" dirty="0" err="1" smtClean="0"/>
+              <a:t>na</a:t>
+            </a:r>
+            <a:r>
+              <a:rPr lang="en-US" baseline="0" dirty="0" smtClean="0"/>
+              <a:t> </a:t>
+            </a:r>
+            <a:r>
+              <a:rPr lang="en-US" baseline="0" dirty="0" err="1" smtClean="0"/>
+              <a:t>disku</a:t>
+            </a:r>
+            <a:endParaRPr lang="en-US" baseline="0" dirty="0" smtClean="0"/>
+          </a:p>
+          <a:p>
+            <a:r>
+              <a:rPr lang="en-US" baseline="0" dirty="0" smtClean="0"/>
+              <a:t>-python </a:t>
+            </a:r>
+            <a:r>
+              <a:rPr lang="en-US" baseline="0" dirty="0" err="1" smtClean="0"/>
+              <a:t>zbog</a:t>
+            </a:r>
+            <a:r>
+              <a:rPr lang="en-US" baseline="0" dirty="0" smtClean="0"/>
+              <a:t> </a:t>
+            </a:r>
+            <a:r>
+              <a:rPr lang="en-US" baseline="0" dirty="0" err="1" smtClean="0"/>
+              <a:t>dostupnosti</a:t>
+            </a:r>
+            <a:r>
+              <a:rPr lang="en-US" baseline="0" dirty="0" smtClean="0"/>
+              <a:t> </a:t>
+            </a:r>
+            <a:r>
+              <a:rPr lang="en-US" baseline="0" dirty="0" err="1" smtClean="0"/>
+              <a:t>velikog</a:t>
+            </a:r>
+            <a:r>
+              <a:rPr lang="en-US" baseline="0" dirty="0" smtClean="0"/>
+              <a:t> </a:t>
+            </a:r>
+            <a:r>
+              <a:rPr lang="en-US" baseline="0" dirty="0" err="1" smtClean="0"/>
+              <a:t>broja</a:t>
+            </a:r>
+            <a:r>
+              <a:rPr lang="en-US" baseline="0" dirty="0" smtClean="0"/>
+              <a:t> </a:t>
+            </a:r>
+            <a:r>
+              <a:rPr lang="en-US" baseline="0" dirty="0" err="1" smtClean="0"/>
+              <a:t>adekvatnih</a:t>
+            </a:r>
+            <a:r>
+              <a:rPr lang="en-US" baseline="0" dirty="0" smtClean="0"/>
+              <a:t> </a:t>
+            </a:r>
+            <a:r>
+              <a:rPr lang="en-US" baseline="0" dirty="0" err="1" smtClean="0"/>
+              <a:t>biblioteka</a:t>
+            </a:r>
+            <a:r>
+              <a:rPr lang="en-US" baseline="0" dirty="0" smtClean="0"/>
+              <a:t> </a:t>
+            </a:r>
+            <a:r>
+              <a:rPr lang="en-US" baseline="0" dirty="0" err="1" smtClean="0"/>
+              <a:t>kao</a:t>
+            </a:r>
+            <a:r>
+              <a:rPr lang="en-US" baseline="0" dirty="0" smtClean="0"/>
+              <a:t> I </a:t>
+            </a:r>
+            <a:r>
+              <a:rPr lang="en-US" baseline="0" dirty="0" err="1" smtClean="0"/>
+              <a:t>zbog</a:t>
+            </a:r>
+            <a:r>
+              <a:rPr lang="en-US" baseline="0" dirty="0" smtClean="0"/>
+              <a:t> </a:t>
+            </a:r>
+            <a:r>
+              <a:rPr lang="en-US" baseline="0" dirty="0" err="1" smtClean="0"/>
+              <a:t>brzine</a:t>
+            </a:r>
+            <a:r>
+              <a:rPr lang="en-US" baseline="0" dirty="0" smtClean="0"/>
+              <a:t> </a:t>
+            </a:r>
+            <a:r>
+              <a:rPr lang="en-US" baseline="0" dirty="0" err="1" smtClean="0"/>
+              <a:t>izvrsavanja</a:t>
+            </a:r>
+            <a:endParaRPr lang="en-US" baseline="0" dirty="0" smtClean="0"/>
           </a:p>
         </p:txBody>
       </p:sp>
@@ -4263,7 +5825,7 @@
             <a:fld id="{6C2AB10A-991B-4A9D-BDBD-AB84E53F1688}" type="slidenum">
               <a:rPr lang="en-US" smtClean="0"/>
               <a:pPr/>
-              <a:t>8</a:t>
+              <a:t>7</a:t>
             </a:fld>
             <a:endParaRPr lang="en-US"/>
           </a:p>
@@ -4272,7 +5834,7 @@
     </p:spTree>
     <p:extLst>
       <p:ext uri="{BB962C8B-B14F-4D97-AF65-F5344CB8AC3E}">
-        <p14:creationId xmlns:p14="http://schemas.microsoft.com/office/powerpoint/2010/main" val="1668881406"/>
+        <p14:creationId xmlns:p14="http://schemas.microsoft.com/office/powerpoint/2010/main" val="720140693"/>
       </p:ext>
     </p:extLst>
   </p:cSld>
@@ -4326,25 +5888,1376 @@
           <a:bodyPr/>
           <a:lstStyle/>
           <a:p>
-            <a:r>
-              <a:rPr lang="sr-Latn-RS" dirty="0" smtClean="0"/>
-              <a:t>-</a:t>
-            </a:r>
-            <a:r>
-              <a:rPr lang="sr-Latn-RS" baseline="0" dirty="0" smtClean="0"/>
-              <a:t> Pri izmeni podatka bilo kog čvora stabla novi podatak se odmah upisuje u odgovarajući element python rečnika</a:t>
-            </a:r>
-          </a:p>
-          <a:p>
-            <a:r>
-              <a:rPr lang="sr-Latn-RS" dirty="0" smtClean="0"/>
-              <a:t>-</a:t>
-            </a:r>
-            <a:r>
-              <a:rPr lang="sr-Latn-RS" baseline="0" dirty="0" smtClean="0"/>
-              <a:t> Elementi jinja2 šablona se popunjavaju odgovarajućim elementima python rečnika pri čuvanju dokumenta na hard disk</a:t>
-            </a:r>
-            <a:endParaRPr lang="en-US" dirty="0"/>
+            <a:pPr marL="171450" marR="0" indent="-171450" algn="l" defTabSz="914400" rtl="0" eaLnBrk="1" fontAlgn="auto" latinLnBrk="0" hangingPunct="1">
+              <a:lnSpc>
+                <a:spcPct val="100000"/>
+              </a:lnSpc>
+              <a:spcBef>
+                <a:spcPts val="0"/>
+              </a:spcBef>
+              <a:spcAft>
+                <a:spcPts val="0"/>
+              </a:spcAft>
+              <a:buClrTx/>
+              <a:buSzTx/>
+              <a:buFontTx/>
+              <a:buChar char="-"/>
+              <a:tabLst/>
+              <a:defRPr/>
+            </a:pPr>
+            <a:r>
+              <a:rPr lang="en-US" sz="1200" kern="1200" baseline="0" dirty="0" err="1" smtClean="0">
+                <a:solidFill>
+                  <a:schemeClr val="tx1"/>
+                </a:solidFill>
+                <a:effectLst/>
+                <a:latin typeface="+mn-lt"/>
+                <a:ea typeface="+mn-ea"/>
+                <a:cs typeface="+mn-cs"/>
+              </a:rPr>
+              <a:t>Osnovni</a:t>
+            </a:r>
+            <a:r>
+              <a:rPr lang="en-US" sz="1200" kern="1200" baseline="0" dirty="0" smtClean="0">
+                <a:solidFill>
+                  <a:schemeClr val="tx1"/>
+                </a:solidFill>
+                <a:effectLst/>
+                <a:latin typeface="+mn-lt"/>
+                <a:ea typeface="+mn-ea"/>
+                <a:cs typeface="+mn-cs"/>
+              </a:rPr>
+              <a:t> concept </a:t>
+            </a:r>
+            <a:r>
+              <a:rPr lang="en-US" sz="1200" kern="1200" baseline="0" dirty="0" err="1" smtClean="0">
+                <a:solidFill>
+                  <a:schemeClr val="tx1"/>
+                </a:solidFill>
+                <a:effectLst/>
+                <a:latin typeface="+mn-lt"/>
+                <a:ea typeface="+mn-ea"/>
+                <a:cs typeface="+mn-cs"/>
+              </a:rPr>
+              <a:t>toka</a:t>
+            </a:r>
+            <a:r>
+              <a:rPr lang="en-US" sz="1200" kern="1200" baseline="0" dirty="0" smtClean="0">
+                <a:solidFill>
+                  <a:schemeClr val="tx1"/>
+                </a:solidFill>
+                <a:effectLst/>
+                <a:latin typeface="+mn-lt"/>
+                <a:ea typeface="+mn-ea"/>
+                <a:cs typeface="+mn-cs"/>
+              </a:rPr>
+              <a:t> </a:t>
+            </a:r>
+            <a:r>
+              <a:rPr lang="en-US" sz="1200" kern="1200" baseline="0" dirty="0" err="1" smtClean="0">
+                <a:solidFill>
+                  <a:schemeClr val="tx1"/>
+                </a:solidFill>
+                <a:effectLst/>
+                <a:latin typeface="+mn-lt"/>
+                <a:ea typeface="+mn-ea"/>
+                <a:cs typeface="+mn-cs"/>
+              </a:rPr>
+              <a:t>programa</a:t>
+            </a:r>
+            <a:endParaRPr lang="en-US" sz="1200" kern="1200" baseline="0" dirty="0" smtClean="0">
+              <a:solidFill>
+                <a:schemeClr val="tx1"/>
+              </a:solidFill>
+              <a:effectLst/>
+              <a:latin typeface="+mn-lt"/>
+              <a:ea typeface="+mn-ea"/>
+              <a:cs typeface="+mn-cs"/>
+            </a:endParaRPr>
+          </a:p>
+          <a:p>
+            <a:pPr marL="171450" marR="0" indent="-171450" algn="l" defTabSz="914400" rtl="0" eaLnBrk="1" fontAlgn="auto" latinLnBrk="0" hangingPunct="1">
+              <a:lnSpc>
+                <a:spcPct val="100000"/>
+              </a:lnSpc>
+              <a:spcBef>
+                <a:spcPts val="0"/>
+              </a:spcBef>
+              <a:spcAft>
+                <a:spcPts val="0"/>
+              </a:spcAft>
+              <a:buClrTx/>
+              <a:buSzTx/>
+              <a:buFontTx/>
+              <a:buChar char="-"/>
+              <a:tabLst/>
+              <a:defRPr/>
+            </a:pPr>
+            <a:r>
+              <a:rPr lang="en-US" sz="1200" kern="1200" baseline="0" dirty="0" err="1" smtClean="0">
+                <a:solidFill>
+                  <a:schemeClr val="tx1"/>
+                </a:solidFill>
+                <a:effectLst/>
+                <a:latin typeface="+mn-lt"/>
+                <a:ea typeface="+mn-ea"/>
+                <a:cs typeface="+mn-cs"/>
+              </a:rPr>
+              <a:t>Nakon</a:t>
+            </a:r>
+            <a:r>
+              <a:rPr lang="en-US" sz="1200" kern="1200" baseline="0" dirty="0" smtClean="0">
+                <a:solidFill>
+                  <a:schemeClr val="tx1"/>
+                </a:solidFill>
+                <a:effectLst/>
+                <a:latin typeface="+mn-lt"/>
+                <a:ea typeface="+mn-ea"/>
+                <a:cs typeface="+mn-cs"/>
+              </a:rPr>
+              <a:t> </a:t>
+            </a:r>
+            <a:r>
+              <a:rPr lang="en-US" sz="1200" kern="1200" baseline="0" dirty="0" err="1" smtClean="0">
+                <a:solidFill>
+                  <a:schemeClr val="tx1"/>
+                </a:solidFill>
+                <a:effectLst/>
+                <a:latin typeface="+mn-lt"/>
+                <a:ea typeface="+mn-ea"/>
+                <a:cs typeface="+mn-cs"/>
+              </a:rPr>
+              <a:t>ucitavanja</a:t>
+            </a:r>
+            <a:r>
+              <a:rPr lang="en-US" sz="1200" kern="1200" baseline="0" dirty="0" smtClean="0">
+                <a:solidFill>
+                  <a:schemeClr val="tx1"/>
+                </a:solidFill>
+                <a:effectLst/>
+                <a:latin typeface="+mn-lt"/>
+                <a:ea typeface="+mn-ea"/>
+                <a:cs typeface="+mn-cs"/>
+              </a:rPr>
+              <a:t> XML </a:t>
+            </a:r>
+            <a:r>
+              <a:rPr lang="en-US" sz="1200" kern="1200" baseline="0" dirty="0" err="1" smtClean="0">
+                <a:solidFill>
+                  <a:schemeClr val="tx1"/>
+                </a:solidFill>
+                <a:effectLst/>
+                <a:latin typeface="+mn-lt"/>
+                <a:ea typeface="+mn-ea"/>
+                <a:cs typeface="+mn-cs"/>
+              </a:rPr>
+              <a:t>datoteke</a:t>
+            </a:r>
+            <a:r>
+              <a:rPr lang="en-US" sz="1200" kern="1200" baseline="0" dirty="0" smtClean="0">
+                <a:solidFill>
+                  <a:schemeClr val="tx1"/>
+                </a:solidFill>
+                <a:effectLst/>
+                <a:latin typeface="+mn-lt"/>
+                <a:ea typeface="+mn-ea"/>
+                <a:cs typeface="+mn-cs"/>
+              </a:rPr>
+              <a:t>, </a:t>
+            </a:r>
+            <a:r>
+              <a:rPr lang="en-US" sz="1200" kern="1200" baseline="0" dirty="0" err="1" smtClean="0">
+                <a:solidFill>
+                  <a:schemeClr val="tx1"/>
+                </a:solidFill>
+                <a:effectLst/>
+                <a:latin typeface="+mn-lt"/>
+                <a:ea typeface="+mn-ea"/>
+                <a:cs typeface="+mn-cs"/>
+              </a:rPr>
+              <a:t>korisnik</a:t>
+            </a:r>
+            <a:r>
+              <a:rPr lang="en-US" sz="1200" kern="1200" baseline="0" dirty="0" smtClean="0">
+                <a:solidFill>
+                  <a:schemeClr val="tx1"/>
+                </a:solidFill>
+                <a:effectLst/>
+                <a:latin typeface="+mn-lt"/>
+                <a:ea typeface="+mn-ea"/>
+                <a:cs typeface="+mn-cs"/>
+              </a:rPr>
+              <a:t>, </a:t>
+            </a:r>
+            <a:r>
+              <a:rPr lang="en-US" sz="1200" kern="1200" baseline="0" dirty="0" err="1" smtClean="0">
+                <a:solidFill>
+                  <a:schemeClr val="tx1"/>
+                </a:solidFill>
+                <a:effectLst/>
+                <a:latin typeface="+mn-lt"/>
+                <a:ea typeface="+mn-ea"/>
+                <a:cs typeface="+mn-cs"/>
+              </a:rPr>
+              <a:t>kroz</a:t>
+            </a:r>
+            <a:r>
+              <a:rPr lang="en-US" sz="1200" kern="1200" baseline="0" dirty="0" smtClean="0">
+                <a:solidFill>
+                  <a:schemeClr val="tx1"/>
+                </a:solidFill>
+                <a:effectLst/>
+                <a:latin typeface="+mn-lt"/>
+                <a:ea typeface="+mn-ea"/>
+                <a:cs typeface="+mn-cs"/>
+              </a:rPr>
+              <a:t> </a:t>
+            </a:r>
+            <a:r>
+              <a:rPr lang="en-US" sz="1200" kern="1200" baseline="0" dirty="0" err="1" smtClean="0">
+                <a:solidFill>
+                  <a:schemeClr val="tx1"/>
+                </a:solidFill>
+                <a:effectLst/>
+                <a:latin typeface="+mn-lt"/>
+                <a:ea typeface="+mn-ea"/>
+                <a:cs typeface="+mn-cs"/>
+              </a:rPr>
+              <a:t>elemente</a:t>
+            </a:r>
+            <a:r>
+              <a:rPr lang="en-US" sz="1200" kern="1200" baseline="0" dirty="0" smtClean="0">
+                <a:solidFill>
+                  <a:schemeClr val="tx1"/>
+                </a:solidFill>
+                <a:effectLst/>
+                <a:latin typeface="+mn-lt"/>
+                <a:ea typeface="+mn-ea"/>
+                <a:cs typeface="+mn-cs"/>
+              </a:rPr>
+              <a:t> </a:t>
+            </a:r>
+            <a:r>
+              <a:rPr lang="en-US" sz="1200" kern="1200" baseline="0" dirty="0" err="1" smtClean="0">
+                <a:solidFill>
+                  <a:schemeClr val="tx1"/>
+                </a:solidFill>
+                <a:effectLst/>
+                <a:latin typeface="+mn-lt"/>
+                <a:ea typeface="+mn-ea"/>
+                <a:cs typeface="+mn-cs"/>
+              </a:rPr>
+              <a:t>graficke</a:t>
+            </a:r>
+            <a:r>
+              <a:rPr lang="en-US" sz="1200" kern="1200" baseline="0" dirty="0" smtClean="0">
+                <a:solidFill>
+                  <a:schemeClr val="tx1"/>
+                </a:solidFill>
+                <a:effectLst/>
+                <a:latin typeface="+mn-lt"/>
+                <a:ea typeface="+mn-ea"/>
+                <a:cs typeface="+mn-cs"/>
+              </a:rPr>
+              <a:t> </a:t>
+            </a:r>
+            <a:r>
+              <a:rPr lang="en-US" sz="1200" kern="1200" baseline="0" dirty="0" err="1" smtClean="0">
+                <a:solidFill>
+                  <a:schemeClr val="tx1"/>
+                </a:solidFill>
+                <a:effectLst/>
+                <a:latin typeface="+mn-lt"/>
+                <a:ea typeface="+mn-ea"/>
+                <a:cs typeface="+mn-cs"/>
+              </a:rPr>
+              <a:t>sprege</a:t>
+            </a:r>
+            <a:r>
+              <a:rPr lang="en-US" sz="1200" kern="1200" baseline="0" dirty="0" smtClean="0">
+                <a:solidFill>
+                  <a:schemeClr val="tx1"/>
+                </a:solidFill>
+                <a:effectLst/>
+                <a:latin typeface="+mn-lt"/>
+                <a:ea typeface="+mn-ea"/>
+                <a:cs typeface="+mn-cs"/>
+              </a:rPr>
+              <a:t>, </a:t>
+            </a:r>
+            <a:r>
+              <a:rPr lang="en-US" sz="1200" kern="1200" baseline="0" dirty="0" err="1" smtClean="0">
+                <a:solidFill>
+                  <a:schemeClr val="tx1"/>
+                </a:solidFill>
+                <a:effectLst/>
+                <a:latin typeface="+mn-lt"/>
+                <a:ea typeface="+mn-ea"/>
+                <a:cs typeface="+mn-cs"/>
+              </a:rPr>
+              <a:t>ima</a:t>
+            </a:r>
+            <a:r>
+              <a:rPr lang="en-US" sz="1200" kern="1200" baseline="0" dirty="0" smtClean="0">
+                <a:solidFill>
+                  <a:schemeClr val="tx1"/>
+                </a:solidFill>
+                <a:effectLst/>
+                <a:latin typeface="+mn-lt"/>
+                <a:ea typeface="+mn-ea"/>
+                <a:cs typeface="+mn-cs"/>
+              </a:rPr>
+              <a:t> </a:t>
+            </a:r>
+            <a:r>
+              <a:rPr lang="en-US" sz="1200" kern="1200" baseline="0" dirty="0" err="1" smtClean="0">
+                <a:solidFill>
+                  <a:schemeClr val="tx1"/>
+                </a:solidFill>
+                <a:effectLst/>
+                <a:latin typeface="+mn-lt"/>
+                <a:ea typeface="+mn-ea"/>
+                <a:cs typeface="+mn-cs"/>
+              </a:rPr>
+              <a:t>mogucnost</a:t>
+            </a:r>
+            <a:r>
+              <a:rPr lang="en-US" sz="1200" kern="1200" baseline="0" dirty="0" smtClean="0">
+                <a:solidFill>
+                  <a:schemeClr val="tx1"/>
+                </a:solidFill>
+                <a:effectLst/>
+                <a:latin typeface="+mn-lt"/>
+                <a:ea typeface="+mn-ea"/>
+                <a:cs typeface="+mn-cs"/>
+              </a:rPr>
+              <a:t> da </a:t>
+            </a:r>
+            <a:r>
+              <a:rPr lang="en-US" sz="1200" kern="1200" baseline="0" dirty="0" err="1" smtClean="0">
+                <a:solidFill>
+                  <a:schemeClr val="tx1"/>
+                </a:solidFill>
+                <a:effectLst/>
+                <a:latin typeface="+mn-lt"/>
+                <a:ea typeface="+mn-ea"/>
+                <a:cs typeface="+mn-cs"/>
+              </a:rPr>
+              <a:t>vrsi</a:t>
+            </a:r>
+            <a:r>
+              <a:rPr lang="en-US" sz="1200" kern="1200" baseline="0" dirty="0" smtClean="0">
+                <a:solidFill>
+                  <a:schemeClr val="tx1"/>
+                </a:solidFill>
+                <a:effectLst/>
+                <a:latin typeface="+mn-lt"/>
+                <a:ea typeface="+mn-ea"/>
+                <a:cs typeface="+mn-cs"/>
+              </a:rPr>
+              <a:t> </a:t>
+            </a:r>
+            <a:r>
+              <a:rPr lang="en-US" sz="1200" kern="1200" baseline="0" dirty="0" err="1" smtClean="0">
+                <a:solidFill>
+                  <a:schemeClr val="tx1"/>
+                </a:solidFill>
+                <a:effectLst/>
+                <a:latin typeface="+mn-lt"/>
+                <a:ea typeface="+mn-ea"/>
+                <a:cs typeface="+mn-cs"/>
+              </a:rPr>
+              <a:t>zeljene</a:t>
+            </a:r>
+            <a:r>
+              <a:rPr lang="en-US" sz="1200" kern="1200" baseline="0" dirty="0" smtClean="0">
+                <a:solidFill>
+                  <a:schemeClr val="tx1"/>
+                </a:solidFill>
+                <a:effectLst/>
+                <a:latin typeface="+mn-lt"/>
+                <a:ea typeface="+mn-ea"/>
+                <a:cs typeface="+mn-cs"/>
+              </a:rPr>
+              <a:t> </a:t>
+            </a:r>
+            <a:r>
+              <a:rPr lang="en-US" sz="1200" kern="1200" baseline="0" dirty="0" err="1" smtClean="0">
+                <a:solidFill>
+                  <a:schemeClr val="tx1"/>
+                </a:solidFill>
+                <a:effectLst/>
+                <a:latin typeface="+mn-lt"/>
+                <a:ea typeface="+mn-ea"/>
+                <a:cs typeface="+mn-cs"/>
+              </a:rPr>
+              <a:t>izmene</a:t>
+            </a:r>
+            <a:r>
+              <a:rPr lang="en-US" sz="1200" kern="1200" baseline="0" dirty="0" smtClean="0">
+                <a:solidFill>
+                  <a:schemeClr val="tx1"/>
+                </a:solidFill>
+                <a:effectLst/>
+                <a:latin typeface="+mn-lt"/>
+                <a:ea typeface="+mn-ea"/>
+                <a:cs typeface="+mn-cs"/>
+              </a:rPr>
+              <a:t> </a:t>
+            </a:r>
+            <a:r>
+              <a:rPr lang="en-US" sz="1200" kern="1200" baseline="0" dirty="0" err="1" smtClean="0">
+                <a:solidFill>
+                  <a:schemeClr val="tx1"/>
+                </a:solidFill>
+                <a:effectLst/>
+                <a:latin typeface="+mn-lt"/>
+                <a:ea typeface="+mn-ea"/>
+                <a:cs typeface="+mn-cs"/>
+              </a:rPr>
+              <a:t>nad</a:t>
+            </a:r>
+            <a:r>
+              <a:rPr lang="en-US" sz="1200" kern="1200" baseline="0" dirty="0" smtClean="0">
+                <a:solidFill>
+                  <a:schemeClr val="tx1"/>
+                </a:solidFill>
+                <a:effectLst/>
+                <a:latin typeface="+mn-lt"/>
+                <a:ea typeface="+mn-ea"/>
+                <a:cs typeface="+mn-cs"/>
+              </a:rPr>
+              <a:t> </a:t>
+            </a:r>
+            <a:r>
+              <a:rPr lang="en-US" sz="1200" kern="1200" baseline="0" dirty="0" err="1" smtClean="0">
+                <a:solidFill>
+                  <a:schemeClr val="tx1"/>
+                </a:solidFill>
+                <a:effectLst/>
+                <a:latin typeface="+mn-lt"/>
+                <a:ea typeface="+mn-ea"/>
+                <a:cs typeface="+mn-cs"/>
+              </a:rPr>
+              <a:t>elementima</a:t>
+            </a:r>
+            <a:r>
+              <a:rPr lang="en-US" sz="1200" kern="1200" baseline="0" dirty="0" smtClean="0">
+                <a:solidFill>
+                  <a:schemeClr val="tx1"/>
+                </a:solidFill>
+                <a:effectLst/>
+                <a:latin typeface="+mn-lt"/>
+                <a:ea typeface="+mn-ea"/>
+                <a:cs typeface="+mn-cs"/>
+              </a:rPr>
+              <a:t> </a:t>
+            </a:r>
+            <a:r>
+              <a:rPr lang="en-US" sz="1200" kern="1200" baseline="0" dirty="0" err="1" smtClean="0">
+                <a:solidFill>
+                  <a:schemeClr val="tx1"/>
+                </a:solidFill>
+                <a:effectLst/>
+                <a:latin typeface="+mn-lt"/>
+                <a:ea typeface="+mn-ea"/>
+                <a:cs typeface="+mn-cs"/>
+              </a:rPr>
+              <a:t>datoteke</a:t>
+            </a:r>
+            <a:endParaRPr lang="en-US" sz="1200" kern="1200" baseline="0" dirty="0" smtClean="0">
+              <a:solidFill>
+                <a:schemeClr val="tx1"/>
+              </a:solidFill>
+              <a:effectLst/>
+              <a:latin typeface="+mn-lt"/>
+              <a:ea typeface="+mn-ea"/>
+              <a:cs typeface="+mn-cs"/>
+            </a:endParaRPr>
+          </a:p>
+          <a:p>
+            <a:pPr marL="171450" marR="0" indent="-171450" algn="l" defTabSz="914400" rtl="0" eaLnBrk="1" fontAlgn="auto" latinLnBrk="0" hangingPunct="1">
+              <a:lnSpc>
+                <a:spcPct val="100000"/>
+              </a:lnSpc>
+              <a:spcBef>
+                <a:spcPts val="0"/>
+              </a:spcBef>
+              <a:spcAft>
+                <a:spcPts val="0"/>
+              </a:spcAft>
+              <a:buClrTx/>
+              <a:buSzTx/>
+              <a:buFontTx/>
+              <a:buChar char="-"/>
+              <a:tabLst/>
+              <a:defRPr/>
+            </a:pPr>
+            <a:r>
+              <a:rPr lang="en-US" sz="1200" kern="1200" baseline="0" dirty="0" err="1" smtClean="0">
+                <a:solidFill>
+                  <a:schemeClr val="tx1"/>
+                </a:solidFill>
+                <a:effectLst/>
+                <a:latin typeface="+mn-lt"/>
+                <a:ea typeface="+mn-ea"/>
+                <a:cs typeface="+mn-cs"/>
+              </a:rPr>
+              <a:t>Svi</a:t>
+            </a:r>
+            <a:r>
+              <a:rPr lang="en-US" sz="1200" kern="1200" baseline="0" dirty="0" smtClean="0">
+                <a:solidFill>
+                  <a:schemeClr val="tx1"/>
+                </a:solidFill>
+                <a:effectLst/>
+                <a:latin typeface="+mn-lt"/>
+                <a:ea typeface="+mn-ea"/>
+                <a:cs typeface="+mn-cs"/>
+              </a:rPr>
+              <a:t> </a:t>
+            </a:r>
+            <a:r>
+              <a:rPr lang="en-US" sz="1200" kern="1200" baseline="0" dirty="0" err="1" smtClean="0">
+                <a:solidFill>
+                  <a:schemeClr val="tx1"/>
+                </a:solidFill>
+                <a:effectLst/>
+                <a:latin typeface="+mn-lt"/>
+                <a:ea typeface="+mn-ea"/>
+                <a:cs typeface="+mn-cs"/>
+              </a:rPr>
+              <a:t>podaci</a:t>
+            </a:r>
+            <a:r>
+              <a:rPr lang="en-US" sz="1200" kern="1200" baseline="0" dirty="0" smtClean="0">
+                <a:solidFill>
+                  <a:schemeClr val="tx1"/>
+                </a:solidFill>
+                <a:effectLst/>
+                <a:latin typeface="+mn-lt"/>
+                <a:ea typeface="+mn-ea"/>
+                <a:cs typeface="+mn-cs"/>
+              </a:rPr>
+              <a:t> </a:t>
+            </a:r>
+            <a:r>
+              <a:rPr lang="en-US" sz="1200" kern="1200" baseline="0" dirty="0" err="1" smtClean="0">
+                <a:solidFill>
+                  <a:schemeClr val="tx1"/>
+                </a:solidFill>
+                <a:effectLst/>
+                <a:latin typeface="+mn-lt"/>
+                <a:ea typeface="+mn-ea"/>
+                <a:cs typeface="+mn-cs"/>
+              </a:rPr>
+              <a:t>kao</a:t>
+            </a:r>
+            <a:r>
+              <a:rPr lang="en-US" sz="1200" kern="1200" baseline="0" dirty="0" smtClean="0">
+                <a:solidFill>
+                  <a:schemeClr val="tx1"/>
+                </a:solidFill>
+                <a:effectLst/>
+                <a:latin typeface="+mn-lt"/>
+                <a:ea typeface="+mn-ea"/>
+                <a:cs typeface="+mn-cs"/>
+              </a:rPr>
+              <a:t> I </a:t>
+            </a:r>
+            <a:r>
+              <a:rPr lang="en-US" sz="1200" kern="1200" baseline="0" dirty="0" err="1" smtClean="0">
+                <a:solidFill>
+                  <a:schemeClr val="tx1"/>
+                </a:solidFill>
+                <a:effectLst/>
+                <a:latin typeface="+mn-lt"/>
+                <a:ea typeface="+mn-ea"/>
+                <a:cs typeface="+mn-cs"/>
+              </a:rPr>
+              <a:t>sve</a:t>
+            </a:r>
+            <a:r>
+              <a:rPr lang="en-US" sz="1200" kern="1200" baseline="0" dirty="0" smtClean="0">
+                <a:solidFill>
+                  <a:schemeClr val="tx1"/>
+                </a:solidFill>
+                <a:effectLst/>
+                <a:latin typeface="+mn-lt"/>
+                <a:ea typeface="+mn-ea"/>
+                <a:cs typeface="+mn-cs"/>
+              </a:rPr>
+              <a:t> </a:t>
+            </a:r>
+            <a:r>
+              <a:rPr lang="en-US" sz="1200" kern="1200" baseline="0" dirty="0" err="1" smtClean="0">
+                <a:solidFill>
+                  <a:schemeClr val="tx1"/>
+                </a:solidFill>
+                <a:effectLst/>
+                <a:latin typeface="+mn-lt"/>
+                <a:ea typeface="+mn-ea"/>
+                <a:cs typeface="+mn-cs"/>
+              </a:rPr>
+              <a:t>izmene</a:t>
+            </a:r>
+            <a:r>
+              <a:rPr lang="en-US" sz="1200" kern="1200" baseline="0" dirty="0" smtClean="0">
+                <a:solidFill>
+                  <a:schemeClr val="tx1"/>
+                </a:solidFill>
+                <a:effectLst/>
+                <a:latin typeface="+mn-lt"/>
+                <a:ea typeface="+mn-ea"/>
+                <a:cs typeface="+mn-cs"/>
+              </a:rPr>
+              <a:t> se </a:t>
+            </a:r>
+            <a:r>
+              <a:rPr lang="en-US" sz="1200" kern="1200" baseline="0" dirty="0" err="1" smtClean="0">
+                <a:solidFill>
+                  <a:schemeClr val="tx1"/>
+                </a:solidFill>
+                <a:effectLst/>
+                <a:latin typeface="+mn-lt"/>
+                <a:ea typeface="+mn-ea"/>
+                <a:cs typeface="+mn-cs"/>
+              </a:rPr>
+              <a:t>cuvaju</a:t>
+            </a:r>
+            <a:r>
+              <a:rPr lang="en-US" sz="1200" kern="1200" baseline="0" dirty="0" smtClean="0">
+                <a:solidFill>
+                  <a:schemeClr val="tx1"/>
+                </a:solidFill>
+                <a:effectLst/>
+                <a:latin typeface="+mn-lt"/>
+                <a:ea typeface="+mn-ea"/>
+                <a:cs typeface="+mn-cs"/>
+              </a:rPr>
+              <a:t> u python </a:t>
+            </a:r>
+            <a:r>
+              <a:rPr lang="en-US" sz="1200" kern="1200" baseline="0" dirty="0" err="1" smtClean="0">
+                <a:solidFill>
+                  <a:schemeClr val="tx1"/>
+                </a:solidFill>
+                <a:effectLst/>
+                <a:latin typeface="+mn-lt"/>
+                <a:ea typeface="+mn-ea"/>
+                <a:cs typeface="+mn-cs"/>
+              </a:rPr>
+              <a:t>objektu</a:t>
+            </a:r>
+            <a:r>
+              <a:rPr lang="en-US" sz="1200" kern="1200" baseline="0" dirty="0" smtClean="0">
+                <a:solidFill>
+                  <a:schemeClr val="tx1"/>
+                </a:solidFill>
+                <a:effectLst/>
+                <a:latin typeface="+mn-lt"/>
+                <a:ea typeface="+mn-ea"/>
+                <a:cs typeface="+mn-cs"/>
+              </a:rPr>
+              <a:t> </a:t>
+            </a:r>
+            <a:r>
+              <a:rPr lang="en-US" sz="1200" kern="1200" baseline="0" dirty="0" err="1" smtClean="0">
+                <a:solidFill>
+                  <a:schemeClr val="tx1"/>
+                </a:solidFill>
+                <a:effectLst/>
+                <a:latin typeface="+mn-lt"/>
+                <a:ea typeface="+mn-ea"/>
+                <a:cs typeface="+mn-cs"/>
+              </a:rPr>
+              <a:t>tipa</a:t>
+            </a:r>
+            <a:r>
+              <a:rPr lang="en-US" sz="1200" kern="1200" baseline="0" dirty="0" smtClean="0">
+                <a:solidFill>
+                  <a:schemeClr val="tx1"/>
+                </a:solidFill>
+                <a:effectLst/>
+                <a:latin typeface="+mn-lt"/>
+                <a:ea typeface="+mn-ea"/>
+                <a:cs typeface="+mn-cs"/>
+              </a:rPr>
+              <a:t> </a:t>
+            </a:r>
+            <a:r>
+              <a:rPr lang="en-US" sz="1200" kern="1200" baseline="0" dirty="0" err="1" smtClean="0">
+                <a:solidFill>
+                  <a:schemeClr val="tx1"/>
+                </a:solidFill>
+                <a:effectLst/>
+                <a:latin typeface="+mn-lt"/>
+                <a:ea typeface="+mn-ea"/>
+                <a:cs typeface="+mn-cs"/>
+              </a:rPr>
+              <a:t>recnika</a:t>
+            </a:r>
+            <a:r>
+              <a:rPr lang="en-US" sz="1200" kern="1200" baseline="0" dirty="0" smtClean="0">
+                <a:solidFill>
+                  <a:schemeClr val="tx1"/>
+                </a:solidFill>
+                <a:effectLst/>
+                <a:latin typeface="+mn-lt"/>
+                <a:ea typeface="+mn-ea"/>
+                <a:cs typeface="+mn-cs"/>
+              </a:rPr>
+              <a:t>, </a:t>
+            </a:r>
+            <a:r>
+              <a:rPr lang="en-US" sz="1200" kern="1200" baseline="0" dirty="0" err="1" smtClean="0">
+                <a:solidFill>
+                  <a:schemeClr val="tx1"/>
+                </a:solidFill>
+                <a:effectLst/>
+                <a:latin typeface="+mn-lt"/>
+                <a:ea typeface="+mn-ea"/>
+                <a:cs typeface="+mn-cs"/>
+              </a:rPr>
+              <a:t>koji</a:t>
+            </a:r>
+            <a:r>
+              <a:rPr lang="en-US" sz="1200" kern="1200" baseline="0" dirty="0" smtClean="0">
+                <a:solidFill>
+                  <a:schemeClr val="tx1"/>
+                </a:solidFill>
+                <a:effectLst/>
+                <a:latin typeface="+mn-lt"/>
+                <a:ea typeface="+mn-ea"/>
+                <a:cs typeface="+mn-cs"/>
+              </a:rPr>
+              <a:t> </a:t>
+            </a:r>
+            <a:r>
+              <a:rPr lang="en-US" sz="1200" kern="1200" baseline="0" dirty="0" err="1" smtClean="0">
+                <a:solidFill>
+                  <a:schemeClr val="tx1"/>
+                </a:solidFill>
+                <a:effectLst/>
+                <a:latin typeface="+mn-lt"/>
+                <a:ea typeface="+mn-ea"/>
+                <a:cs typeface="+mn-cs"/>
+              </a:rPr>
+              <a:t>ocuvava</a:t>
+            </a:r>
+            <a:r>
+              <a:rPr lang="en-US" sz="1200" kern="1200" baseline="0" dirty="0" smtClean="0">
+                <a:solidFill>
+                  <a:schemeClr val="tx1"/>
+                </a:solidFill>
+                <a:effectLst/>
+                <a:latin typeface="+mn-lt"/>
+                <a:ea typeface="+mn-ea"/>
+                <a:cs typeface="+mn-cs"/>
+              </a:rPr>
+              <a:t> </a:t>
+            </a:r>
+            <a:r>
+              <a:rPr lang="en-US" sz="1200" kern="1200" baseline="0" dirty="0" err="1" smtClean="0">
+                <a:solidFill>
+                  <a:schemeClr val="tx1"/>
+                </a:solidFill>
+                <a:effectLst/>
+                <a:latin typeface="+mn-lt"/>
+                <a:ea typeface="+mn-ea"/>
+                <a:cs typeface="+mn-cs"/>
+              </a:rPr>
+              <a:t>samu</a:t>
+            </a:r>
+            <a:r>
+              <a:rPr lang="en-US" sz="1200" kern="1200" baseline="0" dirty="0" smtClean="0">
+                <a:solidFill>
+                  <a:schemeClr val="tx1"/>
+                </a:solidFill>
+                <a:effectLst/>
+                <a:latin typeface="+mn-lt"/>
+                <a:ea typeface="+mn-ea"/>
+                <a:cs typeface="+mn-cs"/>
+              </a:rPr>
+              <a:t> </a:t>
+            </a:r>
+            <a:r>
+              <a:rPr lang="en-US" sz="1200" kern="1200" baseline="0" dirty="0" err="1" smtClean="0">
+                <a:solidFill>
+                  <a:schemeClr val="tx1"/>
+                </a:solidFill>
+                <a:effectLst/>
+                <a:latin typeface="+mn-lt"/>
+                <a:ea typeface="+mn-ea"/>
+                <a:cs typeface="+mn-cs"/>
+              </a:rPr>
+              <a:t>hijerarhiju</a:t>
+            </a:r>
+            <a:r>
+              <a:rPr lang="en-US" sz="1200" kern="1200" baseline="0" dirty="0" smtClean="0">
+                <a:solidFill>
+                  <a:schemeClr val="tx1"/>
+                </a:solidFill>
+                <a:effectLst/>
+                <a:latin typeface="+mn-lt"/>
+                <a:ea typeface="+mn-ea"/>
+                <a:cs typeface="+mn-cs"/>
+              </a:rPr>
+              <a:t> </a:t>
+            </a:r>
+            <a:r>
+              <a:rPr lang="en-US" sz="1200" kern="1200" baseline="0" dirty="0" err="1" smtClean="0">
+                <a:solidFill>
+                  <a:schemeClr val="tx1"/>
+                </a:solidFill>
+                <a:effectLst/>
+                <a:latin typeface="+mn-lt"/>
+                <a:ea typeface="+mn-ea"/>
+                <a:cs typeface="+mn-cs"/>
+              </a:rPr>
+              <a:t>podataka</a:t>
+            </a:r>
+            <a:r>
+              <a:rPr lang="en-US" sz="1200" kern="1200" baseline="0" dirty="0" smtClean="0">
+                <a:solidFill>
+                  <a:schemeClr val="tx1"/>
+                </a:solidFill>
+                <a:effectLst/>
+                <a:latin typeface="+mn-lt"/>
+                <a:ea typeface="+mn-ea"/>
+                <a:cs typeface="+mn-cs"/>
+              </a:rPr>
+              <a:t> I time </a:t>
+            </a:r>
+            <a:r>
+              <a:rPr lang="en-US" sz="1200" kern="1200" baseline="0" dirty="0" err="1" smtClean="0">
+                <a:solidFill>
+                  <a:schemeClr val="tx1"/>
+                </a:solidFill>
+                <a:effectLst/>
+                <a:latin typeface="+mn-lt"/>
+                <a:ea typeface="+mn-ea"/>
+                <a:cs typeface="+mn-cs"/>
+              </a:rPr>
+              <a:t>pojednostavljuje</a:t>
+            </a:r>
+            <a:r>
+              <a:rPr lang="en-US" sz="1200" kern="1200" baseline="0" dirty="0" smtClean="0">
+                <a:solidFill>
+                  <a:schemeClr val="tx1"/>
+                </a:solidFill>
+                <a:effectLst/>
+                <a:latin typeface="+mn-lt"/>
+                <a:ea typeface="+mn-ea"/>
+                <a:cs typeface="+mn-cs"/>
+              </a:rPr>
+              <a:t> </a:t>
+            </a:r>
+            <a:r>
+              <a:rPr lang="en-US" sz="1200" kern="1200" baseline="0" dirty="0" err="1" smtClean="0">
+                <a:solidFill>
+                  <a:schemeClr val="tx1"/>
+                </a:solidFill>
+                <a:effectLst/>
+                <a:latin typeface="+mn-lt"/>
+                <a:ea typeface="+mn-ea"/>
+                <a:cs typeface="+mn-cs"/>
+              </a:rPr>
+              <a:t>dalji</a:t>
+            </a:r>
+            <a:r>
+              <a:rPr lang="en-US" sz="1200" kern="1200" baseline="0" dirty="0" smtClean="0">
+                <a:solidFill>
+                  <a:schemeClr val="tx1"/>
+                </a:solidFill>
+                <a:effectLst/>
+                <a:latin typeface="+mn-lt"/>
+                <a:ea typeface="+mn-ea"/>
+                <a:cs typeface="+mn-cs"/>
+              </a:rPr>
+              <a:t> </a:t>
+            </a:r>
+            <a:r>
+              <a:rPr lang="en-US" sz="1200" kern="1200" baseline="0" dirty="0" err="1" smtClean="0">
+                <a:solidFill>
+                  <a:schemeClr val="tx1"/>
+                </a:solidFill>
+                <a:effectLst/>
+                <a:latin typeface="+mn-lt"/>
+                <a:ea typeface="+mn-ea"/>
+                <a:cs typeface="+mn-cs"/>
+              </a:rPr>
+              <a:t>pristup</a:t>
+            </a:r>
+            <a:r>
+              <a:rPr lang="en-US" sz="1200" kern="1200" baseline="0" dirty="0" smtClean="0">
+                <a:solidFill>
+                  <a:schemeClr val="tx1"/>
+                </a:solidFill>
+                <a:effectLst/>
+                <a:latin typeface="+mn-lt"/>
+                <a:ea typeface="+mn-ea"/>
+                <a:cs typeface="+mn-cs"/>
+              </a:rPr>
+              <a:t> </a:t>
+            </a:r>
+            <a:r>
+              <a:rPr lang="en-US" sz="1200" kern="1200" baseline="0" dirty="0" err="1" smtClean="0">
+                <a:solidFill>
+                  <a:schemeClr val="tx1"/>
+                </a:solidFill>
+                <a:effectLst/>
+                <a:latin typeface="+mn-lt"/>
+                <a:ea typeface="+mn-ea"/>
+                <a:cs typeface="+mn-cs"/>
+              </a:rPr>
+              <a:t>zeljenim</a:t>
+            </a:r>
+            <a:r>
+              <a:rPr lang="en-US" sz="1200" kern="1200" baseline="0" dirty="0" smtClean="0">
+                <a:solidFill>
+                  <a:schemeClr val="tx1"/>
+                </a:solidFill>
+                <a:effectLst/>
+                <a:latin typeface="+mn-lt"/>
+                <a:ea typeface="+mn-ea"/>
+                <a:cs typeface="+mn-cs"/>
+              </a:rPr>
+              <a:t> </a:t>
+            </a:r>
+            <a:r>
+              <a:rPr lang="en-US" sz="1200" kern="1200" baseline="0" dirty="0" err="1" smtClean="0">
+                <a:solidFill>
+                  <a:schemeClr val="tx1"/>
+                </a:solidFill>
+                <a:effectLst/>
+                <a:latin typeface="+mn-lt"/>
+                <a:ea typeface="+mn-ea"/>
+                <a:cs typeface="+mn-cs"/>
+              </a:rPr>
+              <a:t>elementima</a:t>
+            </a:r>
+            <a:r>
+              <a:rPr lang="en-US" sz="1200" kern="1200" baseline="0" dirty="0" smtClean="0">
+                <a:solidFill>
+                  <a:schemeClr val="tx1"/>
+                </a:solidFill>
+                <a:effectLst/>
+                <a:latin typeface="+mn-lt"/>
+                <a:ea typeface="+mn-ea"/>
+                <a:cs typeface="+mn-cs"/>
+              </a:rPr>
+              <a:t> </a:t>
+            </a:r>
+            <a:r>
+              <a:rPr lang="en-US" sz="1200" kern="1200" baseline="0" dirty="0" err="1" smtClean="0">
+                <a:solidFill>
+                  <a:schemeClr val="tx1"/>
+                </a:solidFill>
+                <a:effectLst/>
+                <a:latin typeface="+mn-lt"/>
+                <a:ea typeface="+mn-ea"/>
+                <a:cs typeface="+mn-cs"/>
+              </a:rPr>
+              <a:t>datoteke</a:t>
+            </a:r>
+            <a:endParaRPr lang="en-US" sz="1200" kern="1200" baseline="0" dirty="0" smtClean="0">
+              <a:solidFill>
+                <a:schemeClr val="tx1"/>
+              </a:solidFill>
+              <a:effectLst/>
+              <a:latin typeface="+mn-lt"/>
+              <a:ea typeface="+mn-ea"/>
+              <a:cs typeface="+mn-cs"/>
+            </a:endParaRPr>
+          </a:p>
+          <a:p>
+            <a:pPr marL="171450" marR="0" indent="-171450" algn="l" defTabSz="914400" rtl="0" eaLnBrk="1" fontAlgn="auto" latinLnBrk="0" hangingPunct="1">
+              <a:lnSpc>
+                <a:spcPct val="100000"/>
+              </a:lnSpc>
+              <a:spcBef>
+                <a:spcPts val="0"/>
+              </a:spcBef>
+              <a:spcAft>
+                <a:spcPts val="0"/>
+              </a:spcAft>
+              <a:buClrTx/>
+              <a:buSzTx/>
+              <a:buFontTx/>
+              <a:buChar char="-"/>
+              <a:tabLst/>
+              <a:defRPr/>
+            </a:pPr>
+            <a:r>
+              <a:rPr lang="en-US" sz="1200" kern="1200" baseline="0" dirty="0" err="1" smtClean="0">
+                <a:solidFill>
+                  <a:schemeClr val="tx1"/>
+                </a:solidFill>
+                <a:effectLst/>
+                <a:latin typeface="+mn-lt"/>
+                <a:ea typeface="+mn-ea"/>
+                <a:cs typeface="+mn-cs"/>
+              </a:rPr>
+              <a:t>Nakon</a:t>
+            </a:r>
+            <a:r>
+              <a:rPr lang="en-US" sz="1200" kern="1200" baseline="0" dirty="0" smtClean="0">
+                <a:solidFill>
+                  <a:schemeClr val="tx1"/>
+                </a:solidFill>
+                <a:effectLst/>
+                <a:latin typeface="+mn-lt"/>
+                <a:ea typeface="+mn-ea"/>
+                <a:cs typeface="+mn-cs"/>
+              </a:rPr>
+              <a:t> </a:t>
+            </a:r>
+            <a:r>
+              <a:rPr lang="en-US" sz="1200" kern="1200" baseline="0" dirty="0" err="1" smtClean="0">
+                <a:solidFill>
+                  <a:schemeClr val="tx1"/>
+                </a:solidFill>
+                <a:effectLst/>
+                <a:latin typeface="+mn-lt"/>
+                <a:ea typeface="+mn-ea"/>
+                <a:cs typeface="+mn-cs"/>
+              </a:rPr>
+              <a:t>vrsenja</a:t>
+            </a:r>
+            <a:r>
+              <a:rPr lang="en-US" sz="1200" kern="1200" baseline="0" dirty="0" smtClean="0">
+                <a:solidFill>
+                  <a:schemeClr val="tx1"/>
+                </a:solidFill>
+                <a:effectLst/>
+                <a:latin typeface="+mn-lt"/>
+                <a:ea typeface="+mn-ea"/>
+                <a:cs typeface="+mn-cs"/>
+              </a:rPr>
+              <a:t> </a:t>
+            </a:r>
+            <a:r>
+              <a:rPr lang="en-US" sz="1200" kern="1200" baseline="0" dirty="0" err="1" smtClean="0">
+                <a:solidFill>
+                  <a:schemeClr val="tx1"/>
+                </a:solidFill>
+                <a:effectLst/>
+                <a:latin typeface="+mn-lt"/>
+                <a:ea typeface="+mn-ea"/>
+                <a:cs typeface="+mn-cs"/>
+              </a:rPr>
+              <a:t>izmena</a:t>
+            </a:r>
+            <a:r>
+              <a:rPr lang="en-US" sz="1200" kern="1200" baseline="0" dirty="0" smtClean="0">
+                <a:solidFill>
+                  <a:schemeClr val="tx1"/>
+                </a:solidFill>
+                <a:effectLst/>
+                <a:latin typeface="+mn-lt"/>
+                <a:ea typeface="+mn-ea"/>
+                <a:cs typeface="+mn-cs"/>
+              </a:rPr>
+              <a:t>, </a:t>
+            </a:r>
+            <a:r>
+              <a:rPr lang="en-US" sz="1200" kern="1200" baseline="0" dirty="0" err="1" smtClean="0">
+                <a:solidFill>
+                  <a:schemeClr val="tx1"/>
+                </a:solidFill>
+                <a:effectLst/>
+                <a:latin typeface="+mn-lt"/>
+                <a:ea typeface="+mn-ea"/>
+                <a:cs typeface="+mn-cs"/>
+              </a:rPr>
+              <a:t>korisnik</a:t>
+            </a:r>
+            <a:r>
+              <a:rPr lang="en-US" sz="1200" kern="1200" baseline="0" dirty="0" smtClean="0">
+                <a:solidFill>
+                  <a:schemeClr val="tx1"/>
+                </a:solidFill>
+                <a:effectLst/>
+                <a:latin typeface="+mn-lt"/>
+                <a:ea typeface="+mn-ea"/>
+                <a:cs typeface="+mn-cs"/>
+              </a:rPr>
+              <a:t> </a:t>
+            </a:r>
+            <a:r>
+              <a:rPr lang="en-US" sz="1200" kern="1200" baseline="0" dirty="0" err="1" smtClean="0">
+                <a:solidFill>
+                  <a:schemeClr val="tx1"/>
+                </a:solidFill>
+                <a:effectLst/>
+                <a:latin typeface="+mn-lt"/>
+                <a:ea typeface="+mn-ea"/>
+                <a:cs typeface="+mn-cs"/>
+              </a:rPr>
+              <a:t>ima</a:t>
+            </a:r>
+            <a:r>
+              <a:rPr lang="en-US" sz="1200" kern="1200" baseline="0" dirty="0" smtClean="0">
+                <a:solidFill>
+                  <a:schemeClr val="tx1"/>
+                </a:solidFill>
+                <a:effectLst/>
+                <a:latin typeface="+mn-lt"/>
+                <a:ea typeface="+mn-ea"/>
+                <a:cs typeface="+mn-cs"/>
+              </a:rPr>
+              <a:t> </a:t>
+            </a:r>
+            <a:r>
+              <a:rPr lang="en-US" sz="1200" kern="1200" baseline="0" dirty="0" err="1" smtClean="0">
+                <a:solidFill>
+                  <a:schemeClr val="tx1"/>
+                </a:solidFill>
+                <a:effectLst/>
+                <a:latin typeface="+mn-lt"/>
+                <a:ea typeface="+mn-ea"/>
+                <a:cs typeface="+mn-cs"/>
+              </a:rPr>
+              <a:t>mogucnost</a:t>
+            </a:r>
+            <a:r>
+              <a:rPr lang="en-US" sz="1200" kern="1200" baseline="0" dirty="0" smtClean="0">
+                <a:solidFill>
+                  <a:schemeClr val="tx1"/>
+                </a:solidFill>
+                <a:effectLst/>
+                <a:latin typeface="+mn-lt"/>
+                <a:ea typeface="+mn-ea"/>
+                <a:cs typeface="+mn-cs"/>
+              </a:rPr>
+              <a:t> </a:t>
+            </a:r>
+            <a:r>
+              <a:rPr lang="en-US" sz="1200" kern="1200" baseline="0" dirty="0" err="1" smtClean="0">
+                <a:solidFill>
+                  <a:schemeClr val="tx1"/>
+                </a:solidFill>
+                <a:effectLst/>
+                <a:latin typeface="+mn-lt"/>
+                <a:ea typeface="+mn-ea"/>
+                <a:cs typeface="+mn-cs"/>
+              </a:rPr>
+              <a:t>cuvanja</a:t>
+            </a:r>
+            <a:r>
+              <a:rPr lang="en-US" sz="1200" kern="1200" baseline="0" dirty="0" smtClean="0">
+                <a:solidFill>
+                  <a:schemeClr val="tx1"/>
+                </a:solidFill>
+                <a:effectLst/>
+                <a:latin typeface="+mn-lt"/>
+                <a:ea typeface="+mn-ea"/>
+                <a:cs typeface="+mn-cs"/>
+              </a:rPr>
+              <a:t> </a:t>
+            </a:r>
+            <a:r>
+              <a:rPr lang="en-US" sz="1200" kern="1200" baseline="0" dirty="0" err="1" smtClean="0">
+                <a:solidFill>
+                  <a:schemeClr val="tx1"/>
+                </a:solidFill>
+                <a:effectLst/>
+                <a:latin typeface="+mn-lt"/>
+                <a:ea typeface="+mn-ea"/>
+                <a:cs typeface="+mn-cs"/>
+              </a:rPr>
+              <a:t>izmena</a:t>
+            </a:r>
+            <a:r>
+              <a:rPr lang="en-US" sz="1200" kern="1200" baseline="0" dirty="0" smtClean="0">
+                <a:solidFill>
+                  <a:schemeClr val="tx1"/>
+                </a:solidFill>
+                <a:effectLst/>
+                <a:latin typeface="+mn-lt"/>
+                <a:ea typeface="+mn-ea"/>
+                <a:cs typeface="+mn-cs"/>
+              </a:rPr>
+              <a:t> u </a:t>
+            </a:r>
+            <a:r>
+              <a:rPr lang="en-US" sz="1200" kern="1200" baseline="0" dirty="0" err="1" smtClean="0">
+                <a:solidFill>
+                  <a:schemeClr val="tx1"/>
+                </a:solidFill>
+                <a:effectLst/>
+                <a:latin typeface="+mn-lt"/>
+                <a:ea typeface="+mn-ea"/>
+                <a:cs typeface="+mn-cs"/>
+              </a:rPr>
+              <a:t>postojecu</a:t>
+            </a:r>
+            <a:r>
+              <a:rPr lang="en-US" sz="1200" kern="1200" baseline="0" dirty="0" smtClean="0">
+                <a:solidFill>
+                  <a:schemeClr val="tx1"/>
+                </a:solidFill>
+                <a:effectLst/>
+                <a:latin typeface="+mn-lt"/>
+                <a:ea typeface="+mn-ea"/>
+                <a:cs typeface="+mn-cs"/>
+              </a:rPr>
+              <a:t> </a:t>
+            </a:r>
+            <a:r>
+              <a:rPr lang="en-US" sz="1200" kern="1200" baseline="0" dirty="0" err="1" smtClean="0">
+                <a:solidFill>
+                  <a:schemeClr val="tx1"/>
+                </a:solidFill>
+                <a:effectLst/>
+                <a:latin typeface="+mn-lt"/>
+                <a:ea typeface="+mn-ea"/>
+                <a:cs typeface="+mn-cs"/>
+              </a:rPr>
+              <a:t>ili</a:t>
+            </a:r>
+            <a:r>
+              <a:rPr lang="en-US" sz="1200" kern="1200" baseline="0" dirty="0" smtClean="0">
+                <a:solidFill>
+                  <a:schemeClr val="tx1"/>
+                </a:solidFill>
+                <a:effectLst/>
+                <a:latin typeface="+mn-lt"/>
+                <a:ea typeface="+mn-ea"/>
+                <a:cs typeface="+mn-cs"/>
+              </a:rPr>
+              <a:t> </a:t>
+            </a:r>
+            <a:r>
+              <a:rPr lang="en-US" sz="1200" kern="1200" baseline="0" dirty="0" err="1" smtClean="0">
+                <a:solidFill>
+                  <a:schemeClr val="tx1"/>
+                </a:solidFill>
+                <a:effectLst/>
+                <a:latin typeface="+mn-lt"/>
+                <a:ea typeface="+mn-ea"/>
+                <a:cs typeface="+mn-cs"/>
+              </a:rPr>
+              <a:t>novu</a:t>
+            </a:r>
+            <a:r>
+              <a:rPr lang="en-US" sz="1200" kern="1200" baseline="0" dirty="0" smtClean="0">
+                <a:solidFill>
+                  <a:schemeClr val="tx1"/>
+                </a:solidFill>
+                <a:effectLst/>
+                <a:latin typeface="+mn-lt"/>
+                <a:ea typeface="+mn-ea"/>
+                <a:cs typeface="+mn-cs"/>
+              </a:rPr>
+              <a:t> XML </a:t>
+            </a:r>
+            <a:r>
+              <a:rPr lang="en-US" sz="1200" kern="1200" baseline="0" dirty="0" err="1" smtClean="0">
+                <a:solidFill>
+                  <a:schemeClr val="tx1"/>
+                </a:solidFill>
+                <a:effectLst/>
+                <a:latin typeface="+mn-lt"/>
+                <a:ea typeface="+mn-ea"/>
+                <a:cs typeface="+mn-cs"/>
+              </a:rPr>
+              <a:t>datoteku</a:t>
+            </a:r>
+            <a:r>
+              <a:rPr lang="en-US" sz="1200" kern="1200" baseline="0" dirty="0" smtClean="0">
+                <a:solidFill>
+                  <a:schemeClr val="tx1"/>
+                </a:solidFill>
+                <a:effectLst/>
+                <a:latin typeface="+mn-lt"/>
+                <a:ea typeface="+mn-ea"/>
+                <a:cs typeface="+mn-cs"/>
+              </a:rPr>
+              <a:t>, </a:t>
+            </a:r>
+            <a:r>
+              <a:rPr lang="en-US" sz="1200" kern="1200" baseline="0" dirty="0" err="1" smtClean="0">
+                <a:solidFill>
+                  <a:schemeClr val="tx1"/>
+                </a:solidFill>
+                <a:effectLst/>
+                <a:latin typeface="+mn-lt"/>
+                <a:ea typeface="+mn-ea"/>
+                <a:cs typeface="+mn-cs"/>
+              </a:rPr>
+              <a:t>kao</a:t>
+            </a:r>
+            <a:r>
+              <a:rPr lang="en-US" sz="1200" kern="1200" baseline="0" dirty="0" smtClean="0">
+                <a:solidFill>
+                  <a:schemeClr val="tx1"/>
+                </a:solidFill>
+                <a:effectLst/>
+                <a:latin typeface="+mn-lt"/>
+                <a:ea typeface="+mn-ea"/>
+                <a:cs typeface="+mn-cs"/>
+              </a:rPr>
+              <a:t> I </a:t>
+            </a:r>
+            <a:r>
+              <a:rPr lang="en-US" sz="1200" kern="1200" baseline="0" dirty="0" err="1" smtClean="0">
+                <a:solidFill>
+                  <a:schemeClr val="tx1"/>
+                </a:solidFill>
+                <a:effectLst/>
+                <a:latin typeface="+mn-lt"/>
+                <a:ea typeface="+mn-ea"/>
+                <a:cs typeface="+mn-cs"/>
+              </a:rPr>
+              <a:t>izvoz</a:t>
+            </a:r>
+            <a:r>
+              <a:rPr lang="en-US" sz="1200" kern="1200" baseline="0" dirty="0" smtClean="0">
+                <a:solidFill>
+                  <a:schemeClr val="tx1"/>
+                </a:solidFill>
+                <a:effectLst/>
+                <a:latin typeface="+mn-lt"/>
+                <a:ea typeface="+mn-ea"/>
+                <a:cs typeface="+mn-cs"/>
+              </a:rPr>
+              <a:t> </a:t>
+            </a:r>
+            <a:r>
+              <a:rPr lang="en-US" sz="1200" kern="1200" baseline="0" dirty="0" err="1" smtClean="0">
+                <a:solidFill>
+                  <a:schemeClr val="tx1"/>
+                </a:solidFill>
+                <a:effectLst/>
+                <a:latin typeface="+mn-lt"/>
+                <a:ea typeface="+mn-ea"/>
+                <a:cs typeface="+mn-cs"/>
+              </a:rPr>
+              <a:t>podataka</a:t>
+            </a:r>
+            <a:r>
+              <a:rPr lang="en-US" sz="1200" kern="1200" baseline="0" dirty="0" smtClean="0">
+                <a:solidFill>
+                  <a:schemeClr val="tx1"/>
+                </a:solidFill>
+                <a:effectLst/>
+                <a:latin typeface="+mn-lt"/>
+                <a:ea typeface="+mn-ea"/>
+                <a:cs typeface="+mn-cs"/>
+              </a:rPr>
+              <a:t> u PDF format</a:t>
+            </a:r>
+            <a:endParaRPr lang="sr-Latn-RS" sz="1200" kern="1200" dirty="0" smtClean="0">
+              <a:solidFill>
+                <a:schemeClr val="tx1"/>
+              </a:solidFill>
+              <a:effectLst/>
+              <a:latin typeface="+mn-lt"/>
+              <a:ea typeface="+mn-ea"/>
+              <a:cs typeface="+mn-cs"/>
+            </a:endParaRPr>
           </a:p>
         </p:txBody>
       </p:sp>
@@ -4364,26 +7277,18 @@
           <a:lstStyle/>
           <a:p>
             <a:fld id="{6C2AB10A-991B-4A9D-BDBD-AB84E53F1688}" type="slidenum">
-              <a:rPr lang="en-US" smtClean="0">
-                <a:solidFill>
-                  <a:prstClr val="black"/>
-                </a:solidFill>
-              </a:rPr>
+              <a:rPr lang="en-US" smtClean="0"/>
               <a:pPr/>
-              <a:t>9</a:t>
+              <a:t>8</a:t>
             </a:fld>
-            <a:endParaRPr lang="en-US">
-              <a:solidFill>
-                <a:prstClr val="black"/>
-              </a:solidFill>
-            </a:endParaRPr>
+            <a:endParaRPr lang="en-US"/>
           </a:p>
         </p:txBody>
       </p:sp>
     </p:spTree>
     <p:extLst>
       <p:ext uri="{BB962C8B-B14F-4D97-AF65-F5344CB8AC3E}">
-        <p14:creationId xmlns:p14="http://schemas.microsoft.com/office/powerpoint/2010/main" val="3894929618"/>
+        <p14:creationId xmlns:p14="http://schemas.microsoft.com/office/powerpoint/2010/main" val="1668881406"/>
       </p:ext>
     </p:extLst>
   </p:cSld>
@@ -4437,31 +7342,153 @@
           <a:bodyPr/>
           <a:lstStyle/>
           <a:p>
-            <a:pPr marL="171450" indent="-171450">
-              <a:buFontTx/>
-              <a:buChar char="-"/>
-            </a:pPr>
-            <a:r>
-              <a:rPr lang="sr-Latn-RS" dirty="0" smtClean="0"/>
-              <a:t>Python biblioteka fpdf za</a:t>
-            </a:r>
-            <a:r>
-              <a:rPr lang="sr-Latn-RS" baseline="0" dirty="0" smtClean="0"/>
-              <a:t> generisanje PDF dokumenata baziranih na XML dokumentima</a:t>
-            </a:r>
-          </a:p>
-          <a:p>
-            <a:pPr marL="171450" indent="-171450">
-              <a:buFontTx/>
-              <a:buChar char="-"/>
-            </a:pPr>
-            <a:r>
-              <a:rPr lang="sr-Latn-RS" dirty="0" smtClean="0"/>
-              <a:t>Pri pokretanju opcije za PDF format, </a:t>
-            </a:r>
-            <a:r>
-              <a:rPr lang="sr-Latn-RS" baseline="0" dirty="0" smtClean="0"/>
-              <a:t>podaci iz python rečnika se prenose na odgovarajuće mesto unutar stranica dokumenta</a:t>
+            <a:r>
+              <a:rPr lang="en-US" dirty="0" smtClean="0"/>
+              <a:t>-</a:t>
+            </a:r>
+            <a:r>
+              <a:rPr lang="en-US" baseline="0" dirty="0" smtClean="0"/>
+              <a:t> </a:t>
+            </a:r>
+            <a:r>
+              <a:rPr lang="en-US" baseline="0" dirty="0" err="1" smtClean="0"/>
+              <a:t>Prilikom</a:t>
+            </a:r>
+            <a:r>
+              <a:rPr lang="en-US" baseline="0" dirty="0" smtClean="0"/>
+              <a:t> </a:t>
+            </a:r>
+            <a:r>
+              <a:rPr lang="en-US" baseline="0" dirty="0" err="1" smtClean="0"/>
+              <a:t>cuvanja</a:t>
+            </a:r>
+            <a:r>
+              <a:rPr lang="en-US" baseline="0" dirty="0" smtClean="0"/>
+              <a:t> </a:t>
+            </a:r>
+            <a:r>
+              <a:rPr lang="en-US" baseline="0" dirty="0" err="1" smtClean="0"/>
+              <a:t>dokumenta</a:t>
+            </a:r>
+            <a:r>
+              <a:rPr lang="en-US" baseline="0" dirty="0" smtClean="0"/>
+              <a:t> </a:t>
+            </a:r>
+            <a:r>
+              <a:rPr lang="en-US" baseline="0" dirty="0" err="1" smtClean="0"/>
+              <a:t>na</a:t>
+            </a:r>
+            <a:r>
+              <a:rPr lang="en-US" baseline="0" dirty="0" smtClean="0"/>
+              <a:t> disk, </a:t>
+            </a:r>
+            <a:r>
+              <a:rPr lang="en-US" baseline="0" dirty="0" err="1" smtClean="0"/>
+              <a:t>koristi</a:t>
+            </a:r>
+            <a:r>
+              <a:rPr lang="en-US" baseline="0" dirty="0" smtClean="0"/>
+              <a:t> se jinja2 </a:t>
+            </a:r>
+            <a:r>
+              <a:rPr lang="en-US" baseline="0" dirty="0" err="1" smtClean="0"/>
+              <a:t>sablon</a:t>
+            </a:r>
+            <a:r>
+              <a:rPr lang="en-US" baseline="0" dirty="0" smtClean="0"/>
+              <a:t>, </a:t>
+            </a:r>
+            <a:r>
+              <a:rPr lang="en-US" baseline="0" dirty="0" err="1" smtClean="0"/>
+              <a:t>koji</a:t>
+            </a:r>
+            <a:r>
+              <a:rPr lang="en-US" baseline="0" dirty="0" smtClean="0"/>
+              <a:t> </a:t>
+            </a:r>
+            <a:r>
+              <a:rPr lang="en-US" baseline="0" dirty="0" err="1" smtClean="0"/>
+              <a:t>predstavlja</a:t>
+            </a:r>
+            <a:r>
+              <a:rPr lang="en-US" baseline="0" dirty="0" smtClean="0"/>
+              <a:t> </a:t>
+            </a:r>
+            <a:r>
+              <a:rPr lang="en-US" baseline="0" dirty="0" err="1" smtClean="0"/>
+              <a:t>predefinisanu</a:t>
+            </a:r>
+            <a:r>
+              <a:rPr lang="en-US" baseline="0" dirty="0" smtClean="0"/>
+              <a:t> </a:t>
+            </a:r>
+            <a:r>
+              <a:rPr lang="en-US" baseline="0" dirty="0" err="1" smtClean="0"/>
+              <a:t>strukturu</a:t>
+            </a:r>
+            <a:r>
+              <a:rPr lang="en-US" baseline="0" dirty="0" smtClean="0"/>
+              <a:t> </a:t>
+            </a:r>
+            <a:r>
+              <a:rPr lang="en-US" baseline="0" dirty="0" err="1" smtClean="0"/>
+              <a:t>ciji</a:t>
+            </a:r>
+            <a:r>
+              <a:rPr lang="en-US" baseline="0" dirty="0" smtClean="0"/>
+              <a:t> </a:t>
+            </a:r>
+            <a:r>
+              <a:rPr lang="en-US" baseline="0" dirty="0" err="1" smtClean="0"/>
+              <a:t>elementi</a:t>
+            </a:r>
+            <a:r>
+              <a:rPr lang="en-US" baseline="0" dirty="0" smtClean="0"/>
+              <a:t> se </a:t>
+            </a:r>
+            <a:r>
+              <a:rPr lang="en-US" baseline="0" dirty="0" err="1" smtClean="0"/>
+              <a:t>popunjavaju</a:t>
+            </a:r>
+            <a:r>
+              <a:rPr lang="en-US" baseline="0" dirty="0" smtClean="0"/>
+              <a:t> </a:t>
+            </a:r>
+            <a:r>
+              <a:rPr lang="en-US" baseline="0" dirty="0" err="1" smtClean="0"/>
+              <a:t>odgovarajucim</a:t>
+            </a:r>
+            <a:r>
+              <a:rPr lang="en-US" baseline="0" dirty="0" smtClean="0"/>
+              <a:t> </a:t>
+            </a:r>
+            <a:r>
+              <a:rPr lang="en-US" baseline="0" dirty="0" err="1" smtClean="0"/>
+              <a:t>podacima</a:t>
+            </a:r>
+            <a:r>
+              <a:rPr lang="en-US" baseline="0" dirty="0" smtClean="0"/>
+              <a:t> </a:t>
+            </a:r>
+            <a:r>
+              <a:rPr lang="en-US" baseline="0" dirty="0" err="1" smtClean="0"/>
+              <a:t>iz</a:t>
+            </a:r>
+            <a:r>
+              <a:rPr lang="en-US" baseline="0" dirty="0" smtClean="0"/>
+              <a:t> </a:t>
+            </a:r>
+            <a:r>
+              <a:rPr lang="en-US" baseline="0" dirty="0" err="1" smtClean="0"/>
+              <a:t>elemenata</a:t>
+            </a:r>
+            <a:r>
+              <a:rPr lang="en-US" baseline="0" dirty="0" smtClean="0"/>
+              <a:t> python </a:t>
+            </a:r>
+            <a:r>
+              <a:rPr lang="en-US" baseline="0" dirty="0" err="1" smtClean="0"/>
+              <a:t>recnika</a:t>
             </a:r>
             <a:endParaRPr lang="en-US" dirty="0"/>
           </a:p>
@@ -4489,7 +7516,7 @@
                 </a:solidFill>
               </a:rPr>
               <a:pPr/>
-              <a:t>10</a:t>
+              <a:t>9</a:t>
             </a:fld>
             <a:endParaRPr lang="en-US">
               <a:solidFill>
@@ -4502,7 +7529,7 @@
     </p:spTree>
     <p:extLst>
       <p:ext uri="{BB962C8B-B14F-4D97-AF65-F5344CB8AC3E}">
-        <p14:creationId xmlns:p14="http://schemas.microsoft.com/office/powerpoint/2010/main" val="306118204"/>
+        <p14:creationId xmlns:p14="http://schemas.microsoft.com/office/powerpoint/2010/main" val="3894929618"/>
       </p:ext>
     </p:extLst>
   </p:cSld>
@@ -4556,654 +7583,146 @@
           <a:bodyPr/>
           <a:lstStyle/>
           <a:p>
-            <a:r>
-              <a:rPr lang="sr-Latn-RS" sz="1200" kern="1200" dirty="0" smtClean="0">
-                <a:solidFill>
-                  <a:schemeClr val="tx1"/>
-                </a:solidFill>
-                <a:effectLst/>
-                <a:latin typeface="+mn-lt"/>
-                <a:ea typeface="+mn-ea"/>
-                <a:cs typeface="+mn-cs"/>
-              </a:rPr>
-              <a:t>-</a:t>
-            </a:r>
-            <a:r>
-              <a:rPr lang="en-US" sz="1200" kern="1200" dirty="0" err="1" smtClean="0">
-                <a:solidFill>
-                  <a:schemeClr val="tx1"/>
-                </a:solidFill>
-                <a:effectLst/>
-                <a:latin typeface="+mn-lt"/>
-                <a:ea typeface="+mn-ea"/>
-                <a:cs typeface="+mn-cs"/>
-              </a:rPr>
-              <a:t>Izgled</a:t>
-            </a:r>
-            <a:r>
-              <a:rPr lang="en-US" sz="1200" kern="1200" dirty="0" smtClean="0">
-                <a:solidFill>
-                  <a:schemeClr val="tx1"/>
-                </a:solidFill>
-                <a:effectLst/>
-                <a:latin typeface="+mn-lt"/>
-                <a:ea typeface="+mn-ea"/>
-                <a:cs typeface="+mn-cs"/>
-              </a:rPr>
-              <a:t> </a:t>
-            </a:r>
-            <a:r>
-              <a:rPr lang="en-US" sz="1200" kern="1200" dirty="0" err="1" smtClean="0">
-                <a:solidFill>
-                  <a:schemeClr val="tx1"/>
-                </a:solidFill>
-                <a:effectLst/>
-                <a:latin typeface="+mn-lt"/>
-                <a:ea typeface="+mn-ea"/>
-                <a:cs typeface="+mn-cs"/>
-              </a:rPr>
-              <a:t>i</a:t>
-            </a:r>
-            <a:r>
-              <a:rPr lang="en-US" sz="1200" kern="1200" dirty="0" smtClean="0">
-                <a:solidFill>
-                  <a:schemeClr val="tx1"/>
-                </a:solidFill>
-                <a:effectLst/>
-                <a:latin typeface="+mn-lt"/>
-                <a:ea typeface="+mn-ea"/>
-                <a:cs typeface="+mn-cs"/>
-              </a:rPr>
-              <a:t> </a:t>
-            </a:r>
-            <a:r>
-              <a:rPr lang="en-US" sz="1200" kern="1200" dirty="0" err="1" smtClean="0">
-                <a:solidFill>
-                  <a:schemeClr val="tx1"/>
-                </a:solidFill>
-                <a:effectLst/>
-                <a:latin typeface="+mn-lt"/>
-                <a:ea typeface="+mn-ea"/>
-                <a:cs typeface="+mn-cs"/>
-              </a:rPr>
-              <a:t>uređenje</a:t>
-            </a:r>
-            <a:r>
-              <a:rPr lang="en-US" sz="1200" kern="1200" dirty="0" smtClean="0">
-                <a:solidFill>
-                  <a:schemeClr val="tx1"/>
-                </a:solidFill>
-                <a:effectLst/>
-                <a:latin typeface="+mn-lt"/>
-                <a:ea typeface="+mn-ea"/>
-                <a:cs typeface="+mn-cs"/>
-              </a:rPr>
-              <a:t> </a:t>
-            </a:r>
-            <a:r>
-              <a:rPr lang="en-US" sz="1200" kern="1200" dirty="0" err="1" smtClean="0">
-                <a:solidFill>
-                  <a:schemeClr val="tx1"/>
-                </a:solidFill>
-                <a:effectLst/>
-                <a:latin typeface="+mn-lt"/>
-                <a:ea typeface="+mn-ea"/>
-                <a:cs typeface="+mn-cs"/>
-              </a:rPr>
-              <a:t>aplikacije</a:t>
-            </a:r>
-            <a:r>
-              <a:rPr lang="en-US" sz="1200" kern="1200" dirty="0" smtClean="0">
-                <a:solidFill>
-                  <a:schemeClr val="tx1"/>
-                </a:solidFill>
-                <a:effectLst/>
-                <a:latin typeface="+mn-lt"/>
-                <a:ea typeface="+mn-ea"/>
-                <a:cs typeface="+mn-cs"/>
-              </a:rPr>
-              <a:t> </a:t>
-            </a:r>
-            <a:r>
-              <a:rPr lang="en-US" sz="1200" kern="1200" dirty="0" err="1" smtClean="0">
-                <a:solidFill>
-                  <a:schemeClr val="tx1"/>
-                </a:solidFill>
-                <a:effectLst/>
-                <a:latin typeface="+mn-lt"/>
-                <a:ea typeface="+mn-ea"/>
-                <a:cs typeface="+mn-cs"/>
-              </a:rPr>
-              <a:t>su</a:t>
-            </a:r>
-            <a:r>
-              <a:rPr lang="en-US" sz="1200" kern="1200" dirty="0" smtClean="0">
-                <a:solidFill>
-                  <a:schemeClr val="tx1"/>
-                </a:solidFill>
-                <a:effectLst/>
-                <a:latin typeface="+mn-lt"/>
-                <a:ea typeface="+mn-ea"/>
-                <a:cs typeface="+mn-cs"/>
-              </a:rPr>
-              <a:t> </a:t>
-            </a:r>
-            <a:r>
-              <a:rPr lang="en-US" sz="1200" kern="1200" dirty="0" err="1" smtClean="0">
-                <a:solidFill>
-                  <a:schemeClr val="tx1"/>
-                </a:solidFill>
-                <a:effectLst/>
-                <a:latin typeface="+mn-lt"/>
-                <a:ea typeface="+mn-ea"/>
-                <a:cs typeface="+mn-cs"/>
-              </a:rPr>
-              <a:t>zamišljeni</a:t>
-            </a:r>
-            <a:r>
-              <a:rPr lang="en-US" sz="1200" kern="1200" dirty="0" smtClean="0">
-                <a:solidFill>
-                  <a:schemeClr val="tx1"/>
-                </a:solidFill>
-                <a:effectLst/>
-                <a:latin typeface="+mn-lt"/>
-                <a:ea typeface="+mn-ea"/>
-                <a:cs typeface="+mn-cs"/>
-              </a:rPr>
-              <a:t> </a:t>
-            </a:r>
-            <a:r>
-              <a:rPr lang="en-US" sz="1200" kern="1200" dirty="0" err="1" smtClean="0">
-                <a:solidFill>
-                  <a:schemeClr val="tx1"/>
-                </a:solidFill>
-                <a:effectLst/>
-                <a:latin typeface="+mn-lt"/>
-                <a:ea typeface="+mn-ea"/>
-                <a:cs typeface="+mn-cs"/>
-              </a:rPr>
-              <a:t>sa</a:t>
-            </a:r>
-            <a:r>
-              <a:rPr lang="en-US" sz="1200" kern="1200" dirty="0" smtClean="0">
-                <a:solidFill>
-                  <a:schemeClr val="tx1"/>
-                </a:solidFill>
-                <a:effectLst/>
-                <a:latin typeface="+mn-lt"/>
-                <a:ea typeface="+mn-ea"/>
-                <a:cs typeface="+mn-cs"/>
-              </a:rPr>
-              <a:t> </a:t>
-            </a:r>
-            <a:r>
-              <a:rPr lang="en-US" sz="1200" kern="1200" dirty="0" err="1" smtClean="0">
-                <a:solidFill>
-                  <a:schemeClr val="tx1"/>
-                </a:solidFill>
-                <a:effectLst/>
-                <a:latin typeface="+mn-lt"/>
-                <a:ea typeface="+mn-ea"/>
-                <a:cs typeface="+mn-cs"/>
-              </a:rPr>
-              <a:t>jednostavnošću</a:t>
-            </a:r>
-            <a:r>
-              <a:rPr lang="en-US" sz="1200" kern="1200" dirty="0" smtClean="0">
-                <a:solidFill>
-                  <a:schemeClr val="tx1"/>
-                </a:solidFill>
-                <a:effectLst/>
-                <a:latin typeface="+mn-lt"/>
-                <a:ea typeface="+mn-ea"/>
-                <a:cs typeface="+mn-cs"/>
-              </a:rPr>
-              <a:t> </a:t>
-            </a:r>
-            <a:r>
-              <a:rPr lang="en-US" sz="1200" kern="1200" dirty="0" err="1" smtClean="0">
-                <a:solidFill>
-                  <a:schemeClr val="tx1"/>
-                </a:solidFill>
-                <a:effectLst/>
-                <a:latin typeface="+mn-lt"/>
-                <a:ea typeface="+mn-ea"/>
-                <a:cs typeface="+mn-cs"/>
-              </a:rPr>
-              <a:t>i</a:t>
-            </a:r>
-            <a:r>
-              <a:rPr lang="en-US" sz="1200" kern="1200" dirty="0" smtClean="0">
-                <a:solidFill>
-                  <a:schemeClr val="tx1"/>
-                </a:solidFill>
-                <a:effectLst/>
-                <a:latin typeface="+mn-lt"/>
-                <a:ea typeface="+mn-ea"/>
-                <a:cs typeface="+mn-cs"/>
-              </a:rPr>
-              <a:t> </a:t>
-            </a:r>
-            <a:r>
-              <a:rPr lang="en-US" sz="1200" kern="1200" dirty="0" err="1" smtClean="0">
-                <a:solidFill>
-                  <a:schemeClr val="tx1"/>
-                </a:solidFill>
-                <a:effectLst/>
-                <a:latin typeface="+mn-lt"/>
-                <a:ea typeface="+mn-ea"/>
-                <a:cs typeface="+mn-cs"/>
-              </a:rPr>
-              <a:t>jasnoćom</a:t>
-            </a:r>
-            <a:r>
-              <a:rPr lang="en-US" sz="1200" kern="1200" dirty="0" smtClean="0">
-                <a:solidFill>
-                  <a:schemeClr val="tx1"/>
-                </a:solidFill>
-                <a:effectLst/>
-                <a:latin typeface="+mn-lt"/>
-                <a:ea typeface="+mn-ea"/>
-                <a:cs typeface="+mn-cs"/>
-              </a:rPr>
-              <a:t> </a:t>
-            </a:r>
-            <a:r>
-              <a:rPr lang="en-US" sz="1200" kern="1200" dirty="0" err="1" smtClean="0">
-                <a:solidFill>
-                  <a:schemeClr val="tx1"/>
-                </a:solidFill>
-                <a:effectLst/>
-                <a:latin typeface="+mn-lt"/>
-                <a:ea typeface="+mn-ea"/>
-                <a:cs typeface="+mn-cs"/>
-              </a:rPr>
-              <a:t>korišćenja</a:t>
-            </a:r>
-            <a:r>
-              <a:rPr lang="en-US" sz="1200" kern="1200" dirty="0" smtClean="0">
-                <a:solidFill>
-                  <a:schemeClr val="tx1"/>
-                </a:solidFill>
-                <a:effectLst/>
-                <a:latin typeface="+mn-lt"/>
-                <a:ea typeface="+mn-ea"/>
-                <a:cs typeface="+mn-cs"/>
-              </a:rPr>
-              <a:t> </a:t>
-            </a:r>
-            <a:r>
-              <a:rPr lang="en-US" sz="1200" kern="1200" dirty="0" err="1" smtClean="0">
-                <a:solidFill>
-                  <a:schemeClr val="tx1"/>
-                </a:solidFill>
-                <a:effectLst/>
-                <a:latin typeface="+mn-lt"/>
-                <a:ea typeface="+mn-ea"/>
-                <a:cs typeface="+mn-cs"/>
-              </a:rPr>
-              <a:t>kao</a:t>
-            </a:r>
-            <a:r>
-              <a:rPr lang="en-US" sz="1200" kern="1200" dirty="0" smtClean="0">
-                <a:solidFill>
-                  <a:schemeClr val="tx1"/>
-                </a:solidFill>
-                <a:effectLst/>
-                <a:latin typeface="+mn-lt"/>
-                <a:ea typeface="+mn-ea"/>
-                <a:cs typeface="+mn-cs"/>
-              </a:rPr>
-              <a:t> </a:t>
-            </a:r>
-            <a:r>
-              <a:rPr lang="en-US" sz="1200" kern="1200" dirty="0" err="1" smtClean="0">
-                <a:solidFill>
-                  <a:schemeClr val="tx1"/>
-                </a:solidFill>
-                <a:effectLst/>
-                <a:latin typeface="+mn-lt"/>
-                <a:ea typeface="+mn-ea"/>
-                <a:cs typeface="+mn-cs"/>
-              </a:rPr>
-              <a:t>glavnim</a:t>
-            </a:r>
-            <a:r>
-              <a:rPr lang="en-US" sz="1200" kern="1200" dirty="0" smtClean="0">
-                <a:solidFill>
-                  <a:schemeClr val="tx1"/>
-                </a:solidFill>
-                <a:effectLst/>
-                <a:latin typeface="+mn-lt"/>
-                <a:ea typeface="+mn-ea"/>
-                <a:cs typeface="+mn-cs"/>
-              </a:rPr>
-              <a:t> </a:t>
-            </a:r>
-            <a:r>
-              <a:rPr lang="en-US" sz="1200" kern="1200" dirty="0" err="1" smtClean="0">
-                <a:solidFill>
-                  <a:schemeClr val="tx1"/>
-                </a:solidFill>
-                <a:effectLst/>
-                <a:latin typeface="+mn-lt"/>
-                <a:ea typeface="+mn-ea"/>
-                <a:cs typeface="+mn-cs"/>
-              </a:rPr>
-              <a:t>prioritetima</a:t>
-            </a:r>
-            <a:r>
-              <a:rPr lang="en-US" sz="1200" kern="1200" dirty="0" smtClean="0">
-                <a:solidFill>
-                  <a:schemeClr val="tx1"/>
-                </a:solidFill>
-                <a:effectLst/>
-                <a:latin typeface="+mn-lt"/>
-                <a:ea typeface="+mn-ea"/>
-                <a:cs typeface="+mn-cs"/>
-              </a:rPr>
-              <a:t>. </a:t>
-            </a:r>
-            <a:endParaRPr lang="sr-Latn-RS" sz="1200" kern="1200" dirty="0" smtClean="0">
-              <a:solidFill>
-                <a:schemeClr val="tx1"/>
-              </a:solidFill>
-              <a:effectLst/>
-              <a:latin typeface="+mn-lt"/>
-              <a:ea typeface="+mn-ea"/>
-              <a:cs typeface="+mn-cs"/>
-            </a:endParaRPr>
-          </a:p>
-          <a:p>
-            <a:r>
-              <a:rPr lang="sr-Latn-RS" sz="1200" kern="1200" dirty="0" smtClean="0">
-                <a:solidFill>
-                  <a:schemeClr val="tx1"/>
-                </a:solidFill>
-                <a:effectLst/>
-                <a:latin typeface="+mn-lt"/>
-                <a:ea typeface="+mn-ea"/>
-                <a:cs typeface="+mn-cs"/>
-              </a:rPr>
-              <a:t>-</a:t>
-            </a:r>
-            <a:r>
-              <a:rPr lang="en-US" sz="1200" kern="1200" dirty="0" err="1" smtClean="0">
-                <a:solidFill>
-                  <a:schemeClr val="tx1"/>
-                </a:solidFill>
-                <a:effectLst/>
-                <a:latin typeface="+mn-lt"/>
-                <a:ea typeface="+mn-ea"/>
-                <a:cs typeface="+mn-cs"/>
-              </a:rPr>
-              <a:t>Glavni</a:t>
-            </a:r>
-            <a:r>
-              <a:rPr lang="en-US" sz="1200" kern="1200" dirty="0" smtClean="0">
-                <a:solidFill>
-                  <a:schemeClr val="tx1"/>
-                </a:solidFill>
-                <a:effectLst/>
-                <a:latin typeface="+mn-lt"/>
-                <a:ea typeface="+mn-ea"/>
-                <a:cs typeface="+mn-cs"/>
-              </a:rPr>
-              <a:t> </a:t>
-            </a:r>
-            <a:r>
-              <a:rPr lang="en-US" sz="1200" kern="1200" dirty="0" err="1" smtClean="0">
-                <a:solidFill>
-                  <a:schemeClr val="tx1"/>
-                </a:solidFill>
-                <a:effectLst/>
-                <a:latin typeface="+mn-lt"/>
-                <a:ea typeface="+mn-ea"/>
-                <a:cs typeface="+mn-cs"/>
-              </a:rPr>
-              <a:t>prozor</a:t>
-            </a:r>
-            <a:r>
-              <a:rPr lang="en-US" sz="1200" kern="1200" dirty="0" smtClean="0">
-                <a:solidFill>
-                  <a:schemeClr val="tx1"/>
-                </a:solidFill>
-                <a:effectLst/>
-                <a:latin typeface="+mn-lt"/>
-                <a:ea typeface="+mn-ea"/>
-                <a:cs typeface="+mn-cs"/>
-              </a:rPr>
-              <a:t> </a:t>
-            </a:r>
-            <a:r>
-              <a:rPr lang="en-US" sz="1200" kern="1200" dirty="0" err="1" smtClean="0">
-                <a:solidFill>
-                  <a:schemeClr val="tx1"/>
-                </a:solidFill>
-                <a:effectLst/>
-                <a:latin typeface="+mn-lt"/>
-                <a:ea typeface="+mn-ea"/>
-                <a:cs typeface="+mn-cs"/>
-              </a:rPr>
-              <a:t>aplikacije</a:t>
-            </a:r>
-            <a:r>
-              <a:rPr lang="en-US" sz="1200" kern="1200" dirty="0" smtClean="0">
-                <a:solidFill>
-                  <a:schemeClr val="tx1"/>
-                </a:solidFill>
-                <a:effectLst/>
-                <a:latin typeface="+mn-lt"/>
-                <a:ea typeface="+mn-ea"/>
-                <a:cs typeface="+mn-cs"/>
-              </a:rPr>
+            <a:pPr marL="171450" indent="-171450">
+              <a:buFontTx/>
+              <a:buChar char="-"/>
+            </a:pPr>
+            <a:r>
+              <a:rPr lang="sr-Latn-RS" dirty="0" smtClean="0"/>
+              <a:t>Python biblioteka fpdf za</a:t>
+            </a:r>
+            <a:r>
+              <a:rPr lang="sr-Latn-RS" baseline="0" dirty="0" smtClean="0"/>
+              <a:t> generisanje PDF dokumenata baziranih na XML </a:t>
+            </a:r>
+            <a:r>
+              <a:rPr lang="sr-Latn-RS" baseline="0" dirty="0" smtClean="0"/>
+              <a:t>dokumentima</a:t>
+            </a:r>
+            <a:endParaRPr lang="en-US" baseline="0" dirty="0" smtClean="0"/>
+          </a:p>
+          <a:p>
+            <a:pPr marL="171450" indent="-171450">
+              <a:buFontTx/>
+              <a:buChar char="-"/>
+            </a:pPr>
+            <a:r>
+              <a:rPr lang="en-US" baseline="0" dirty="0" err="1" smtClean="0"/>
+              <a:t>Funkcionise</a:t>
+            </a:r>
+            <a:r>
+              <a:rPr lang="en-US" baseline="0" dirty="0" smtClean="0"/>
+              <a:t> </a:t>
+            </a:r>
+            <a:r>
+              <a:rPr lang="en-US" baseline="0" dirty="0" err="1" smtClean="0"/>
+              <a:t>na</a:t>
+            </a:r>
+            <a:r>
+              <a:rPr lang="en-US" baseline="0" dirty="0" smtClean="0"/>
+              <a:t> </a:t>
+            </a:r>
+            <a:r>
+              <a:rPr lang="en-US" baseline="0" dirty="0" err="1" smtClean="0"/>
+              <a:t>slican</a:t>
+            </a:r>
+            <a:r>
+              <a:rPr lang="en-US" baseline="0" dirty="0" smtClean="0"/>
+              <a:t> </a:t>
+            </a:r>
+            <a:r>
+              <a:rPr lang="en-US" baseline="0" dirty="0" err="1" smtClean="0"/>
+              <a:t>nacin</a:t>
+            </a:r>
+            <a:r>
+              <a:rPr lang="en-US" baseline="0" dirty="0" smtClean="0"/>
+              <a:t>: </a:t>
+            </a:r>
+            <a:r>
+              <a:rPr lang="en-US" baseline="0" dirty="0" err="1" smtClean="0"/>
+              <a:t>prethodno</a:t>
+            </a:r>
+            <a:r>
+              <a:rPr lang="en-US" baseline="0" dirty="0" smtClean="0"/>
+              <a:t> </a:t>
+            </a:r>
+            <a:r>
+              <a:rPr lang="en-US" baseline="0" dirty="0" err="1" smtClean="0"/>
+              <a:t>definisane</a:t>
+            </a:r>
+            <a:r>
+              <a:rPr lang="en-US" baseline="0" dirty="0" smtClean="0"/>
+              <a:t> </a:t>
+            </a:r>
+            <a:r>
+              <a:rPr lang="en-US" baseline="0" dirty="0" err="1" smtClean="0"/>
+              <a:t>stranice</a:t>
+            </a:r>
+            <a:r>
+              <a:rPr lang="en-US" baseline="0" dirty="0" smtClean="0"/>
+              <a:t> </a:t>
+            </a:r>
+            <a:r>
+              <a:rPr lang="en-US" baseline="0" dirty="0" err="1" smtClean="0"/>
+              <a:t>sadrze</a:t>
+            </a:r>
+            <a:r>
+              <a:rPr lang="en-US" baseline="0" dirty="0" smtClean="0"/>
+              <a:t> </a:t>
+            </a:r>
+            <a:r>
+              <a:rPr lang="en-US" baseline="0" dirty="0" err="1" smtClean="0"/>
+              <a:t>tabeleu</a:t>
+            </a:r>
+            <a:r>
+              <a:rPr lang="en-US" baseline="0" dirty="0" smtClean="0"/>
+              <a:t> </a:t>
+            </a:r>
+            <a:r>
+              <a:rPr lang="en-US" baseline="0" dirty="0" err="1" smtClean="0"/>
+              <a:t>cije</a:t>
+            </a:r>
+            <a:r>
+              <a:rPr lang="en-US" baseline="0" dirty="0" smtClean="0"/>
+              <a:t> </a:t>
+            </a:r>
+            <a:r>
+              <a:rPr lang="en-US" baseline="0" dirty="0" err="1" smtClean="0"/>
+              <a:t>kolone</a:t>
+            </a:r>
+            <a:r>
+              <a:rPr lang="en-US" baseline="0" dirty="0" smtClean="0"/>
               <a:t> se </a:t>
             </a:r>
             <a:r>
-              <a:rPr lang="en-US" sz="1200" kern="1200" dirty="0" err="1" smtClean="0">
-                <a:solidFill>
-                  <a:schemeClr val="tx1"/>
-                </a:solidFill>
-                <a:effectLst/>
-                <a:latin typeface="+mn-lt"/>
-                <a:ea typeface="+mn-ea"/>
-                <a:cs typeface="+mn-cs"/>
-              </a:rPr>
-              <a:t>sastoji</a:t>
-            </a:r>
-            <a:r>
-              <a:rPr lang="en-US" sz="1200" kern="1200" dirty="0" smtClean="0">
-                <a:solidFill>
-                  <a:schemeClr val="tx1"/>
-                </a:solidFill>
-                <a:effectLst/>
-                <a:latin typeface="+mn-lt"/>
-                <a:ea typeface="+mn-ea"/>
-                <a:cs typeface="+mn-cs"/>
-              </a:rPr>
-              <a:t> </a:t>
-            </a:r>
-            <a:r>
-              <a:rPr lang="en-US" sz="1200" kern="1200" dirty="0" err="1" smtClean="0">
-                <a:solidFill>
-                  <a:schemeClr val="tx1"/>
-                </a:solidFill>
-                <a:effectLst/>
-                <a:latin typeface="+mn-lt"/>
-                <a:ea typeface="+mn-ea"/>
-                <a:cs typeface="+mn-cs"/>
-              </a:rPr>
-              <a:t>iz</a:t>
-            </a:r>
-            <a:r>
-              <a:rPr lang="en-US" sz="1200" kern="1200" dirty="0" smtClean="0">
-                <a:solidFill>
-                  <a:schemeClr val="tx1"/>
-                </a:solidFill>
-                <a:effectLst/>
-                <a:latin typeface="+mn-lt"/>
-                <a:ea typeface="+mn-ea"/>
-                <a:cs typeface="+mn-cs"/>
-              </a:rPr>
-              <a:t> tri </a:t>
-            </a:r>
-            <a:r>
-              <a:rPr lang="en-US" sz="1200" kern="1200" dirty="0" err="1" smtClean="0">
-                <a:solidFill>
-                  <a:schemeClr val="tx1"/>
-                </a:solidFill>
-                <a:effectLst/>
-                <a:latin typeface="+mn-lt"/>
-                <a:ea typeface="+mn-ea"/>
-                <a:cs typeface="+mn-cs"/>
-              </a:rPr>
-              <a:t>panela</a:t>
-            </a:r>
-            <a:r>
-              <a:rPr lang="en-US" sz="1200" kern="1200" dirty="0" smtClean="0">
-                <a:solidFill>
-                  <a:schemeClr val="tx1"/>
-                </a:solidFill>
-                <a:effectLst/>
-                <a:latin typeface="+mn-lt"/>
-                <a:ea typeface="+mn-ea"/>
-                <a:cs typeface="+mn-cs"/>
-              </a:rPr>
-              <a:t>, od </a:t>
-            </a:r>
-            <a:r>
-              <a:rPr lang="en-US" sz="1200" kern="1200" dirty="0" err="1" smtClean="0">
-                <a:solidFill>
-                  <a:schemeClr val="tx1"/>
-                </a:solidFill>
-                <a:effectLst/>
-                <a:latin typeface="+mn-lt"/>
-                <a:ea typeface="+mn-ea"/>
-                <a:cs typeface="+mn-cs"/>
-              </a:rPr>
-              <a:t>kojih</a:t>
-            </a:r>
-            <a:r>
-              <a:rPr lang="en-US" sz="1200" kern="1200" dirty="0" smtClean="0">
-                <a:solidFill>
-                  <a:schemeClr val="tx1"/>
-                </a:solidFill>
-                <a:effectLst/>
-                <a:latin typeface="+mn-lt"/>
-                <a:ea typeface="+mn-ea"/>
-                <a:cs typeface="+mn-cs"/>
-              </a:rPr>
-              <a:t> </a:t>
-            </a:r>
-            <a:r>
-              <a:rPr lang="en-US" sz="1200" kern="1200" dirty="0" err="1" smtClean="0">
-                <a:solidFill>
-                  <a:schemeClr val="tx1"/>
-                </a:solidFill>
-                <a:effectLst/>
-                <a:latin typeface="+mn-lt"/>
-                <a:ea typeface="+mn-ea"/>
-                <a:cs typeface="+mn-cs"/>
-              </a:rPr>
-              <a:t>svaki</a:t>
-            </a:r>
-            <a:r>
-              <a:rPr lang="en-US" sz="1200" kern="1200" dirty="0" smtClean="0">
-                <a:solidFill>
-                  <a:schemeClr val="tx1"/>
-                </a:solidFill>
-                <a:effectLst/>
-                <a:latin typeface="+mn-lt"/>
-                <a:ea typeface="+mn-ea"/>
-                <a:cs typeface="+mn-cs"/>
-              </a:rPr>
-              <a:t> </a:t>
-            </a:r>
-            <a:r>
-              <a:rPr lang="en-US" sz="1200" kern="1200" dirty="0" err="1" smtClean="0">
-                <a:solidFill>
-                  <a:schemeClr val="tx1"/>
-                </a:solidFill>
-                <a:effectLst/>
-                <a:latin typeface="+mn-lt"/>
-                <a:ea typeface="+mn-ea"/>
-                <a:cs typeface="+mn-cs"/>
-              </a:rPr>
-              <a:t>ima</a:t>
-            </a:r>
-            <a:r>
-              <a:rPr lang="en-US" sz="1200" kern="1200" dirty="0" smtClean="0">
-                <a:solidFill>
-                  <a:schemeClr val="tx1"/>
-                </a:solidFill>
-                <a:effectLst/>
-                <a:latin typeface="+mn-lt"/>
-                <a:ea typeface="+mn-ea"/>
-                <a:cs typeface="+mn-cs"/>
-              </a:rPr>
-              <a:t> </a:t>
-            </a:r>
-            <a:r>
-              <a:rPr lang="en-US" sz="1200" kern="1200" dirty="0" err="1" smtClean="0">
-                <a:solidFill>
-                  <a:schemeClr val="tx1"/>
-                </a:solidFill>
-                <a:effectLst/>
-                <a:latin typeface="+mn-lt"/>
-                <a:ea typeface="+mn-ea"/>
-                <a:cs typeface="+mn-cs"/>
-              </a:rPr>
-              <a:t>svoju</a:t>
-            </a:r>
-            <a:r>
-              <a:rPr lang="en-US" sz="1200" kern="1200" dirty="0" smtClean="0">
-                <a:solidFill>
-                  <a:schemeClr val="tx1"/>
-                </a:solidFill>
-                <a:effectLst/>
-                <a:latin typeface="+mn-lt"/>
-                <a:ea typeface="+mn-ea"/>
-                <a:cs typeface="+mn-cs"/>
-              </a:rPr>
-              <a:t> </a:t>
-            </a:r>
-            <a:r>
-              <a:rPr lang="en-US" sz="1200" kern="1200" dirty="0" err="1" smtClean="0">
-                <a:solidFill>
-                  <a:schemeClr val="tx1"/>
-                </a:solidFill>
-                <a:effectLst/>
-                <a:latin typeface="+mn-lt"/>
-                <a:ea typeface="+mn-ea"/>
-                <a:cs typeface="+mn-cs"/>
-              </a:rPr>
-              <a:t>specifičnu</a:t>
-            </a:r>
-            <a:r>
-              <a:rPr lang="en-US" sz="1200" kern="1200" dirty="0" smtClean="0">
-                <a:solidFill>
-                  <a:schemeClr val="tx1"/>
-                </a:solidFill>
-                <a:effectLst/>
-                <a:latin typeface="+mn-lt"/>
-                <a:ea typeface="+mn-ea"/>
-                <a:cs typeface="+mn-cs"/>
-              </a:rPr>
-              <a:t> </a:t>
-            </a:r>
-            <a:r>
-              <a:rPr lang="en-US" sz="1200" kern="1200" dirty="0" err="1" smtClean="0">
-                <a:solidFill>
-                  <a:schemeClr val="tx1"/>
-                </a:solidFill>
-                <a:effectLst/>
-                <a:latin typeface="+mn-lt"/>
-                <a:ea typeface="+mn-ea"/>
-                <a:cs typeface="+mn-cs"/>
-              </a:rPr>
-              <a:t>namenu</a:t>
-            </a:r>
-            <a:endParaRPr lang="en-US" dirty="0"/>
+              <a:rPr lang="en-US" baseline="0" dirty="0" err="1" smtClean="0"/>
+              <a:t>upisuju</a:t>
+            </a:r>
+            <a:r>
+              <a:rPr lang="en-US" baseline="0" dirty="0" smtClean="0"/>
+              <a:t> </a:t>
+            </a:r>
+            <a:r>
+              <a:rPr lang="en-US" baseline="0" dirty="0" err="1" smtClean="0"/>
+              <a:t>odgovarajuci</a:t>
+            </a:r>
+            <a:r>
+              <a:rPr lang="en-US" baseline="0" dirty="0" smtClean="0"/>
+              <a:t> </a:t>
+            </a:r>
+            <a:r>
+              <a:rPr lang="en-US" baseline="0" dirty="0" err="1" smtClean="0"/>
+              <a:t>elementi</a:t>
+            </a:r>
+            <a:r>
+              <a:rPr lang="en-US" baseline="0" dirty="0" smtClean="0"/>
+              <a:t> python </a:t>
+            </a:r>
+            <a:r>
+              <a:rPr lang="en-US" baseline="0" dirty="0" err="1" smtClean="0"/>
+              <a:t>recnika</a:t>
+            </a:r>
+            <a:endParaRPr lang="sr-Latn-RS" baseline="0" dirty="0" smtClean="0"/>
           </a:p>
         </p:txBody>
       </p:sp>
@@ -5223,18 +7742,26 @@
           <a:lstStyle/>
           <a:p>
             <a:fld id="{6C2AB10A-991B-4A9D-BDBD-AB84E53F1688}" type="slidenum">
-              <a:rPr lang="en-US" smtClean="0"/>
+              <a:rPr lang="en-US" smtClean="0">
+                <a:solidFill>
+                  <a:prstClr val="black"/>
+                </a:solidFill>
+              </a:rPr>
               <a:pPr/>
-              <a:t>11</a:t>
+              <a:t>10</a:t>
             </a:fld>
-            <a:endParaRPr lang="en-US"/>
+            <a:endParaRPr lang="en-US">
+              <a:solidFill>
+                <a:prstClr val="black"/>
+              </a:solidFill>
+            </a:endParaRPr>
           </a:p>
         </p:txBody>
       </p:sp>
     </p:spTree>
     <p:extLst>
       <p:ext uri="{BB962C8B-B14F-4D97-AF65-F5344CB8AC3E}">
-        <p14:creationId xmlns:p14="http://schemas.microsoft.com/office/powerpoint/2010/main" val="2652972851"/>
+        <p14:creationId xmlns:p14="http://schemas.microsoft.com/office/powerpoint/2010/main" val="306118204"/>
       </p:ext>
     </p:extLst>
   </p:cSld>
@@ -5289,75 +7816,652 @@
           <a:lstStyle/>
           <a:p>
             <a:r>
-              <a:rPr lang="sr-Latn-RS" dirty="0" smtClean="0"/>
-              <a:t>-  </a:t>
-            </a:r>
-            <a:r>
-              <a:rPr lang="sr-Latn-RS" baseline="0" dirty="0" smtClean="0"/>
-              <a:t> </a:t>
-            </a:r>
-            <a:r>
-              <a:rPr lang="sr-Latn-RS" dirty="0" smtClean="0"/>
-              <a:t>xmltodict</a:t>
-            </a:r>
-            <a:r>
-              <a:rPr lang="sr-Latn-RS" baseline="0" dirty="0" smtClean="0"/>
-              <a:t> za p</a:t>
-            </a:r>
-            <a:r>
-              <a:rPr lang="en-US" dirty="0" err="1" smtClean="0"/>
-              <a:t>arsiranje</a:t>
-            </a:r>
-            <a:r>
-              <a:rPr lang="en-US" dirty="0" smtClean="0"/>
-              <a:t> </a:t>
-            </a:r>
-            <a:r>
-              <a:rPr lang="en-US" dirty="0" err="1" smtClean="0"/>
-              <a:t>pri</a:t>
-            </a:r>
-            <a:r>
-              <a:rPr lang="en-US" dirty="0" smtClean="0"/>
-              <a:t> u</a:t>
-            </a:r>
-            <a:r>
-              <a:rPr lang="sr-Latn-RS" dirty="0" smtClean="0"/>
-              <a:t>čitavanju XML dokumenta</a:t>
-            </a:r>
-          </a:p>
-          <a:p>
-            <a:pPr marL="0" indent="0">
-              <a:buFontTx/>
-              <a:buNone/>
-            </a:pPr>
-            <a:r>
-              <a:rPr lang="sr-Latn-RS" dirty="0" smtClean="0"/>
-              <a:t>-   čvorovi stabla su</a:t>
-            </a:r>
-            <a:r>
-              <a:rPr lang="sr-Latn-RS" baseline="0" dirty="0" smtClean="0"/>
-              <a:t> u vidu python rečnika </a:t>
-            </a:r>
-          </a:p>
-          <a:p>
-            <a:pPr marL="171450" indent="-171450">
-              <a:buFontTx/>
-              <a:buChar char="-"/>
-            </a:pPr>
-            <a:r>
-              <a:rPr lang="sr-Latn-RS" dirty="0" smtClean="0"/>
-              <a:t>wxTreeCtrl</a:t>
-            </a:r>
-            <a:r>
-              <a:rPr lang="sr-Latn-RS" baseline="0" dirty="0" smtClean="0"/>
-              <a:t> predstava stabla koja se popunjava elementima dobijenog rečnika</a:t>
-            </a:r>
-          </a:p>
-          <a:p>
-            <a:pPr marL="171450" indent="-171450">
-              <a:buFontTx/>
-              <a:buChar char="-"/>
-            </a:pPr>
+              <a:rPr lang="sr-Latn-RS" sz="1200" kern="1200" dirty="0" smtClean="0">
+                <a:solidFill>
+                  <a:schemeClr val="tx1"/>
+                </a:solidFill>
+                <a:effectLst/>
+                <a:latin typeface="+mn-lt"/>
+                <a:ea typeface="+mn-ea"/>
+                <a:cs typeface="+mn-cs"/>
+              </a:rPr>
+              <a:t>-</a:t>
+            </a:r>
+            <a:r>
+              <a:rPr lang="en-US" sz="1200" kern="1200" dirty="0" err="1" smtClean="0">
+                <a:solidFill>
+                  <a:schemeClr val="tx1"/>
+                </a:solidFill>
+                <a:effectLst/>
+                <a:latin typeface="+mn-lt"/>
+                <a:ea typeface="+mn-ea"/>
+                <a:cs typeface="+mn-cs"/>
+              </a:rPr>
+              <a:t>Izgled</a:t>
+            </a:r>
+            <a:r>
+              <a:rPr lang="en-US" sz="1200" kern="1200" dirty="0" smtClean="0">
+                <a:solidFill>
+                  <a:schemeClr val="tx1"/>
+                </a:solidFill>
+                <a:effectLst/>
+                <a:latin typeface="+mn-lt"/>
+                <a:ea typeface="+mn-ea"/>
+                <a:cs typeface="+mn-cs"/>
+              </a:rPr>
+              <a:t> </a:t>
+            </a:r>
+            <a:r>
+              <a:rPr lang="en-US" sz="1200" kern="1200" dirty="0" err="1" smtClean="0">
+                <a:solidFill>
+                  <a:schemeClr val="tx1"/>
+                </a:solidFill>
+                <a:effectLst/>
+                <a:latin typeface="+mn-lt"/>
+                <a:ea typeface="+mn-ea"/>
+                <a:cs typeface="+mn-cs"/>
+              </a:rPr>
+              <a:t>i</a:t>
+            </a:r>
+            <a:r>
+              <a:rPr lang="en-US" sz="1200" kern="1200" dirty="0" smtClean="0">
+                <a:solidFill>
+                  <a:schemeClr val="tx1"/>
+                </a:solidFill>
+                <a:effectLst/>
+                <a:latin typeface="+mn-lt"/>
+                <a:ea typeface="+mn-ea"/>
+                <a:cs typeface="+mn-cs"/>
+              </a:rPr>
+              <a:t> </a:t>
+            </a:r>
+            <a:r>
+              <a:rPr lang="en-US" sz="1200" kern="1200" dirty="0" err="1" smtClean="0">
+                <a:solidFill>
+                  <a:schemeClr val="tx1"/>
+                </a:solidFill>
+                <a:effectLst/>
+                <a:latin typeface="+mn-lt"/>
+                <a:ea typeface="+mn-ea"/>
+                <a:cs typeface="+mn-cs"/>
+              </a:rPr>
+              <a:t>uređenje</a:t>
+            </a:r>
+            <a:r>
+              <a:rPr lang="en-US" sz="1200" kern="1200" dirty="0" smtClean="0">
+                <a:solidFill>
+                  <a:schemeClr val="tx1"/>
+                </a:solidFill>
+                <a:effectLst/>
+                <a:latin typeface="+mn-lt"/>
+                <a:ea typeface="+mn-ea"/>
+                <a:cs typeface="+mn-cs"/>
+              </a:rPr>
+              <a:t> </a:t>
+            </a:r>
+            <a:r>
+              <a:rPr lang="en-US" sz="1200" kern="1200" dirty="0" err="1" smtClean="0">
+                <a:solidFill>
+                  <a:schemeClr val="tx1"/>
+                </a:solidFill>
+                <a:effectLst/>
+                <a:latin typeface="+mn-lt"/>
+                <a:ea typeface="+mn-ea"/>
+                <a:cs typeface="+mn-cs"/>
+              </a:rPr>
+              <a:t>aplikacije</a:t>
+            </a:r>
+            <a:r>
+              <a:rPr lang="en-US" sz="1200" kern="1200" dirty="0" smtClean="0">
+                <a:solidFill>
+                  <a:schemeClr val="tx1"/>
+                </a:solidFill>
+                <a:effectLst/>
+                <a:latin typeface="+mn-lt"/>
+                <a:ea typeface="+mn-ea"/>
+                <a:cs typeface="+mn-cs"/>
+              </a:rPr>
+              <a:t> </a:t>
+            </a:r>
+            <a:r>
+              <a:rPr lang="en-US" sz="1200" kern="1200" dirty="0" err="1" smtClean="0">
+                <a:solidFill>
+                  <a:schemeClr val="tx1"/>
+                </a:solidFill>
+                <a:effectLst/>
+                <a:latin typeface="+mn-lt"/>
+                <a:ea typeface="+mn-ea"/>
+                <a:cs typeface="+mn-cs"/>
+              </a:rPr>
+              <a:t>su</a:t>
+            </a:r>
+            <a:r>
+              <a:rPr lang="en-US" sz="1200" kern="1200" dirty="0" smtClean="0">
+                <a:solidFill>
+                  <a:schemeClr val="tx1"/>
+                </a:solidFill>
+                <a:effectLst/>
+                <a:latin typeface="+mn-lt"/>
+                <a:ea typeface="+mn-ea"/>
+                <a:cs typeface="+mn-cs"/>
+              </a:rPr>
+              <a:t> </a:t>
+            </a:r>
+            <a:r>
+              <a:rPr lang="en-US" sz="1200" kern="1200" dirty="0" err="1" smtClean="0">
+                <a:solidFill>
+                  <a:schemeClr val="tx1"/>
+                </a:solidFill>
+                <a:effectLst/>
+                <a:latin typeface="+mn-lt"/>
+                <a:ea typeface="+mn-ea"/>
+                <a:cs typeface="+mn-cs"/>
+              </a:rPr>
+              <a:t>zamišljeni</a:t>
+            </a:r>
+            <a:r>
+              <a:rPr lang="en-US" sz="1200" kern="1200" dirty="0" smtClean="0">
+                <a:solidFill>
+                  <a:schemeClr val="tx1"/>
+                </a:solidFill>
+                <a:effectLst/>
+                <a:latin typeface="+mn-lt"/>
+                <a:ea typeface="+mn-ea"/>
+                <a:cs typeface="+mn-cs"/>
+              </a:rPr>
+              <a:t> </a:t>
+            </a:r>
+            <a:r>
+              <a:rPr lang="en-US" sz="1200" kern="1200" dirty="0" err="1" smtClean="0">
+                <a:solidFill>
+                  <a:schemeClr val="tx1"/>
+                </a:solidFill>
+                <a:effectLst/>
+                <a:latin typeface="+mn-lt"/>
+                <a:ea typeface="+mn-ea"/>
+                <a:cs typeface="+mn-cs"/>
+              </a:rPr>
+              <a:t>sa</a:t>
+            </a:r>
+            <a:r>
+              <a:rPr lang="en-US" sz="1200" kern="1200" dirty="0" smtClean="0">
+                <a:solidFill>
+                  <a:schemeClr val="tx1"/>
+                </a:solidFill>
+                <a:effectLst/>
+                <a:latin typeface="+mn-lt"/>
+                <a:ea typeface="+mn-ea"/>
+                <a:cs typeface="+mn-cs"/>
+              </a:rPr>
+              <a:t> </a:t>
+            </a:r>
+            <a:r>
+              <a:rPr lang="en-US" sz="1200" kern="1200" dirty="0" err="1" smtClean="0">
+                <a:solidFill>
+                  <a:schemeClr val="tx1"/>
+                </a:solidFill>
+                <a:effectLst/>
+                <a:latin typeface="+mn-lt"/>
+                <a:ea typeface="+mn-ea"/>
+                <a:cs typeface="+mn-cs"/>
+              </a:rPr>
+              <a:t>jednostavnošću</a:t>
+            </a:r>
+            <a:r>
+              <a:rPr lang="en-US" sz="1200" kern="1200" dirty="0" smtClean="0">
+                <a:solidFill>
+                  <a:schemeClr val="tx1"/>
+                </a:solidFill>
+                <a:effectLst/>
+                <a:latin typeface="+mn-lt"/>
+                <a:ea typeface="+mn-ea"/>
+                <a:cs typeface="+mn-cs"/>
+              </a:rPr>
+              <a:t> </a:t>
+            </a:r>
+            <a:r>
+              <a:rPr lang="en-US" sz="1200" kern="1200" dirty="0" err="1" smtClean="0">
+                <a:solidFill>
+                  <a:schemeClr val="tx1"/>
+                </a:solidFill>
+                <a:effectLst/>
+                <a:latin typeface="+mn-lt"/>
+                <a:ea typeface="+mn-ea"/>
+                <a:cs typeface="+mn-cs"/>
+              </a:rPr>
+              <a:t>i</a:t>
+            </a:r>
+            <a:r>
+              <a:rPr lang="en-US" sz="1200" kern="1200" dirty="0" smtClean="0">
+                <a:solidFill>
+                  <a:schemeClr val="tx1"/>
+                </a:solidFill>
+                <a:effectLst/>
+                <a:latin typeface="+mn-lt"/>
+                <a:ea typeface="+mn-ea"/>
+                <a:cs typeface="+mn-cs"/>
+              </a:rPr>
+              <a:t> </a:t>
+            </a:r>
+            <a:r>
+              <a:rPr lang="en-US" sz="1200" kern="1200" dirty="0" err="1" smtClean="0">
+                <a:solidFill>
+                  <a:schemeClr val="tx1"/>
+                </a:solidFill>
+                <a:effectLst/>
+                <a:latin typeface="+mn-lt"/>
+                <a:ea typeface="+mn-ea"/>
+                <a:cs typeface="+mn-cs"/>
+              </a:rPr>
+              <a:t>jasnoćom</a:t>
+            </a:r>
+            <a:r>
+              <a:rPr lang="en-US" sz="1200" kern="1200" dirty="0" smtClean="0">
+                <a:solidFill>
+                  <a:schemeClr val="tx1"/>
+                </a:solidFill>
+                <a:effectLst/>
+                <a:latin typeface="+mn-lt"/>
+                <a:ea typeface="+mn-ea"/>
+                <a:cs typeface="+mn-cs"/>
+              </a:rPr>
+              <a:t> </a:t>
+            </a:r>
+            <a:r>
+              <a:rPr lang="en-US" sz="1200" kern="1200" dirty="0" err="1" smtClean="0">
+                <a:solidFill>
+                  <a:schemeClr val="tx1"/>
+                </a:solidFill>
+                <a:effectLst/>
+                <a:latin typeface="+mn-lt"/>
+                <a:ea typeface="+mn-ea"/>
+                <a:cs typeface="+mn-cs"/>
+              </a:rPr>
+              <a:t>korišćenja</a:t>
+            </a:r>
+            <a:r>
+              <a:rPr lang="en-US" sz="1200" kern="1200" dirty="0" smtClean="0">
+                <a:solidFill>
+                  <a:schemeClr val="tx1"/>
+                </a:solidFill>
+                <a:effectLst/>
+                <a:latin typeface="+mn-lt"/>
+                <a:ea typeface="+mn-ea"/>
+                <a:cs typeface="+mn-cs"/>
+              </a:rPr>
+              <a:t> </a:t>
+            </a:r>
+            <a:r>
+              <a:rPr lang="en-US" sz="1200" kern="1200" dirty="0" err="1" smtClean="0">
+                <a:solidFill>
+                  <a:schemeClr val="tx1"/>
+                </a:solidFill>
+                <a:effectLst/>
+                <a:latin typeface="+mn-lt"/>
+                <a:ea typeface="+mn-ea"/>
+                <a:cs typeface="+mn-cs"/>
+              </a:rPr>
+              <a:t>kao</a:t>
+            </a:r>
+            <a:r>
+              <a:rPr lang="en-US" sz="1200" kern="1200" dirty="0" smtClean="0">
+                <a:solidFill>
+                  <a:schemeClr val="tx1"/>
+                </a:solidFill>
+                <a:effectLst/>
+                <a:latin typeface="+mn-lt"/>
+                <a:ea typeface="+mn-ea"/>
+                <a:cs typeface="+mn-cs"/>
+              </a:rPr>
+              <a:t> </a:t>
+            </a:r>
+            <a:r>
+              <a:rPr lang="en-US" sz="1200" kern="1200" dirty="0" err="1" smtClean="0">
+                <a:solidFill>
+                  <a:schemeClr val="tx1"/>
+                </a:solidFill>
+                <a:effectLst/>
+                <a:latin typeface="+mn-lt"/>
+                <a:ea typeface="+mn-ea"/>
+                <a:cs typeface="+mn-cs"/>
+              </a:rPr>
+              <a:t>glavnim</a:t>
+            </a:r>
+            <a:r>
+              <a:rPr lang="en-US" sz="1200" kern="1200" dirty="0" smtClean="0">
+                <a:solidFill>
+                  <a:schemeClr val="tx1"/>
+                </a:solidFill>
+                <a:effectLst/>
+                <a:latin typeface="+mn-lt"/>
+                <a:ea typeface="+mn-ea"/>
+                <a:cs typeface="+mn-cs"/>
+              </a:rPr>
+              <a:t> </a:t>
+            </a:r>
+            <a:r>
+              <a:rPr lang="en-US" sz="1200" kern="1200" dirty="0" err="1" smtClean="0">
+                <a:solidFill>
+                  <a:schemeClr val="tx1"/>
+                </a:solidFill>
+                <a:effectLst/>
+                <a:latin typeface="+mn-lt"/>
+                <a:ea typeface="+mn-ea"/>
+                <a:cs typeface="+mn-cs"/>
+              </a:rPr>
+              <a:t>prioritetima</a:t>
+            </a:r>
+            <a:r>
+              <a:rPr lang="en-US" sz="1200" kern="1200" dirty="0" smtClean="0">
+                <a:solidFill>
+                  <a:schemeClr val="tx1"/>
+                </a:solidFill>
+                <a:effectLst/>
+                <a:latin typeface="+mn-lt"/>
+                <a:ea typeface="+mn-ea"/>
+                <a:cs typeface="+mn-cs"/>
+              </a:rPr>
+              <a:t>. </a:t>
+            </a:r>
+            <a:endParaRPr lang="sr-Latn-RS" sz="1200" kern="1200" dirty="0" smtClean="0">
+              <a:solidFill>
+                <a:schemeClr val="tx1"/>
+              </a:solidFill>
+              <a:effectLst/>
+              <a:latin typeface="+mn-lt"/>
+              <a:ea typeface="+mn-ea"/>
+              <a:cs typeface="+mn-cs"/>
+            </a:endParaRPr>
+          </a:p>
+          <a:p>
+            <a:r>
+              <a:rPr lang="sr-Latn-RS" sz="1200" kern="1200" dirty="0" smtClean="0">
+                <a:solidFill>
+                  <a:schemeClr val="tx1"/>
+                </a:solidFill>
+                <a:effectLst/>
+                <a:latin typeface="+mn-lt"/>
+                <a:ea typeface="+mn-ea"/>
+                <a:cs typeface="+mn-cs"/>
+              </a:rPr>
+              <a:t>-</a:t>
+            </a:r>
+            <a:r>
+              <a:rPr lang="en-US" sz="1200" kern="1200" dirty="0" err="1" smtClean="0">
+                <a:solidFill>
+                  <a:schemeClr val="tx1"/>
+                </a:solidFill>
+                <a:effectLst/>
+                <a:latin typeface="+mn-lt"/>
+                <a:ea typeface="+mn-ea"/>
+                <a:cs typeface="+mn-cs"/>
+              </a:rPr>
+              <a:t>Glavni</a:t>
+            </a:r>
+            <a:r>
+              <a:rPr lang="en-US" sz="1200" kern="1200" dirty="0" smtClean="0">
+                <a:solidFill>
+                  <a:schemeClr val="tx1"/>
+                </a:solidFill>
+                <a:effectLst/>
+                <a:latin typeface="+mn-lt"/>
+                <a:ea typeface="+mn-ea"/>
+                <a:cs typeface="+mn-cs"/>
+              </a:rPr>
+              <a:t> </a:t>
+            </a:r>
+            <a:r>
+              <a:rPr lang="en-US" sz="1200" kern="1200" dirty="0" err="1" smtClean="0">
+                <a:solidFill>
+                  <a:schemeClr val="tx1"/>
+                </a:solidFill>
+                <a:effectLst/>
+                <a:latin typeface="+mn-lt"/>
+                <a:ea typeface="+mn-ea"/>
+                <a:cs typeface="+mn-cs"/>
+              </a:rPr>
+              <a:t>prozor</a:t>
+            </a:r>
+            <a:r>
+              <a:rPr lang="en-US" sz="1200" kern="1200" dirty="0" smtClean="0">
+                <a:solidFill>
+                  <a:schemeClr val="tx1"/>
+                </a:solidFill>
+                <a:effectLst/>
+                <a:latin typeface="+mn-lt"/>
+                <a:ea typeface="+mn-ea"/>
+                <a:cs typeface="+mn-cs"/>
+              </a:rPr>
+              <a:t> </a:t>
+            </a:r>
+            <a:r>
+              <a:rPr lang="en-US" sz="1200" kern="1200" dirty="0" err="1" smtClean="0">
+                <a:solidFill>
+                  <a:schemeClr val="tx1"/>
+                </a:solidFill>
+                <a:effectLst/>
+                <a:latin typeface="+mn-lt"/>
+                <a:ea typeface="+mn-ea"/>
+                <a:cs typeface="+mn-cs"/>
+              </a:rPr>
+              <a:t>aplikacije</a:t>
+            </a:r>
+            <a:r>
+              <a:rPr lang="en-US" sz="1200" kern="1200" dirty="0" smtClean="0">
+                <a:solidFill>
+                  <a:schemeClr val="tx1"/>
+                </a:solidFill>
+                <a:effectLst/>
+                <a:latin typeface="+mn-lt"/>
+                <a:ea typeface="+mn-ea"/>
+                <a:cs typeface="+mn-cs"/>
+              </a:rPr>
+              <a:t> se </a:t>
+            </a:r>
+            <a:r>
+              <a:rPr lang="en-US" sz="1200" kern="1200" dirty="0" err="1" smtClean="0">
+                <a:solidFill>
+                  <a:schemeClr val="tx1"/>
+                </a:solidFill>
+                <a:effectLst/>
+                <a:latin typeface="+mn-lt"/>
+                <a:ea typeface="+mn-ea"/>
+                <a:cs typeface="+mn-cs"/>
+              </a:rPr>
+              <a:t>sastoji</a:t>
+            </a:r>
+            <a:r>
+              <a:rPr lang="en-US" sz="1200" kern="1200" dirty="0" smtClean="0">
+                <a:solidFill>
+                  <a:schemeClr val="tx1"/>
+                </a:solidFill>
+                <a:effectLst/>
+                <a:latin typeface="+mn-lt"/>
+                <a:ea typeface="+mn-ea"/>
+                <a:cs typeface="+mn-cs"/>
+              </a:rPr>
+              <a:t> </a:t>
+            </a:r>
+            <a:r>
+              <a:rPr lang="en-US" sz="1200" kern="1200" dirty="0" err="1" smtClean="0">
+                <a:solidFill>
+                  <a:schemeClr val="tx1"/>
+                </a:solidFill>
+                <a:effectLst/>
+                <a:latin typeface="+mn-lt"/>
+                <a:ea typeface="+mn-ea"/>
+                <a:cs typeface="+mn-cs"/>
+              </a:rPr>
+              <a:t>iz</a:t>
+            </a:r>
+            <a:r>
+              <a:rPr lang="en-US" sz="1200" kern="1200" dirty="0" smtClean="0">
+                <a:solidFill>
+                  <a:schemeClr val="tx1"/>
+                </a:solidFill>
+                <a:effectLst/>
+                <a:latin typeface="+mn-lt"/>
+                <a:ea typeface="+mn-ea"/>
+                <a:cs typeface="+mn-cs"/>
+              </a:rPr>
+              <a:t> tri </a:t>
+            </a:r>
+            <a:r>
+              <a:rPr lang="en-US" sz="1200" kern="1200" dirty="0" err="1" smtClean="0">
+                <a:solidFill>
+                  <a:schemeClr val="tx1"/>
+                </a:solidFill>
+                <a:effectLst/>
+                <a:latin typeface="+mn-lt"/>
+                <a:ea typeface="+mn-ea"/>
+                <a:cs typeface="+mn-cs"/>
+              </a:rPr>
+              <a:t>panela</a:t>
+            </a:r>
+            <a:r>
+              <a:rPr lang="en-US" sz="1200" kern="1200" dirty="0" smtClean="0">
+                <a:solidFill>
+                  <a:schemeClr val="tx1"/>
+                </a:solidFill>
+                <a:effectLst/>
+                <a:latin typeface="+mn-lt"/>
+                <a:ea typeface="+mn-ea"/>
+                <a:cs typeface="+mn-cs"/>
+              </a:rPr>
+              <a:t>, od </a:t>
+            </a:r>
+            <a:r>
+              <a:rPr lang="en-US" sz="1200" kern="1200" dirty="0" err="1" smtClean="0">
+                <a:solidFill>
+                  <a:schemeClr val="tx1"/>
+                </a:solidFill>
+                <a:effectLst/>
+                <a:latin typeface="+mn-lt"/>
+                <a:ea typeface="+mn-ea"/>
+                <a:cs typeface="+mn-cs"/>
+              </a:rPr>
+              <a:t>kojih</a:t>
+            </a:r>
+            <a:r>
+              <a:rPr lang="en-US" sz="1200" kern="1200" dirty="0" smtClean="0">
+                <a:solidFill>
+                  <a:schemeClr val="tx1"/>
+                </a:solidFill>
+                <a:effectLst/>
+                <a:latin typeface="+mn-lt"/>
+                <a:ea typeface="+mn-ea"/>
+                <a:cs typeface="+mn-cs"/>
+              </a:rPr>
+              <a:t> </a:t>
+            </a:r>
+            <a:r>
+              <a:rPr lang="en-US" sz="1200" kern="1200" dirty="0" err="1" smtClean="0">
+                <a:solidFill>
+                  <a:schemeClr val="tx1"/>
+                </a:solidFill>
+                <a:effectLst/>
+                <a:latin typeface="+mn-lt"/>
+                <a:ea typeface="+mn-ea"/>
+                <a:cs typeface="+mn-cs"/>
+              </a:rPr>
+              <a:t>svaki</a:t>
+            </a:r>
+            <a:r>
+              <a:rPr lang="en-US" sz="1200" kern="1200" dirty="0" smtClean="0">
+                <a:solidFill>
+                  <a:schemeClr val="tx1"/>
+                </a:solidFill>
+                <a:effectLst/>
+                <a:latin typeface="+mn-lt"/>
+                <a:ea typeface="+mn-ea"/>
+                <a:cs typeface="+mn-cs"/>
+              </a:rPr>
+              <a:t> </a:t>
+            </a:r>
+            <a:r>
+              <a:rPr lang="en-US" sz="1200" kern="1200" dirty="0" err="1" smtClean="0">
+                <a:solidFill>
+                  <a:schemeClr val="tx1"/>
+                </a:solidFill>
+                <a:effectLst/>
+                <a:latin typeface="+mn-lt"/>
+                <a:ea typeface="+mn-ea"/>
+                <a:cs typeface="+mn-cs"/>
+              </a:rPr>
+              <a:t>ima</a:t>
+            </a:r>
+            <a:r>
+              <a:rPr lang="en-US" sz="1200" kern="1200" dirty="0" smtClean="0">
+                <a:solidFill>
+                  <a:schemeClr val="tx1"/>
+                </a:solidFill>
+                <a:effectLst/>
+                <a:latin typeface="+mn-lt"/>
+                <a:ea typeface="+mn-ea"/>
+                <a:cs typeface="+mn-cs"/>
+              </a:rPr>
+              <a:t> </a:t>
+            </a:r>
+            <a:r>
+              <a:rPr lang="en-US" sz="1200" kern="1200" dirty="0" err="1" smtClean="0">
+                <a:solidFill>
+                  <a:schemeClr val="tx1"/>
+                </a:solidFill>
+                <a:effectLst/>
+                <a:latin typeface="+mn-lt"/>
+                <a:ea typeface="+mn-ea"/>
+                <a:cs typeface="+mn-cs"/>
+              </a:rPr>
+              <a:t>svoju</a:t>
+            </a:r>
+            <a:r>
+              <a:rPr lang="en-US" sz="1200" kern="1200" dirty="0" smtClean="0">
+                <a:solidFill>
+                  <a:schemeClr val="tx1"/>
+                </a:solidFill>
+                <a:effectLst/>
+                <a:latin typeface="+mn-lt"/>
+                <a:ea typeface="+mn-ea"/>
+                <a:cs typeface="+mn-cs"/>
+              </a:rPr>
+              <a:t> </a:t>
+            </a:r>
+            <a:r>
+              <a:rPr lang="en-US" sz="1200" kern="1200" dirty="0" err="1" smtClean="0">
+                <a:solidFill>
+                  <a:schemeClr val="tx1"/>
+                </a:solidFill>
+                <a:effectLst/>
+                <a:latin typeface="+mn-lt"/>
+                <a:ea typeface="+mn-ea"/>
+                <a:cs typeface="+mn-cs"/>
+              </a:rPr>
+              <a:t>specifičnu</a:t>
+            </a:r>
+            <a:r>
+              <a:rPr lang="en-US" sz="1200" kern="1200" dirty="0" smtClean="0">
+                <a:solidFill>
+                  <a:schemeClr val="tx1"/>
+                </a:solidFill>
+                <a:effectLst/>
+                <a:latin typeface="+mn-lt"/>
+                <a:ea typeface="+mn-ea"/>
+                <a:cs typeface="+mn-cs"/>
+              </a:rPr>
+              <a:t> </a:t>
+            </a:r>
+            <a:r>
+              <a:rPr lang="en-US" sz="1200" kern="1200" dirty="0" err="1" smtClean="0">
+                <a:solidFill>
+                  <a:schemeClr val="tx1"/>
+                </a:solidFill>
+                <a:effectLst/>
+                <a:latin typeface="+mn-lt"/>
+                <a:ea typeface="+mn-ea"/>
+                <a:cs typeface="+mn-cs"/>
+              </a:rPr>
+              <a:t>namenu</a:t>
+            </a:r>
             <a:endParaRPr lang="en-US" dirty="0"/>
           </a:p>
         </p:txBody>
@@ -5380,7 +8484,7 @@
             <a:fld id="{6C2AB10A-991B-4A9D-BDBD-AB84E53F1688}" type="slidenum">
               <a:rPr lang="en-US" smtClean="0"/>
               <a:pPr/>
-              <a:t>12</a:t>
+              <a:t>11</a:t>
             </a:fld>
             <a:endParaRPr lang="en-US"/>
           </a:p>
@@ -5389,7 +8493,7 @@
     </p:spTree>
     <p:extLst>
       <p:ext uri="{BB962C8B-B14F-4D97-AF65-F5344CB8AC3E}">
-        <p14:creationId xmlns:p14="http://schemas.microsoft.com/office/powerpoint/2010/main" val="1751340858"/>
+        <p14:creationId xmlns:p14="http://schemas.microsoft.com/office/powerpoint/2010/main" val="2652972851"/>
       </p:ext>
     </p:extLst>
   </p:cSld>
@@ -5836,7 +8940,7 @@
             <a:fld id="{BBE8E2CA-13BD-44B9-AD6E-34567930D582}" type="datetimeFigureOut">
               <a:rPr lang="sr-Latn-RS" smtClean="0"/>
               <a:pPr/>
-              <a:t>29.9.2020.</a:t>
+              <a:t>15.10.2020.</a:t>
             </a:fld>
             <a:endParaRPr lang="sr-Latn-RS"/>
           </a:p>
@@ -6042,7 +9146,7 @@
             <a:fld id="{BBE8E2CA-13BD-44B9-AD6E-34567930D582}" type="datetimeFigureOut">
               <a:rPr lang="sr-Latn-RS" smtClean="0"/>
               <a:pPr/>
-              <a:t>29.9.2020.</a:t>
+              <a:t>15.10.2020.</a:t>
             </a:fld>
             <a:endParaRPr lang="sr-Latn-RS"/>
           </a:p>
@@ -6279,7 +9383,7 @@
             <a:fld id="{BBE8E2CA-13BD-44B9-AD6E-34567930D582}" type="datetimeFigureOut">
               <a:rPr lang="sr-Latn-RS" smtClean="0"/>
               <a:pPr/>
-              <a:t>29.9.2020.</a:t>
+              <a:t>15.10.2020.</a:t>
             </a:fld>
             <a:endParaRPr lang="sr-Latn-RS"/>
           </a:p>
@@ -6551,7 +9655,7 @@
             <a:fld id="{BBE8E2CA-13BD-44B9-AD6E-34567930D582}" type="datetimeFigureOut">
               <a:rPr lang="sr-Latn-RS" smtClean="0"/>
               <a:pPr/>
-              <a:t>29.9.2020.</a:t>
+              <a:t>15.10.2020.</a:t>
             </a:fld>
             <a:endParaRPr lang="sr-Latn-RS"/>
           </a:p>
@@ -6809,7 +9913,7 @@
             <a:fld id="{BBE8E2CA-13BD-44B9-AD6E-34567930D582}" type="datetimeFigureOut">
               <a:rPr lang="sr-Latn-RS" smtClean="0"/>
               <a:pPr/>
-              <a:t>29.9.2020.</a:t>
+              <a:t>15.10.2020.</a:t>
             </a:fld>
             <a:endParaRPr lang="sr-Latn-RS"/>
           </a:p>
@@ -7202,7 +10306,7 @@
             <a:fld id="{BBE8E2CA-13BD-44B9-AD6E-34567930D582}" type="datetimeFigureOut">
               <a:rPr lang="sr-Latn-RS" smtClean="0"/>
               <a:pPr/>
-              <a:t>29.9.2020.</a:t>
+              <a:t>15.10.2020.</a:t>
             </a:fld>
             <a:endParaRPr lang="sr-Latn-RS"/>
           </a:p>
@@ -7346,7 +10450,7 @@
             <a:fld id="{BBE8E2CA-13BD-44B9-AD6E-34567930D582}" type="datetimeFigureOut">
               <a:rPr lang="sr-Latn-RS" smtClean="0"/>
               <a:pPr/>
-              <a:t>29.9.2020.</a:t>
+              <a:t>15.10.2020.</a:t>
             </a:fld>
             <a:endParaRPr lang="sr-Latn-RS"/>
           </a:p>
@@ -7467,7 +10571,7 @@
             <a:fld id="{BBE8E2CA-13BD-44B9-AD6E-34567930D582}" type="datetimeFigureOut">
               <a:rPr lang="sr-Latn-RS" smtClean="0"/>
               <a:pPr/>
-              <a:t>29.9.2020.</a:t>
+              <a:t>15.10.2020.</a:t>
             </a:fld>
             <a:endParaRPr lang="sr-Latn-RS"/>
           </a:p>
@@ -7770,7 +10874,7 @@
             <a:fld id="{BBE8E2CA-13BD-44B9-AD6E-34567930D582}" type="datetimeFigureOut">
               <a:rPr lang="sr-Latn-RS" smtClean="0"/>
               <a:pPr/>
-              <a:t>29.9.2020.</a:t>
+              <a:t>15.10.2020.</a:t>
             </a:fld>
             <a:endParaRPr lang="sr-Latn-RS"/>
           </a:p>
@@ -8049,7 +11153,7 @@
             <a:fld id="{BBE8E2CA-13BD-44B9-AD6E-34567930D582}" type="datetimeFigureOut">
               <a:rPr lang="sr-Latn-RS" smtClean="0"/>
               <a:pPr/>
-              <a:t>29.9.2020.</a:t>
+              <a:t>15.10.2020.</a:t>
             </a:fld>
             <a:endParaRPr lang="sr-Latn-RS"/>
           </a:p>
@@ -9243,11 +12347,7 @@
           <a:p>
             <a:r>
               <a:rPr lang="sr-Latn-RS" dirty="0" smtClean="0"/>
-              <a:t>Izgled grafičkog </a:t>
-            </a:r>
-            <a:r>
-              <a:rPr lang="sr-Latn-RS" dirty="0" smtClean="0"/>
-              <a:t>sučelja</a:t>
+              <a:t>Izgled grafičkog sučelja</a:t>
             </a:r>
             <a:endParaRPr lang="en-US" dirty="0"/>
           </a:p>
@@ -9815,6 +12915,52 @@
           <a:ln>
             <a:solidFill>
               <a:schemeClr val="bg1"/>
+            </a:solidFill>
+          </a:ln>
+        </p:spPr>
+        <p:style>
+          <a:lnRef idx="2">
+            <a:schemeClr val="accent1">
+              <a:shade val="50000"/>
+            </a:schemeClr>
+          </a:lnRef>
+          <a:fillRef idx="1">
+            <a:schemeClr val="accent1"/>
+          </a:fillRef>
+          <a:effectRef idx="0">
+            <a:schemeClr val="accent1"/>
+          </a:effectRef>
+          <a:fontRef idx="minor">
+            <a:schemeClr val="lt1"/>
+          </a:fontRef>
+        </p:style>
+        <p:txBody>
+          <a:bodyPr rtlCol="0" anchor="ctr"/>
+          <a:lstStyle/>
+          <a:p>
+            <a:pPr algn="ctr"/>
+            <a:endParaRPr lang="en-US"/>
+          </a:p>
+        </p:txBody>
+      </p:sp>
+      <p:sp>
+        <p:nvSpPr>
+          <p:cNvPr id="9" name="Rectangle 8"/>
+          <p:cNvSpPr/>
+          <p:nvPr/>
+        </p:nvSpPr>
+        <p:spPr>
+          <a:xfrm>
+            <a:off x="1503633" y="1647068"/>
+            <a:ext cx="1873433" cy="2978272"/>
+          </a:xfrm>
+          <a:prstGeom prst="rect">
+            <a:avLst/>
+          </a:prstGeom>
+          <a:noFill/>
+          <a:ln>
+            <a:solidFill>
+              <a:srgbClr val="00BCD4"/>
             </a:solidFill>
           </a:ln>
         </p:spPr>
@@ -11850,8 +14996,24 @@
           <a:p>
             <a:r>
               <a:rPr lang="sr-Latn-RS" dirty="0" smtClean="0"/>
-              <a:t>Gotova aplikacija testirana na više računara</a:t>
-            </a:r>
+              <a:t>Gotova aplikacija testirana na više </a:t>
+            </a:r>
+            <a:r>
+              <a:rPr lang="sr-Latn-RS" dirty="0" smtClean="0"/>
+              <a:t>računara</a:t>
+            </a:r>
+            <a:endParaRPr lang="en-US" dirty="0" smtClean="0"/>
+          </a:p>
+          <a:p>
+            <a:r>
+              <a:rPr lang="sr-Latn-RS" dirty="0"/>
+              <a:t>Pri testiranju korišćene različite verzije Windows operativnog sistema (7, 8 i 10</a:t>
+            </a:r>
+            <a:r>
+              <a:rPr lang="sr-Latn-RS" dirty="0" smtClean="0"/>
+              <a:t>)</a:t>
+            </a:r>
+            <a:endParaRPr lang="sr-Latn-RS" dirty="0" smtClean="0"/>
           </a:p>
           <a:p>
             <a:r>
@@ -11862,13 +15024,11 @@
           <a:p>
             <a:r>
               <a:rPr lang="sr-Latn-RS" dirty="0" smtClean="0"/>
-              <a:t>Pri testiranju korišćene različite verzije Windows operativnog sistema (7, 8 i 10)</a:t>
-            </a:r>
-          </a:p>
-          <a:p>
+              <a:t>Za </a:t>
+            </a:r>
             <a:r>
               <a:rPr lang="sr-Latn-RS" dirty="0" smtClean="0"/>
-              <a:t>Za kreiranje izvršne (.exe) datoteke korišćen </a:t>
+              <a:t>kreiranje izvršne (.exe) datoteke korišćen </a:t>
             </a:r>
             <a:r>
               <a:rPr lang="sr-Latn-RS" i="1" dirty="0" smtClean="0"/>
@@ -12252,7 +15412,6 @@
               <a:rPr lang="sr-Latn-RS" sz="6000" b="1" dirty="0" smtClean="0"/>
               <a:t>Hvala na pažnji!</a:t>
             </a:r>
-            <a:endParaRPr lang="sr-Latn-RS" sz="6000" b="1" dirty="0" smtClean="0"/>
           </a:p>
         </p:txBody>
       </p:sp>
@@ -12266,6 +15425,13 @@
   <p:clrMapOvr>
     <a:masterClrMapping/>
   </p:clrMapOvr>
+  <p:timing>
+    <p:tnLst>
+      <p:par>
+        <p:cTn id="1" dur="indefinite" restart="never" nodeType="tmRoot"/>
+      </p:par>
+    </p:tnLst>
+  </p:timing>
 </p:sld>
 </file>
 
@@ -12347,7 +15513,6 @@
               <a:rPr lang="sr-Latn-RS" dirty="0" smtClean="0"/>
               <a:t>softvera</a:t>
             </a:r>
-            <a:endParaRPr lang="sr-Latn-RS" dirty="0" smtClean="0"/>
           </a:p>
           <a:p>
             <a:r>
@@ -12363,13 +15528,8 @@
           <a:p>
             <a:r>
               <a:rPr lang="sr-Latn-RS" dirty="0" smtClean="0"/>
-              <a:t>Opis i</a:t>
-            </a:r>
-            <a:r>
-              <a:rPr lang="sr-Latn-RS" dirty="0" smtClean="0"/>
-              <a:t>zgleda i funkcionalnosti grafičkog sučelja</a:t>
-            </a:r>
-            <a:endParaRPr lang="sr-Latn-RS" dirty="0" smtClean="0"/>
+              <a:t>Opis izgleda i funkcionalnosti grafičkog sučelja</a:t>
+            </a:r>
           </a:p>
           <a:p>
             <a:r>
@@ -12390,6 +15550,73 @@
     <p:extLst>
       <p:ext uri="{BB962C8B-B14F-4D97-AF65-F5344CB8AC3E}">
         <p14:creationId xmlns:p14="http://schemas.microsoft.com/office/powerpoint/2010/main" val="584920832"/>
+      </p:ext>
+    </p:extLst>
+  </p:cSld>
+  <p:clrMapOvr>
+    <a:masterClrMapping/>
+  </p:clrMapOvr>
+  <p:timing>
+    <p:tnLst>
+      <p:par>
+        <p:cTn id="1" dur="indefinite" restart="never" nodeType="tmRoot"/>
+      </p:par>
+    </p:tnLst>
+  </p:timing>
+</p:sld>
+</file>
+
+<file path=ppt/slides/slide20.xml><?xml version="1.0" encoding="utf-8"?>
+<p:sld xmlns:a="http://schemas.openxmlformats.org/drawingml/2006/main" xmlns:r="http://schemas.openxmlformats.org/officeDocument/2006/relationships" xmlns:p="http://schemas.openxmlformats.org/presentationml/2006/main">
+  <p:cSld>
+    <p:spTree>
+      <p:nvGrpSpPr>
+        <p:cNvPr id="1" name=""/>
+        <p:cNvGrpSpPr/>
+        <p:nvPr/>
+      </p:nvGrpSpPr>
+      <p:grpSpPr>
+        <a:xfrm>
+          <a:off x="0" y="0"/>
+          <a:ext cx="0" cy="0"/>
+          <a:chOff x="0" y="0"/>
+          <a:chExt cx="0" cy="0"/>
+        </a:xfrm>
+      </p:grpSpPr>
+      <p:pic>
+        <p:nvPicPr>
+          <p:cNvPr id="2" name="Picture 1"/>
+          <p:cNvPicPr>
+            <a:picLocks noChangeAspect="1"/>
+          </p:cNvPicPr>
+          <p:nvPr/>
+        </p:nvPicPr>
+        <p:blipFill>
+          <a:blip r:embed="rId2">
+            <a:extLst>
+              <a:ext uri="{28A0092B-C50C-407E-A947-70E740481C1C}">
+                <a14:useLocalDpi xmlns:a14="http://schemas.microsoft.com/office/drawing/2010/main" val="0"/>
+              </a:ext>
+            </a:extLst>
+          </a:blip>
+          <a:stretch>
+            <a:fillRect/>
+          </a:stretch>
+        </p:blipFill>
+        <p:spPr>
+          <a:xfrm>
+            <a:off x="0" y="0"/>
+            <a:ext cx="9144000" cy="5143500"/>
+          </a:xfrm>
+          <a:prstGeom prst="rect">
+            <a:avLst/>
+          </a:prstGeom>
+        </p:spPr>
+      </p:pic>
+    </p:spTree>
+    <p:extLst>
+      <p:ext uri="{BB962C8B-B14F-4D97-AF65-F5344CB8AC3E}">
+        <p14:creationId xmlns:p14="http://schemas.microsoft.com/office/powerpoint/2010/main" val="542735999"/>
       </p:ext>
     </p:extLst>
   </p:cSld>
@@ -13039,6 +16266,13 @@
   <p:clrMapOvr>
     <a:masterClrMapping/>
   </p:clrMapOvr>
+  <p:timing>
+    <p:tnLst>
+      <p:par>
+        <p:cTn id="1" dur="indefinite" restart="never" nodeType="tmRoot"/>
+      </p:par>
+    </p:tnLst>
+  </p:timing>
 </p:sld>
 </file>
 
@@ -13240,7 +16474,6 @@
               <a:rPr lang="sr-Latn-RS" i="1" dirty="0" smtClean="0"/>
               <a:t>, fpdf</a:t>
             </a:r>
-            <a:endParaRPr lang="sr-Latn-RS" i="1" dirty="0" smtClean="0"/>
           </a:p>
           <a:p>
             <a:r>
